--- a/DMV_Health_Care_Presentation.pptx
+++ b/DMV_Health_Care_Presentation.pptx
@@ -6,6 +6,13 @@
   </p:sldMasterIdLst>
   <p:sldIdLst>
     <p:sldId id="256" r:id="rId2"/>
+    <p:sldId id="257" r:id="rId3"/>
+    <p:sldId id="258" r:id="rId4"/>
+    <p:sldId id="259" r:id="rId5"/>
+    <p:sldId id="260" r:id="rId6"/>
+    <p:sldId id="261" r:id="rId7"/>
+    <p:sldId id="262" r:id="rId8"/>
+    <p:sldId id="263" r:id="rId9"/>
   </p:sldIdLst>
   <p:sldSz cx="12192000" cy="6858000"/>
   <p:notesSz cx="6858000" cy="9144000"/>
@@ -104,6 +111,11 @@
       </a:defRPr>
     </a:lvl9pPr>
   </p:defaultTextStyle>
+  <p:extLst>
+    <p:ext uri="{EFAFB233-063F-42B5-8137-9DF3F51BA10A}">
+      <p15:sldGuideLst xmlns:p15="http://schemas.microsoft.com/office/powerpoint/2012/main"/>
+    </p:ext>
+  </p:extLst>
 </p:presentation>
 </file>
 
@@ -254,7 +266,7 @@
           <a:p>
             <a:fld id="{1EF181FB-4063-7D43-9667-698BCF882ED9}" type="datetimeFigureOut">
               <a:rPr lang="en-US" smtClean="0"/>
-              <a:t>4/20/19</a:t>
+              <a:t>4/25/2019</a:t>
             </a:fld>
             <a:endParaRPr lang="en-US"/>
           </a:p>
@@ -452,7 +464,7 @@
           <a:p>
             <a:fld id="{1EF181FB-4063-7D43-9667-698BCF882ED9}" type="datetimeFigureOut">
               <a:rPr lang="en-US" smtClean="0"/>
-              <a:t>4/20/19</a:t>
+              <a:t>4/25/2019</a:t>
             </a:fld>
             <a:endParaRPr lang="en-US"/>
           </a:p>
@@ -660,7 +672,7 @@
           <a:p>
             <a:fld id="{1EF181FB-4063-7D43-9667-698BCF882ED9}" type="datetimeFigureOut">
               <a:rPr lang="en-US" smtClean="0"/>
-              <a:t>4/20/19</a:t>
+              <a:t>4/25/2019</a:t>
             </a:fld>
             <a:endParaRPr lang="en-US"/>
           </a:p>
@@ -858,7 +870,7 @@
           <a:p>
             <a:fld id="{1EF181FB-4063-7D43-9667-698BCF882ED9}" type="datetimeFigureOut">
               <a:rPr lang="en-US" smtClean="0"/>
-              <a:t>4/20/19</a:t>
+              <a:t>4/25/2019</a:t>
             </a:fld>
             <a:endParaRPr lang="en-US"/>
           </a:p>
@@ -1133,7 +1145,7 @@
           <a:p>
             <a:fld id="{1EF181FB-4063-7D43-9667-698BCF882ED9}" type="datetimeFigureOut">
               <a:rPr lang="en-US" smtClean="0"/>
-              <a:t>4/20/19</a:t>
+              <a:t>4/25/2019</a:t>
             </a:fld>
             <a:endParaRPr lang="en-US"/>
           </a:p>
@@ -1398,7 +1410,7 @@
           <a:p>
             <a:fld id="{1EF181FB-4063-7D43-9667-698BCF882ED9}" type="datetimeFigureOut">
               <a:rPr lang="en-US" smtClean="0"/>
-              <a:t>4/20/19</a:t>
+              <a:t>4/25/2019</a:t>
             </a:fld>
             <a:endParaRPr lang="en-US"/>
           </a:p>
@@ -1810,7 +1822,7 @@
           <a:p>
             <a:fld id="{1EF181FB-4063-7D43-9667-698BCF882ED9}" type="datetimeFigureOut">
               <a:rPr lang="en-US" smtClean="0"/>
-              <a:t>4/20/19</a:t>
+              <a:t>4/25/2019</a:t>
             </a:fld>
             <a:endParaRPr lang="en-US"/>
           </a:p>
@@ -1951,7 +1963,7 @@
           <a:p>
             <a:fld id="{1EF181FB-4063-7D43-9667-698BCF882ED9}" type="datetimeFigureOut">
               <a:rPr lang="en-US" smtClean="0"/>
-              <a:t>4/20/19</a:t>
+              <a:t>4/25/2019</a:t>
             </a:fld>
             <a:endParaRPr lang="en-US"/>
           </a:p>
@@ -2064,7 +2076,7 @@
           <a:p>
             <a:fld id="{1EF181FB-4063-7D43-9667-698BCF882ED9}" type="datetimeFigureOut">
               <a:rPr lang="en-US" smtClean="0"/>
-              <a:t>4/20/19</a:t>
+              <a:t>4/25/2019</a:t>
             </a:fld>
             <a:endParaRPr lang="en-US"/>
           </a:p>
@@ -2375,7 +2387,7 @@
           <a:p>
             <a:fld id="{1EF181FB-4063-7D43-9667-698BCF882ED9}" type="datetimeFigureOut">
               <a:rPr lang="en-US" smtClean="0"/>
-              <a:t>4/20/19</a:t>
+              <a:t>4/25/2019</a:t>
             </a:fld>
             <a:endParaRPr lang="en-US"/>
           </a:p>
@@ -2663,7 +2675,7 @@
           <a:p>
             <a:fld id="{1EF181FB-4063-7D43-9667-698BCF882ED9}" type="datetimeFigureOut">
               <a:rPr lang="en-US" smtClean="0"/>
-              <a:t>4/20/19</a:t>
+              <a:t>4/25/2019</a:t>
             </a:fld>
             <a:endParaRPr lang="en-US"/>
           </a:p>
@@ -2904,7 +2916,7 @@
           <a:p>
             <a:fld id="{1EF181FB-4063-7D43-9667-698BCF882ED9}" type="datetimeFigureOut">
               <a:rPr lang="en-US" smtClean="0"/>
-              <a:t>4/20/19</a:t>
+              <a:t>4/25/2019</a:t>
             </a:fld>
             <a:endParaRPr lang="en-US"/>
           </a:p>
@@ -3419,6 +3431,614 @@
 </p:sld>
 </file>
 
+<file path=ppt/slides/slide2.xml><?xml version="1.0" encoding="utf-8"?>
+<p:sld xmlns:a="http://schemas.openxmlformats.org/drawingml/2006/main" xmlns:r="http://schemas.openxmlformats.org/officeDocument/2006/relationships" xmlns:p="http://schemas.openxmlformats.org/presentationml/2006/main">
+  <p:cSld>
+    <p:spTree>
+      <p:nvGrpSpPr>
+        <p:cNvPr id="1" name=""/>
+        <p:cNvGrpSpPr/>
+        <p:nvPr/>
+      </p:nvGrpSpPr>
+      <p:grpSpPr>
+        <a:xfrm>
+          <a:off x="0" y="0"/>
+          <a:ext cx="0" cy="0"/>
+          <a:chOff x="0" y="0"/>
+          <a:chExt cx="0" cy="0"/>
+        </a:xfrm>
+      </p:grpSpPr>
+      <p:sp>
+        <p:nvSpPr>
+          <p:cNvPr id="2" name="Title 1">
+            <a:extLst>
+              <a:ext uri="{FF2B5EF4-FFF2-40B4-BE49-F238E27FC236}">
+                <a16:creationId xmlns:a16="http://schemas.microsoft.com/office/drawing/2014/main" id="{0A86E077-DE4C-40B6-8039-E79EA69795B0}"/>
+              </a:ext>
+            </a:extLst>
+          </p:cNvPr>
+          <p:cNvSpPr>
+            <a:spLocks noGrp="1"/>
+          </p:cNvSpPr>
+          <p:nvPr>
+            <p:ph type="title"/>
+          </p:nvPr>
+        </p:nvSpPr>
+        <p:spPr/>
+        <p:txBody>
+          <a:bodyPr/>
+          <a:lstStyle/>
+          <a:p>
+            <a:r>
+              <a:rPr lang="en-US" dirty="0"/>
+              <a:t>Motivation &amp; Summary Slide</a:t>
+            </a:r>
+          </a:p>
+        </p:txBody>
+      </p:sp>
+      <p:sp>
+        <p:nvSpPr>
+          <p:cNvPr id="3" name="Content Placeholder 2">
+            <a:extLst>
+              <a:ext uri="{FF2B5EF4-FFF2-40B4-BE49-F238E27FC236}">
+                <a16:creationId xmlns:a16="http://schemas.microsoft.com/office/drawing/2014/main" id="{02EDAC61-E38D-4AC1-88F3-81BFEE73A590}"/>
+              </a:ext>
+            </a:extLst>
+          </p:cNvPr>
+          <p:cNvSpPr>
+            <a:spLocks noGrp="1"/>
+          </p:cNvSpPr>
+          <p:nvPr>
+            <p:ph idx="1"/>
+          </p:nvPr>
+        </p:nvSpPr>
+        <p:spPr/>
+        <p:txBody>
+          <a:bodyPr/>
+          <a:lstStyle/>
+          <a:p>
+            <a:r>
+              <a:rPr lang="en-US" dirty="0"/>
+              <a:t>We are interested in how economic conditions in specific geographic areas affect access to healthcare in the Washington, DC area. </a:t>
+            </a:r>
+          </a:p>
+          <a:p>
+            <a:r>
+              <a:rPr lang="en-US" dirty="0"/>
+              <a:t>What is the likelihood that more doctors would be located in higher populated areas?</a:t>
+            </a:r>
+          </a:p>
+          <a:p>
+            <a:r>
+              <a:rPr lang="en-US" dirty="0"/>
+              <a:t>Would hospital facilities be located more within higher income or lower income areas?</a:t>
+            </a:r>
+          </a:p>
+          <a:p>
+            <a:r>
+              <a:rPr lang="en-US" dirty="0"/>
+              <a:t>Is the unemployment rate higher in lower income areas?</a:t>
+            </a:r>
+          </a:p>
+          <a:p>
+            <a:r>
+              <a:rPr lang="en-US" dirty="0"/>
+              <a:t>Does per capita income influence the percentage of individuals possess healthcare insurance?</a:t>
+            </a:r>
+          </a:p>
+        </p:txBody>
+      </p:sp>
+    </p:spTree>
+    <p:extLst>
+      <p:ext uri="{BB962C8B-B14F-4D97-AF65-F5344CB8AC3E}">
+        <p14:creationId xmlns:p14="http://schemas.microsoft.com/office/powerpoint/2010/main" val="2960049510"/>
+      </p:ext>
+    </p:extLst>
+  </p:cSld>
+  <p:clrMapOvr>
+    <a:masterClrMapping/>
+  </p:clrMapOvr>
+</p:sld>
+</file>
+
+<file path=ppt/slides/slide3.xml><?xml version="1.0" encoding="utf-8"?>
+<p:sld xmlns:a="http://schemas.openxmlformats.org/drawingml/2006/main" xmlns:r="http://schemas.openxmlformats.org/officeDocument/2006/relationships" xmlns:p="http://schemas.openxmlformats.org/presentationml/2006/main">
+  <p:cSld>
+    <p:spTree>
+      <p:nvGrpSpPr>
+        <p:cNvPr id="1" name=""/>
+        <p:cNvGrpSpPr/>
+        <p:nvPr/>
+      </p:nvGrpSpPr>
+      <p:grpSpPr>
+        <a:xfrm>
+          <a:off x="0" y="0"/>
+          <a:ext cx="0" cy="0"/>
+          <a:chOff x="0" y="0"/>
+          <a:chExt cx="0" cy="0"/>
+        </a:xfrm>
+      </p:grpSpPr>
+      <p:sp>
+        <p:nvSpPr>
+          <p:cNvPr id="2" name="Title 1">
+            <a:extLst>
+              <a:ext uri="{FF2B5EF4-FFF2-40B4-BE49-F238E27FC236}">
+                <a16:creationId xmlns:a16="http://schemas.microsoft.com/office/drawing/2014/main" id="{873D4465-4D4C-4F6B-8DC4-F06671D31F1A}"/>
+              </a:ext>
+            </a:extLst>
+          </p:cNvPr>
+          <p:cNvSpPr>
+            <a:spLocks noGrp="1"/>
+          </p:cNvSpPr>
+          <p:nvPr>
+            <p:ph type="title"/>
+          </p:nvPr>
+        </p:nvSpPr>
+        <p:spPr/>
+        <p:txBody>
+          <a:bodyPr/>
+          <a:lstStyle/>
+          <a:p>
+            <a:r>
+              <a:rPr lang="en-US" dirty="0"/>
+              <a:t>Questions &amp; Data</a:t>
+            </a:r>
+          </a:p>
+        </p:txBody>
+      </p:sp>
+      <p:sp>
+        <p:nvSpPr>
+          <p:cNvPr id="3" name="Content Placeholder 2">
+            <a:extLst>
+              <a:ext uri="{FF2B5EF4-FFF2-40B4-BE49-F238E27FC236}">
+                <a16:creationId xmlns:a16="http://schemas.microsoft.com/office/drawing/2014/main" id="{46D0AED0-1D2F-4EAB-B1A3-FC14340C8172}"/>
+              </a:ext>
+            </a:extLst>
+          </p:cNvPr>
+          <p:cNvSpPr>
+            <a:spLocks noGrp="1"/>
+          </p:cNvSpPr>
+          <p:nvPr>
+            <p:ph idx="1"/>
+          </p:nvPr>
+        </p:nvSpPr>
+        <p:spPr/>
+        <p:txBody>
+          <a:bodyPr/>
+          <a:lstStyle/>
+          <a:p>
+            <a:endParaRPr lang="en-US"/>
+          </a:p>
+        </p:txBody>
+      </p:sp>
+    </p:spTree>
+    <p:extLst>
+      <p:ext uri="{BB962C8B-B14F-4D97-AF65-F5344CB8AC3E}">
+        <p14:creationId xmlns:p14="http://schemas.microsoft.com/office/powerpoint/2010/main" val="2431823744"/>
+      </p:ext>
+    </p:extLst>
+  </p:cSld>
+  <p:clrMapOvr>
+    <a:masterClrMapping/>
+  </p:clrMapOvr>
+</p:sld>
+</file>
+
+<file path=ppt/slides/slide4.xml><?xml version="1.0" encoding="utf-8"?>
+<p:sld xmlns:a="http://schemas.openxmlformats.org/drawingml/2006/main" xmlns:r="http://schemas.openxmlformats.org/officeDocument/2006/relationships" xmlns:p="http://schemas.openxmlformats.org/presentationml/2006/main">
+  <p:cSld>
+    <p:spTree>
+      <p:nvGrpSpPr>
+        <p:cNvPr id="1" name=""/>
+        <p:cNvGrpSpPr/>
+        <p:nvPr/>
+      </p:nvGrpSpPr>
+      <p:grpSpPr>
+        <a:xfrm>
+          <a:off x="0" y="0"/>
+          <a:ext cx="0" cy="0"/>
+          <a:chOff x="0" y="0"/>
+          <a:chExt cx="0" cy="0"/>
+        </a:xfrm>
+      </p:grpSpPr>
+      <p:sp>
+        <p:nvSpPr>
+          <p:cNvPr id="2" name="Title 1">
+            <a:extLst>
+              <a:ext uri="{FF2B5EF4-FFF2-40B4-BE49-F238E27FC236}">
+                <a16:creationId xmlns:a16="http://schemas.microsoft.com/office/drawing/2014/main" id="{4AF22BCA-FDC0-4431-8618-FAC509BB9706}"/>
+              </a:ext>
+            </a:extLst>
+          </p:cNvPr>
+          <p:cNvSpPr>
+            <a:spLocks noGrp="1"/>
+          </p:cNvSpPr>
+          <p:nvPr>
+            <p:ph type="title"/>
+          </p:nvPr>
+        </p:nvSpPr>
+        <p:spPr/>
+        <p:txBody>
+          <a:bodyPr/>
+          <a:lstStyle/>
+          <a:p>
+            <a:r>
+              <a:rPr lang="en-US" dirty="0"/>
+              <a:t>Data Cleanup &amp; Exploration</a:t>
+            </a:r>
+          </a:p>
+        </p:txBody>
+      </p:sp>
+      <p:sp>
+        <p:nvSpPr>
+          <p:cNvPr id="3" name="Content Placeholder 2">
+            <a:extLst>
+              <a:ext uri="{FF2B5EF4-FFF2-40B4-BE49-F238E27FC236}">
+                <a16:creationId xmlns:a16="http://schemas.microsoft.com/office/drawing/2014/main" id="{29C9BFDA-9560-4892-9EB0-659D27774262}"/>
+              </a:ext>
+            </a:extLst>
+          </p:cNvPr>
+          <p:cNvSpPr>
+            <a:spLocks noGrp="1"/>
+          </p:cNvSpPr>
+          <p:nvPr>
+            <p:ph idx="1"/>
+          </p:nvPr>
+        </p:nvSpPr>
+        <p:spPr/>
+        <p:txBody>
+          <a:bodyPr/>
+          <a:lstStyle/>
+          <a:p>
+            <a:endParaRPr lang="en-US"/>
+          </a:p>
+        </p:txBody>
+      </p:sp>
+    </p:spTree>
+    <p:extLst>
+      <p:ext uri="{BB962C8B-B14F-4D97-AF65-F5344CB8AC3E}">
+        <p14:creationId xmlns:p14="http://schemas.microsoft.com/office/powerpoint/2010/main" val="1636125406"/>
+      </p:ext>
+    </p:extLst>
+  </p:cSld>
+  <p:clrMapOvr>
+    <a:masterClrMapping/>
+  </p:clrMapOvr>
+</p:sld>
+</file>
+
+<file path=ppt/slides/slide5.xml><?xml version="1.0" encoding="utf-8"?>
+<p:sld xmlns:a="http://schemas.openxmlformats.org/drawingml/2006/main" xmlns:r="http://schemas.openxmlformats.org/officeDocument/2006/relationships" xmlns:p="http://schemas.openxmlformats.org/presentationml/2006/main">
+  <p:cSld>
+    <p:spTree>
+      <p:nvGrpSpPr>
+        <p:cNvPr id="1" name=""/>
+        <p:cNvGrpSpPr/>
+        <p:nvPr/>
+      </p:nvGrpSpPr>
+      <p:grpSpPr>
+        <a:xfrm>
+          <a:off x="0" y="0"/>
+          <a:ext cx="0" cy="0"/>
+          <a:chOff x="0" y="0"/>
+          <a:chExt cx="0" cy="0"/>
+        </a:xfrm>
+      </p:grpSpPr>
+      <p:sp>
+        <p:nvSpPr>
+          <p:cNvPr id="2" name="Title 1">
+            <a:extLst>
+              <a:ext uri="{FF2B5EF4-FFF2-40B4-BE49-F238E27FC236}">
+                <a16:creationId xmlns:a16="http://schemas.microsoft.com/office/drawing/2014/main" id="{2FD483C5-D48E-4219-BB16-04C5FAE80026}"/>
+              </a:ext>
+            </a:extLst>
+          </p:cNvPr>
+          <p:cNvSpPr>
+            <a:spLocks noGrp="1"/>
+          </p:cNvSpPr>
+          <p:nvPr>
+            <p:ph type="title"/>
+          </p:nvPr>
+        </p:nvSpPr>
+        <p:spPr/>
+        <p:txBody>
+          <a:bodyPr/>
+          <a:lstStyle/>
+          <a:p>
+            <a:r>
+              <a:rPr lang="en-US" dirty="0"/>
+              <a:t>Data Analysis</a:t>
+            </a:r>
+          </a:p>
+        </p:txBody>
+      </p:sp>
+      <p:sp>
+        <p:nvSpPr>
+          <p:cNvPr id="3" name="Content Placeholder 2">
+            <a:extLst>
+              <a:ext uri="{FF2B5EF4-FFF2-40B4-BE49-F238E27FC236}">
+                <a16:creationId xmlns:a16="http://schemas.microsoft.com/office/drawing/2014/main" id="{B19F1448-3B0E-4841-8334-D8BB4AB0FD16}"/>
+              </a:ext>
+            </a:extLst>
+          </p:cNvPr>
+          <p:cNvSpPr>
+            <a:spLocks noGrp="1"/>
+          </p:cNvSpPr>
+          <p:nvPr>
+            <p:ph idx="1"/>
+          </p:nvPr>
+        </p:nvSpPr>
+        <p:spPr/>
+        <p:txBody>
+          <a:bodyPr/>
+          <a:lstStyle/>
+          <a:p>
+            <a:endParaRPr lang="en-US"/>
+          </a:p>
+        </p:txBody>
+      </p:sp>
+    </p:spTree>
+    <p:extLst>
+      <p:ext uri="{BB962C8B-B14F-4D97-AF65-F5344CB8AC3E}">
+        <p14:creationId xmlns:p14="http://schemas.microsoft.com/office/powerpoint/2010/main" val="3924934091"/>
+      </p:ext>
+    </p:extLst>
+  </p:cSld>
+  <p:clrMapOvr>
+    <a:masterClrMapping/>
+  </p:clrMapOvr>
+</p:sld>
+</file>
+
+<file path=ppt/slides/slide6.xml><?xml version="1.0" encoding="utf-8"?>
+<p:sld xmlns:a="http://schemas.openxmlformats.org/drawingml/2006/main" xmlns:r="http://schemas.openxmlformats.org/officeDocument/2006/relationships" xmlns:p="http://schemas.openxmlformats.org/presentationml/2006/main">
+  <p:cSld>
+    <p:spTree>
+      <p:nvGrpSpPr>
+        <p:cNvPr id="1" name=""/>
+        <p:cNvGrpSpPr/>
+        <p:nvPr/>
+      </p:nvGrpSpPr>
+      <p:grpSpPr>
+        <a:xfrm>
+          <a:off x="0" y="0"/>
+          <a:ext cx="0" cy="0"/>
+          <a:chOff x="0" y="0"/>
+          <a:chExt cx="0" cy="0"/>
+        </a:xfrm>
+      </p:grpSpPr>
+      <p:sp>
+        <p:nvSpPr>
+          <p:cNvPr id="2" name="Title 1">
+            <a:extLst>
+              <a:ext uri="{FF2B5EF4-FFF2-40B4-BE49-F238E27FC236}">
+                <a16:creationId xmlns:a16="http://schemas.microsoft.com/office/drawing/2014/main" id="{481E313D-D30A-459A-A323-F52A7BE72AF2}"/>
+              </a:ext>
+            </a:extLst>
+          </p:cNvPr>
+          <p:cNvSpPr>
+            <a:spLocks noGrp="1"/>
+          </p:cNvSpPr>
+          <p:nvPr>
+            <p:ph type="title"/>
+          </p:nvPr>
+        </p:nvSpPr>
+        <p:spPr/>
+        <p:txBody>
+          <a:bodyPr/>
+          <a:lstStyle/>
+          <a:p>
+            <a:r>
+              <a:rPr lang="en-US" dirty="0"/>
+              <a:t>Discussion</a:t>
+            </a:r>
+          </a:p>
+        </p:txBody>
+      </p:sp>
+      <p:sp>
+        <p:nvSpPr>
+          <p:cNvPr id="3" name="Content Placeholder 2">
+            <a:extLst>
+              <a:ext uri="{FF2B5EF4-FFF2-40B4-BE49-F238E27FC236}">
+                <a16:creationId xmlns:a16="http://schemas.microsoft.com/office/drawing/2014/main" id="{125CF8AB-92FB-443C-A3A2-8A57F2EE1776}"/>
+              </a:ext>
+            </a:extLst>
+          </p:cNvPr>
+          <p:cNvSpPr>
+            <a:spLocks noGrp="1"/>
+          </p:cNvSpPr>
+          <p:nvPr>
+            <p:ph idx="1"/>
+          </p:nvPr>
+        </p:nvSpPr>
+        <p:spPr/>
+        <p:txBody>
+          <a:bodyPr/>
+          <a:lstStyle/>
+          <a:p>
+            <a:endParaRPr lang="en-US"/>
+          </a:p>
+        </p:txBody>
+      </p:sp>
+    </p:spTree>
+    <p:extLst>
+      <p:ext uri="{BB962C8B-B14F-4D97-AF65-F5344CB8AC3E}">
+        <p14:creationId xmlns:p14="http://schemas.microsoft.com/office/powerpoint/2010/main" val="540658138"/>
+      </p:ext>
+    </p:extLst>
+  </p:cSld>
+  <p:clrMapOvr>
+    <a:masterClrMapping/>
+  </p:clrMapOvr>
+</p:sld>
+</file>
+
+<file path=ppt/slides/slide7.xml><?xml version="1.0" encoding="utf-8"?>
+<p:sld xmlns:a="http://schemas.openxmlformats.org/drawingml/2006/main" xmlns:r="http://schemas.openxmlformats.org/officeDocument/2006/relationships" xmlns:p="http://schemas.openxmlformats.org/presentationml/2006/main">
+  <p:cSld>
+    <p:spTree>
+      <p:nvGrpSpPr>
+        <p:cNvPr id="1" name=""/>
+        <p:cNvGrpSpPr/>
+        <p:nvPr/>
+      </p:nvGrpSpPr>
+      <p:grpSpPr>
+        <a:xfrm>
+          <a:off x="0" y="0"/>
+          <a:ext cx="0" cy="0"/>
+          <a:chOff x="0" y="0"/>
+          <a:chExt cx="0" cy="0"/>
+        </a:xfrm>
+      </p:grpSpPr>
+      <p:sp>
+        <p:nvSpPr>
+          <p:cNvPr id="2" name="Title 1">
+            <a:extLst>
+              <a:ext uri="{FF2B5EF4-FFF2-40B4-BE49-F238E27FC236}">
+                <a16:creationId xmlns:a16="http://schemas.microsoft.com/office/drawing/2014/main" id="{EDD39E4F-6AE4-4794-B3B4-0075C47E36DC}"/>
+              </a:ext>
+            </a:extLst>
+          </p:cNvPr>
+          <p:cNvSpPr>
+            <a:spLocks noGrp="1"/>
+          </p:cNvSpPr>
+          <p:nvPr>
+            <p:ph type="title"/>
+          </p:nvPr>
+        </p:nvSpPr>
+        <p:spPr/>
+        <p:txBody>
+          <a:bodyPr/>
+          <a:lstStyle/>
+          <a:p>
+            <a:r>
+              <a:rPr lang="en-US" dirty="0"/>
+              <a:t>Post Mortem</a:t>
+            </a:r>
+          </a:p>
+        </p:txBody>
+      </p:sp>
+      <p:sp>
+        <p:nvSpPr>
+          <p:cNvPr id="3" name="Content Placeholder 2">
+            <a:extLst>
+              <a:ext uri="{FF2B5EF4-FFF2-40B4-BE49-F238E27FC236}">
+                <a16:creationId xmlns:a16="http://schemas.microsoft.com/office/drawing/2014/main" id="{47D64A1A-01EA-4B8B-9E25-F72036AADC65}"/>
+              </a:ext>
+            </a:extLst>
+          </p:cNvPr>
+          <p:cNvSpPr>
+            <a:spLocks noGrp="1"/>
+          </p:cNvSpPr>
+          <p:nvPr>
+            <p:ph idx="1"/>
+          </p:nvPr>
+        </p:nvSpPr>
+        <p:spPr/>
+        <p:txBody>
+          <a:bodyPr/>
+          <a:lstStyle/>
+          <a:p>
+            <a:endParaRPr lang="en-US"/>
+          </a:p>
+        </p:txBody>
+      </p:sp>
+    </p:spTree>
+    <p:extLst>
+      <p:ext uri="{BB962C8B-B14F-4D97-AF65-F5344CB8AC3E}">
+        <p14:creationId xmlns:p14="http://schemas.microsoft.com/office/powerpoint/2010/main" val="3128893982"/>
+      </p:ext>
+    </p:extLst>
+  </p:cSld>
+  <p:clrMapOvr>
+    <a:masterClrMapping/>
+  </p:clrMapOvr>
+</p:sld>
+</file>
+
+<file path=ppt/slides/slide8.xml><?xml version="1.0" encoding="utf-8"?>
+<p:sld xmlns:a="http://schemas.openxmlformats.org/drawingml/2006/main" xmlns:r="http://schemas.openxmlformats.org/officeDocument/2006/relationships" xmlns:p="http://schemas.openxmlformats.org/presentationml/2006/main">
+  <p:cSld>
+    <p:spTree>
+      <p:nvGrpSpPr>
+        <p:cNvPr id="1" name=""/>
+        <p:cNvGrpSpPr/>
+        <p:nvPr/>
+      </p:nvGrpSpPr>
+      <p:grpSpPr>
+        <a:xfrm>
+          <a:off x="0" y="0"/>
+          <a:ext cx="0" cy="0"/>
+          <a:chOff x="0" y="0"/>
+          <a:chExt cx="0" cy="0"/>
+        </a:xfrm>
+      </p:grpSpPr>
+      <p:sp>
+        <p:nvSpPr>
+          <p:cNvPr id="2" name="Title 1">
+            <a:extLst>
+              <a:ext uri="{FF2B5EF4-FFF2-40B4-BE49-F238E27FC236}">
+                <a16:creationId xmlns:a16="http://schemas.microsoft.com/office/drawing/2014/main" id="{73E998BA-4D88-422D-B8EE-5118A4EE704E}"/>
+              </a:ext>
+            </a:extLst>
+          </p:cNvPr>
+          <p:cNvSpPr>
+            <a:spLocks noGrp="1"/>
+          </p:cNvSpPr>
+          <p:nvPr>
+            <p:ph type="title"/>
+          </p:nvPr>
+        </p:nvSpPr>
+        <p:spPr/>
+        <p:txBody>
+          <a:bodyPr/>
+          <a:lstStyle/>
+          <a:p>
+            <a:r>
+              <a:rPr lang="en-US" dirty="0"/>
+              <a:t>Questions</a:t>
+            </a:r>
+          </a:p>
+        </p:txBody>
+      </p:sp>
+      <p:sp>
+        <p:nvSpPr>
+          <p:cNvPr id="3" name="Content Placeholder 2">
+            <a:extLst>
+              <a:ext uri="{FF2B5EF4-FFF2-40B4-BE49-F238E27FC236}">
+                <a16:creationId xmlns:a16="http://schemas.microsoft.com/office/drawing/2014/main" id="{243E82C2-59DB-4682-93F1-DC96A7849DD2}"/>
+              </a:ext>
+            </a:extLst>
+          </p:cNvPr>
+          <p:cNvSpPr>
+            <a:spLocks noGrp="1"/>
+          </p:cNvSpPr>
+          <p:nvPr>
+            <p:ph idx="1"/>
+          </p:nvPr>
+        </p:nvSpPr>
+        <p:spPr/>
+        <p:txBody>
+          <a:bodyPr/>
+          <a:lstStyle/>
+          <a:p>
+            <a:endParaRPr lang="en-US"/>
+          </a:p>
+        </p:txBody>
+      </p:sp>
+    </p:spTree>
+    <p:extLst>
+      <p:ext uri="{BB962C8B-B14F-4D97-AF65-F5344CB8AC3E}">
+        <p14:creationId xmlns:p14="http://schemas.microsoft.com/office/powerpoint/2010/main" val="2306837589"/>
+      </p:ext>
+    </p:extLst>
+  </p:cSld>
+  <p:clrMapOvr>
+    <a:masterClrMapping/>
+  </p:clrMapOvr>
+</p:sld>
+</file>
+
 <file path=ppt/theme/theme1.xml><?xml version="1.0" encoding="utf-8"?>
 <a:theme xmlns:a="http://schemas.openxmlformats.org/drawingml/2006/main" name="Office Theme">
   <a:themeElements>

--- a/DMV_Health_Care_Presentation.pptx
+++ b/DMV_Health_Care_Presentation.pptx
@@ -2,7 +2,7 @@
 <file path=ppt/presentation.xml><?xml version="1.0" encoding="utf-8"?>
 <p:presentation xmlns:a="http://schemas.openxmlformats.org/drawingml/2006/main" xmlns:r="http://schemas.openxmlformats.org/officeDocument/2006/relationships" xmlns:p="http://schemas.openxmlformats.org/presentationml/2006/main" saveSubsetFonts="1" autoCompressPictures="0">
   <p:sldMasterIdLst>
-    <p:sldMasterId id="2147483648" r:id="rId1"/>
+    <p:sldMasterId id="2147483660" r:id="rId1"/>
   </p:sldMasterIdLst>
   <p:sldIdLst>
     <p:sldId id="256" r:id="rId2"/>
@@ -20,7 +20,7 @@
     <a:defPPr>
       <a:defRPr lang="en-US"/>
     </a:defPPr>
-    <a:lvl1pPr marL="0" algn="l" defTabSz="914400" rtl="0" eaLnBrk="1" latinLnBrk="0" hangingPunct="1">
+    <a:lvl1pPr marL="0" algn="l" defTabSz="457200" rtl="0" eaLnBrk="1" latinLnBrk="0" hangingPunct="1">
       <a:defRPr sz="1800" kern="1200">
         <a:solidFill>
           <a:schemeClr val="tx1"/>
@@ -30,7 +30,7 @@
         <a:cs typeface="+mn-cs"/>
       </a:defRPr>
     </a:lvl1pPr>
-    <a:lvl2pPr marL="457200" algn="l" defTabSz="914400" rtl="0" eaLnBrk="1" latinLnBrk="0" hangingPunct="1">
+    <a:lvl2pPr marL="457200" algn="l" defTabSz="457200" rtl="0" eaLnBrk="1" latinLnBrk="0" hangingPunct="1">
       <a:defRPr sz="1800" kern="1200">
         <a:solidFill>
           <a:schemeClr val="tx1"/>
@@ -40,7 +40,7 @@
         <a:cs typeface="+mn-cs"/>
       </a:defRPr>
     </a:lvl2pPr>
-    <a:lvl3pPr marL="914400" algn="l" defTabSz="914400" rtl="0" eaLnBrk="1" latinLnBrk="0" hangingPunct="1">
+    <a:lvl3pPr marL="914400" algn="l" defTabSz="457200" rtl="0" eaLnBrk="1" latinLnBrk="0" hangingPunct="1">
       <a:defRPr sz="1800" kern="1200">
         <a:solidFill>
           <a:schemeClr val="tx1"/>
@@ -50,7 +50,7 @@
         <a:cs typeface="+mn-cs"/>
       </a:defRPr>
     </a:lvl3pPr>
-    <a:lvl4pPr marL="1371600" algn="l" defTabSz="914400" rtl="0" eaLnBrk="1" latinLnBrk="0" hangingPunct="1">
+    <a:lvl4pPr marL="1371600" algn="l" defTabSz="457200" rtl="0" eaLnBrk="1" latinLnBrk="0" hangingPunct="1">
       <a:defRPr sz="1800" kern="1200">
         <a:solidFill>
           <a:schemeClr val="tx1"/>
@@ -60,7 +60,7 @@
         <a:cs typeface="+mn-cs"/>
       </a:defRPr>
     </a:lvl4pPr>
-    <a:lvl5pPr marL="1828800" algn="l" defTabSz="914400" rtl="0" eaLnBrk="1" latinLnBrk="0" hangingPunct="1">
+    <a:lvl5pPr marL="1828800" algn="l" defTabSz="457200" rtl="0" eaLnBrk="1" latinLnBrk="0" hangingPunct="1">
       <a:defRPr sz="1800" kern="1200">
         <a:solidFill>
           <a:schemeClr val="tx1"/>
@@ -70,7 +70,7 @@
         <a:cs typeface="+mn-cs"/>
       </a:defRPr>
     </a:lvl5pPr>
-    <a:lvl6pPr marL="2286000" algn="l" defTabSz="914400" rtl="0" eaLnBrk="1" latinLnBrk="0" hangingPunct="1">
+    <a:lvl6pPr marL="2286000" algn="l" defTabSz="457200" rtl="0" eaLnBrk="1" latinLnBrk="0" hangingPunct="1">
       <a:defRPr sz="1800" kern="1200">
         <a:solidFill>
           <a:schemeClr val="tx1"/>
@@ -80,7 +80,7 @@
         <a:cs typeface="+mn-cs"/>
       </a:defRPr>
     </a:lvl6pPr>
-    <a:lvl7pPr marL="2743200" algn="l" defTabSz="914400" rtl="0" eaLnBrk="1" latinLnBrk="0" hangingPunct="1">
+    <a:lvl7pPr marL="2743200" algn="l" defTabSz="457200" rtl="0" eaLnBrk="1" latinLnBrk="0" hangingPunct="1">
       <a:defRPr sz="1800" kern="1200">
         <a:solidFill>
           <a:schemeClr val="tx1"/>
@@ -90,7 +90,7 @@
         <a:cs typeface="+mn-cs"/>
       </a:defRPr>
     </a:lvl7pPr>
-    <a:lvl8pPr marL="3200400" algn="l" defTabSz="914400" rtl="0" eaLnBrk="1" latinLnBrk="0" hangingPunct="1">
+    <a:lvl8pPr marL="3200400" algn="l" defTabSz="457200" rtl="0" eaLnBrk="1" latinLnBrk="0" hangingPunct="1">
       <a:defRPr sz="1800" kern="1200">
         <a:solidFill>
           <a:schemeClr val="tx1"/>
@@ -100,7 +100,7 @@
         <a:cs typeface="+mn-cs"/>
       </a:defRPr>
     </a:lvl8pPr>
-    <a:lvl9pPr marL="3657600" algn="l" defTabSz="914400" rtl="0" eaLnBrk="1" latinLnBrk="0" hangingPunct="1">
+    <a:lvl9pPr marL="3657600" algn="l" defTabSz="457200" rtl="0" eaLnBrk="1" latinLnBrk="0" hangingPunct="1">
       <a:defRPr sz="1800" kern="1200">
         <a:solidFill>
           <a:schemeClr val="tx1"/>
@@ -138,13 +138,7 @@
       </p:grpSpPr>
       <p:sp>
         <p:nvSpPr>
-          <p:cNvPr id="2" name="Title 1">
-            <a:extLst>
-              <a:ext uri="{FF2B5EF4-FFF2-40B4-BE49-F238E27FC236}">
-                <a16:creationId xmlns:a16="http://schemas.microsoft.com/office/drawing/2014/main" id="{598BFBF4-BFB6-9941-9BB8-0C416D5F1897}"/>
-              </a:ext>
-            </a:extLst>
-          </p:cNvPr>
+          <p:cNvPr id="2" name="Title 1"/>
           <p:cNvSpPr>
             <a:spLocks noGrp="1"/>
           </p:cNvSpPr>
@@ -154,15 +148,24 @@
         </p:nvSpPr>
         <p:spPr>
           <a:xfrm>
-            <a:off x="1524000" y="1122363"/>
-            <a:ext cx="9144000" cy="2387600"/>
+            <a:off x="1261872" y="758952"/>
+            <a:ext cx="9418320" cy="4041648"/>
           </a:xfrm>
         </p:spPr>
         <p:txBody>
-          <a:bodyPr anchor="b"/>
+          <a:bodyPr anchor="b">
+            <a:normAutofit/>
+          </a:bodyPr>
           <a:lstStyle>
-            <a:lvl1pPr algn="ctr">
-              <a:defRPr sz="6000"/>
+            <a:lvl1pPr algn="l">
+              <a:lnSpc>
+                <a:spcPct val="85000"/>
+              </a:lnSpc>
+              <a:defRPr sz="7200" baseline="0">
+                <a:solidFill>
+                  <a:schemeClr val="tx1"/>
+                </a:solidFill>
+              </a:defRPr>
             </a:lvl1pPr>
           </a:lstStyle>
           <a:p>
@@ -170,18 +173,13 @@
               <a:rPr lang="en-US"/>
               <a:t>Click to edit Master title style</a:t>
             </a:r>
-          </a:p>
-        </p:txBody>
-      </p:sp>
-      <p:sp>
-        <p:nvSpPr>
-          <p:cNvPr id="3" name="Subtitle 2">
-            <a:extLst>
-              <a:ext uri="{FF2B5EF4-FFF2-40B4-BE49-F238E27FC236}">
-                <a16:creationId xmlns:a16="http://schemas.microsoft.com/office/drawing/2014/main" id="{BC67EC4E-A294-5F4B-BA0E-5CB207716AA9}"/>
-              </a:ext>
-            </a:extLst>
-          </p:cNvPr>
+            <a:endParaRPr lang="en-US" dirty="0"/>
+          </a:p>
+        </p:txBody>
+      </p:sp>
+      <p:sp>
+        <p:nvSpPr>
+          <p:cNvPr id="3" name="Subtitle 2"/>
           <p:cNvSpPr>
             <a:spLocks noGrp="1"/>
           </p:cNvSpPr>
@@ -191,48 +189,56 @@
         </p:nvSpPr>
         <p:spPr>
           <a:xfrm>
-            <a:off x="1524000" y="3602038"/>
-            <a:ext cx="9144000" cy="1655762"/>
+            <a:off x="1261872" y="4800600"/>
+            <a:ext cx="9418320" cy="1691640"/>
           </a:xfrm>
         </p:spPr>
         <p:txBody>
-          <a:bodyPr/>
+          <a:bodyPr>
+            <a:normAutofit/>
+          </a:bodyPr>
           <a:lstStyle>
-            <a:lvl1pPr marL="0" indent="0" algn="ctr">
-              <a:buNone/>
-              <a:defRPr sz="2400"/>
+            <a:lvl1pPr marL="0" indent="0" algn="l">
+              <a:buNone/>
+              <a:defRPr sz="2200" baseline="0">
+                <a:solidFill>
+                  <a:schemeClr val="tx1">
+                    <a:lumMod val="75000"/>
+                  </a:schemeClr>
+                </a:solidFill>
+              </a:defRPr>
             </a:lvl1pPr>
             <a:lvl2pPr marL="457200" indent="0" algn="ctr">
               <a:buNone/>
-              <a:defRPr sz="2000"/>
+              <a:defRPr sz="2200"/>
             </a:lvl2pPr>
             <a:lvl3pPr marL="914400" indent="0" algn="ctr">
               <a:buNone/>
-              <a:defRPr sz="1800"/>
+              <a:defRPr sz="2200"/>
             </a:lvl3pPr>
             <a:lvl4pPr marL="1371600" indent="0" algn="ctr">
               <a:buNone/>
-              <a:defRPr sz="1600"/>
+              <a:defRPr sz="2000"/>
             </a:lvl4pPr>
             <a:lvl5pPr marL="1828800" indent="0" algn="ctr">
               <a:buNone/>
-              <a:defRPr sz="1600"/>
+              <a:defRPr sz="2000"/>
             </a:lvl5pPr>
             <a:lvl6pPr marL="2286000" indent="0" algn="ctr">
               <a:buNone/>
-              <a:defRPr sz="1600"/>
+              <a:defRPr sz="2000"/>
             </a:lvl6pPr>
             <a:lvl7pPr marL="2743200" indent="0" algn="ctr">
               <a:buNone/>
-              <a:defRPr sz="1600"/>
+              <a:defRPr sz="2000"/>
             </a:lvl7pPr>
             <a:lvl8pPr marL="3200400" indent="0" algn="ctr">
               <a:buNone/>
-              <a:defRPr sz="1600"/>
+              <a:defRPr sz="2000"/>
             </a:lvl8pPr>
             <a:lvl9pPr marL="3657600" indent="0" algn="ctr">
               <a:buNone/>
-              <a:defRPr sz="1600"/>
+              <a:defRPr sz="2000"/>
             </a:lvl9pPr>
           </a:lstStyle>
           <a:p>
@@ -240,18 +246,13 @@
               <a:rPr lang="en-US"/>
               <a:t>Click to edit Master subtitle style</a:t>
             </a:r>
-          </a:p>
-        </p:txBody>
-      </p:sp>
-      <p:sp>
-        <p:nvSpPr>
-          <p:cNvPr id="4" name="Date Placeholder 3">
-            <a:extLst>
-              <a:ext uri="{FF2B5EF4-FFF2-40B4-BE49-F238E27FC236}">
-                <a16:creationId xmlns:a16="http://schemas.microsoft.com/office/drawing/2014/main" id="{DDD02021-BFC5-9E40-BCFF-31C790F912E3}"/>
-              </a:ext>
-            </a:extLst>
-          </p:cNvPr>
+            <a:endParaRPr lang="en-US" dirty="0"/>
+          </a:p>
+        </p:txBody>
+      </p:sp>
+      <p:sp>
+        <p:nvSpPr>
+          <p:cNvPr id="4" name="Date Placeholder 3"/>
           <p:cNvSpPr>
             <a:spLocks noGrp="1"/>
           </p:cNvSpPr>
@@ -262,11 +263,21 @@
         <p:spPr/>
         <p:txBody>
           <a:bodyPr/>
-          <a:lstStyle/>
+          <a:lstStyle>
+            <a:lvl1pPr>
+              <a:defRPr>
+                <a:solidFill>
+                  <a:schemeClr val="tx1">
+                    <a:lumMod val="50000"/>
+                  </a:schemeClr>
+                </a:solidFill>
+              </a:defRPr>
+            </a:lvl1pPr>
+          </a:lstStyle>
           <a:p>
             <a:fld id="{1EF181FB-4063-7D43-9667-698BCF882ED9}" type="datetimeFigureOut">
               <a:rPr lang="en-US" smtClean="0"/>
-              <a:t>4/25/2019</a:t>
+              <a:t>4/26/2019</a:t>
             </a:fld>
             <a:endParaRPr lang="en-US"/>
           </a:p>
@@ -274,13 +285,7 @@
       </p:sp>
       <p:sp>
         <p:nvSpPr>
-          <p:cNvPr id="5" name="Footer Placeholder 4">
-            <a:extLst>
-              <a:ext uri="{FF2B5EF4-FFF2-40B4-BE49-F238E27FC236}">
-                <a16:creationId xmlns:a16="http://schemas.microsoft.com/office/drawing/2014/main" id="{D2D2B9C8-2EB5-AB46-A7EB-543B2DC925FA}"/>
-              </a:ext>
-            </a:extLst>
-          </p:cNvPr>
+          <p:cNvPr id="5" name="Footer Placeholder 4"/>
           <p:cNvSpPr>
             <a:spLocks noGrp="1"/>
           </p:cNvSpPr>
@@ -291,7 +296,17 @@
         <p:spPr/>
         <p:txBody>
           <a:bodyPr/>
-          <a:lstStyle/>
+          <a:lstStyle>
+            <a:lvl1pPr>
+              <a:defRPr>
+                <a:solidFill>
+                  <a:schemeClr val="tx1">
+                    <a:lumMod val="65000"/>
+                  </a:schemeClr>
+                </a:solidFill>
+              </a:defRPr>
+            </a:lvl1pPr>
+          </a:lstStyle>
           <a:p>
             <a:endParaRPr lang="en-US"/>
           </a:p>
@@ -299,13 +314,7 @@
       </p:sp>
       <p:sp>
         <p:nvSpPr>
-          <p:cNvPr id="6" name="Slide Number Placeholder 5">
-            <a:extLst>
-              <a:ext uri="{FF2B5EF4-FFF2-40B4-BE49-F238E27FC236}">
-                <a16:creationId xmlns:a16="http://schemas.microsoft.com/office/drawing/2014/main" id="{6DA59CD7-462D-124D-A6C5-A3889778D76E}"/>
-              </a:ext>
-            </a:extLst>
-          </p:cNvPr>
+          <p:cNvPr id="6" name="Slide Number Placeholder 5"/>
           <p:cNvSpPr>
             <a:spLocks noGrp="1"/>
           </p:cNvSpPr>
@@ -316,7 +325,17 @@
         <p:spPr/>
         <p:txBody>
           <a:bodyPr/>
-          <a:lstStyle/>
+          <a:lstStyle>
+            <a:lvl1pPr>
+              <a:defRPr>
+                <a:solidFill>
+                  <a:schemeClr val="tx1">
+                    <a:lumMod val="65000"/>
+                  </a:schemeClr>
+                </a:solidFill>
+              </a:defRPr>
+            </a:lvl1pPr>
+          </a:lstStyle>
           <a:p>
             <a:fld id="{BE8CAEDE-B169-B24F-AAFE-CC58B28C2E3E}" type="slidenum">
               <a:rPr lang="en-US" smtClean="0"/>
@@ -326,15 +345,53 @@
           </a:p>
         </p:txBody>
       </p:sp>
+      <p:sp>
+        <p:nvSpPr>
+          <p:cNvPr id="7" name="Rectangle 6"/>
+          <p:cNvSpPr/>
+          <p:nvPr/>
+        </p:nvSpPr>
+        <p:spPr>
+          <a:xfrm>
+            <a:off x="0" y="0"/>
+            <a:ext cx="457200" cy="6858000"/>
+          </a:xfrm>
+          <a:prstGeom prst="rect">
+            <a:avLst/>
+          </a:prstGeom>
+          <a:solidFill>
+            <a:schemeClr val="accent1"/>
+          </a:solidFill>
+          <a:ln>
+            <a:noFill/>
+          </a:ln>
+        </p:spPr>
+        <p:style>
+          <a:lnRef idx="2">
+            <a:schemeClr val="accent1">
+              <a:shade val="50000"/>
+            </a:schemeClr>
+          </a:lnRef>
+          <a:fillRef idx="1">
+            <a:schemeClr val="accent1"/>
+          </a:fillRef>
+          <a:effectRef idx="0">
+            <a:schemeClr val="accent1"/>
+          </a:effectRef>
+          <a:fontRef idx="minor">
+            <a:schemeClr val="lt1"/>
+          </a:fontRef>
+        </p:style>
+      </p:sp>
     </p:spTree>
     <p:extLst>
       <p:ext uri="{BB962C8B-B14F-4D97-AF65-F5344CB8AC3E}">
-        <p14:creationId xmlns:p14="http://schemas.microsoft.com/office/powerpoint/2010/main" val="1786603859"/>
+        <p14:creationId xmlns:p14="http://schemas.microsoft.com/office/powerpoint/2010/main" val="1262589733"/>
       </p:ext>
     </p:extLst>
   </p:cSld>
   <p:clrMapOvr>
-    <a:masterClrMapping/>
+    <a:overrideClrMapping bg1="dk1" tx1="lt1" bg2="dk2" tx2="lt2" accent1="accent1" accent2="accent2" accent3="accent3" accent4="accent4" accent5="accent5" accent6="accent6" hlink="hlink" folHlink="folHlink"/>
   </p:clrMapOvr>
 </p:sldLayout>
 </file>
@@ -358,13 +415,7 @@
       </p:grpSpPr>
       <p:sp>
         <p:nvSpPr>
-          <p:cNvPr id="2" name="Title 1">
-            <a:extLst>
-              <a:ext uri="{FF2B5EF4-FFF2-40B4-BE49-F238E27FC236}">
-                <a16:creationId xmlns:a16="http://schemas.microsoft.com/office/drawing/2014/main" id="{5F4282CA-A193-3B48-AED7-284FA62E979E}"/>
-              </a:ext>
-            </a:extLst>
-          </p:cNvPr>
+          <p:cNvPr id="2" name="Title 1"/>
           <p:cNvSpPr>
             <a:spLocks noGrp="1"/>
           </p:cNvSpPr>
@@ -381,18 +432,13 @@
               <a:rPr lang="en-US"/>
               <a:t>Click to edit Master title style</a:t>
             </a:r>
-          </a:p>
-        </p:txBody>
-      </p:sp>
-      <p:sp>
-        <p:nvSpPr>
-          <p:cNvPr id="3" name="Vertical Text Placeholder 2">
-            <a:extLst>
-              <a:ext uri="{FF2B5EF4-FFF2-40B4-BE49-F238E27FC236}">
-                <a16:creationId xmlns:a16="http://schemas.microsoft.com/office/drawing/2014/main" id="{5FB659F9-1127-4B4D-A159-FE097592650A}"/>
-              </a:ext>
-            </a:extLst>
-          </p:cNvPr>
+            <a:endParaRPr lang="en-US" dirty="0"/>
+          </a:p>
+        </p:txBody>
+      </p:sp>
+      <p:sp>
+        <p:nvSpPr>
+          <p:cNvPr id="3" name="Vertical Text Placeholder 2"/>
           <p:cNvSpPr>
             <a:spLocks noGrp="1"/>
           </p:cNvSpPr>
@@ -438,18 +484,13 @@
               <a:rPr lang="en-US"/>
               <a:t>Fifth level</a:t>
             </a:r>
-          </a:p>
-        </p:txBody>
-      </p:sp>
-      <p:sp>
-        <p:nvSpPr>
-          <p:cNvPr id="4" name="Date Placeholder 3">
-            <a:extLst>
-              <a:ext uri="{FF2B5EF4-FFF2-40B4-BE49-F238E27FC236}">
-                <a16:creationId xmlns:a16="http://schemas.microsoft.com/office/drawing/2014/main" id="{597AAE15-7099-DC41-AD90-01C1FF2EAC21}"/>
-              </a:ext>
-            </a:extLst>
-          </p:cNvPr>
+            <a:endParaRPr lang="en-US" dirty="0"/>
+          </a:p>
+        </p:txBody>
+      </p:sp>
+      <p:sp>
+        <p:nvSpPr>
+          <p:cNvPr id="4" name="Date Placeholder 3"/>
           <p:cNvSpPr>
             <a:spLocks noGrp="1"/>
           </p:cNvSpPr>
@@ -464,7 +505,7 @@
           <a:p>
             <a:fld id="{1EF181FB-4063-7D43-9667-698BCF882ED9}" type="datetimeFigureOut">
               <a:rPr lang="en-US" smtClean="0"/>
-              <a:t>4/25/2019</a:t>
+              <a:t>4/26/2019</a:t>
             </a:fld>
             <a:endParaRPr lang="en-US"/>
           </a:p>
@@ -472,13 +513,7 @@
       </p:sp>
       <p:sp>
         <p:nvSpPr>
-          <p:cNvPr id="5" name="Footer Placeholder 4">
-            <a:extLst>
-              <a:ext uri="{FF2B5EF4-FFF2-40B4-BE49-F238E27FC236}">
-                <a16:creationId xmlns:a16="http://schemas.microsoft.com/office/drawing/2014/main" id="{8918AFF9-42A7-DB4B-B380-4608A3C1DD57}"/>
-              </a:ext>
-            </a:extLst>
-          </p:cNvPr>
+          <p:cNvPr id="5" name="Footer Placeholder 4"/>
           <p:cNvSpPr>
             <a:spLocks noGrp="1"/>
           </p:cNvSpPr>
@@ -497,13 +532,7 @@
       </p:sp>
       <p:sp>
         <p:nvSpPr>
-          <p:cNvPr id="6" name="Slide Number Placeholder 5">
-            <a:extLst>
-              <a:ext uri="{FF2B5EF4-FFF2-40B4-BE49-F238E27FC236}">
-                <a16:creationId xmlns:a16="http://schemas.microsoft.com/office/drawing/2014/main" id="{48F60BC9-E090-964D-BC79-5E05A73C5EAB}"/>
-              </a:ext>
-            </a:extLst>
-          </p:cNvPr>
+          <p:cNvPr id="6" name="Slide Number Placeholder 5"/>
           <p:cNvSpPr>
             <a:spLocks noGrp="1"/>
           </p:cNvSpPr>
@@ -527,7 +556,7 @@
     </p:spTree>
     <p:extLst>
       <p:ext uri="{BB962C8B-B14F-4D97-AF65-F5344CB8AC3E}">
-        <p14:creationId xmlns:p14="http://schemas.microsoft.com/office/powerpoint/2010/main" val="3436939380"/>
+        <p14:creationId xmlns:p14="http://schemas.microsoft.com/office/powerpoint/2010/main" val="1405182860"/>
       </p:ext>
     </p:extLst>
   </p:cSld>
@@ -556,13 +585,7 @@
       </p:grpSpPr>
       <p:sp>
         <p:nvSpPr>
-          <p:cNvPr id="2" name="Vertical Title 1">
-            <a:extLst>
-              <a:ext uri="{FF2B5EF4-FFF2-40B4-BE49-F238E27FC236}">
-                <a16:creationId xmlns:a16="http://schemas.microsoft.com/office/drawing/2014/main" id="{2CA7E3F8-B7FC-4940-984C-7F257511C8BF}"/>
-              </a:ext>
-            </a:extLst>
-          </p:cNvPr>
+          <p:cNvPr id="2" name="Vertical Title 1"/>
           <p:cNvSpPr>
             <a:spLocks noGrp="1"/>
           </p:cNvSpPr>
@@ -572,8 +595,8 @@
         </p:nvSpPr>
         <p:spPr>
           <a:xfrm>
-            <a:off x="8724900" y="365125"/>
-            <a:ext cx="2628900" cy="5811838"/>
+            <a:off x="8648700" y="381000"/>
+            <a:ext cx="2476500" cy="5897562"/>
           </a:xfrm>
         </p:spPr>
         <p:txBody>
@@ -584,18 +607,13 @@
               <a:rPr lang="en-US"/>
               <a:t>Click to edit Master title style</a:t>
             </a:r>
-          </a:p>
-        </p:txBody>
-      </p:sp>
-      <p:sp>
-        <p:nvSpPr>
-          <p:cNvPr id="3" name="Vertical Text Placeholder 2">
-            <a:extLst>
-              <a:ext uri="{FF2B5EF4-FFF2-40B4-BE49-F238E27FC236}">
-                <a16:creationId xmlns:a16="http://schemas.microsoft.com/office/drawing/2014/main" id="{8DBC238C-135E-BF49-8B1F-407F9D79B4B7}"/>
-              </a:ext>
-            </a:extLst>
-          </p:cNvPr>
+            <a:endParaRPr lang="en-US" dirty="0"/>
+          </a:p>
+        </p:txBody>
+      </p:sp>
+      <p:sp>
+        <p:nvSpPr>
+          <p:cNvPr id="3" name="Vertical Text Placeholder 2"/>
           <p:cNvSpPr>
             <a:spLocks noGrp="1"/>
           </p:cNvSpPr>
@@ -605,8 +623,8 @@
         </p:nvSpPr>
         <p:spPr>
           <a:xfrm>
-            <a:off x="838200" y="365125"/>
-            <a:ext cx="7734300" cy="5811838"/>
+            <a:off x="762000" y="381000"/>
+            <a:ext cx="7734300" cy="5897562"/>
           </a:xfrm>
         </p:spPr>
         <p:txBody>
@@ -646,18 +664,13 @@
               <a:rPr lang="en-US"/>
               <a:t>Fifth level</a:t>
             </a:r>
-          </a:p>
-        </p:txBody>
-      </p:sp>
-      <p:sp>
-        <p:nvSpPr>
-          <p:cNvPr id="4" name="Date Placeholder 3">
-            <a:extLst>
-              <a:ext uri="{FF2B5EF4-FFF2-40B4-BE49-F238E27FC236}">
-                <a16:creationId xmlns:a16="http://schemas.microsoft.com/office/drawing/2014/main" id="{C900D420-A856-9647-85CE-EA6D4CFA23D2}"/>
-              </a:ext>
-            </a:extLst>
-          </p:cNvPr>
+            <a:endParaRPr lang="en-US" dirty="0"/>
+          </a:p>
+        </p:txBody>
+      </p:sp>
+      <p:sp>
+        <p:nvSpPr>
+          <p:cNvPr id="4" name="Date Placeholder 3"/>
           <p:cNvSpPr>
             <a:spLocks noGrp="1"/>
           </p:cNvSpPr>
@@ -672,7 +685,7 @@
           <a:p>
             <a:fld id="{1EF181FB-4063-7D43-9667-698BCF882ED9}" type="datetimeFigureOut">
               <a:rPr lang="en-US" smtClean="0"/>
-              <a:t>4/25/2019</a:t>
+              <a:t>4/26/2019</a:t>
             </a:fld>
             <a:endParaRPr lang="en-US"/>
           </a:p>
@@ -680,13 +693,7 @@
       </p:sp>
       <p:sp>
         <p:nvSpPr>
-          <p:cNvPr id="5" name="Footer Placeholder 4">
-            <a:extLst>
-              <a:ext uri="{FF2B5EF4-FFF2-40B4-BE49-F238E27FC236}">
-                <a16:creationId xmlns:a16="http://schemas.microsoft.com/office/drawing/2014/main" id="{F884AFFC-DBF7-E643-895B-DFCF4E9D7265}"/>
-              </a:ext>
-            </a:extLst>
-          </p:cNvPr>
+          <p:cNvPr id="5" name="Footer Placeholder 4"/>
           <p:cNvSpPr>
             <a:spLocks noGrp="1"/>
           </p:cNvSpPr>
@@ -705,13 +712,7 @@
       </p:sp>
       <p:sp>
         <p:nvSpPr>
-          <p:cNvPr id="6" name="Slide Number Placeholder 5">
-            <a:extLst>
-              <a:ext uri="{FF2B5EF4-FFF2-40B4-BE49-F238E27FC236}">
-                <a16:creationId xmlns:a16="http://schemas.microsoft.com/office/drawing/2014/main" id="{FCF2AF31-DBC8-C849-95F2-1A16F56B52BB}"/>
-              </a:ext>
-            </a:extLst>
-          </p:cNvPr>
+          <p:cNvPr id="6" name="Slide Number Placeholder 5"/>
           <p:cNvSpPr>
             <a:spLocks noGrp="1"/>
           </p:cNvSpPr>
@@ -735,7 +736,7 @@
     </p:spTree>
     <p:extLst>
       <p:ext uri="{BB962C8B-B14F-4D97-AF65-F5344CB8AC3E}">
-        <p14:creationId xmlns:p14="http://schemas.microsoft.com/office/powerpoint/2010/main" val="704774254"/>
+        <p14:creationId xmlns:p14="http://schemas.microsoft.com/office/powerpoint/2010/main" val="2008072743"/>
       </p:ext>
     </p:extLst>
   </p:cSld>
@@ -764,13 +765,7 @@
       </p:grpSpPr>
       <p:sp>
         <p:nvSpPr>
-          <p:cNvPr id="2" name="Title 1">
-            <a:extLst>
-              <a:ext uri="{FF2B5EF4-FFF2-40B4-BE49-F238E27FC236}">
-                <a16:creationId xmlns:a16="http://schemas.microsoft.com/office/drawing/2014/main" id="{C0F891C2-F1EE-6B41-9CD6-9D8FC6CDCEC1}"/>
-              </a:ext>
-            </a:extLst>
-          </p:cNvPr>
+          <p:cNvPr id="2" name="Title 1"/>
           <p:cNvSpPr>
             <a:spLocks noGrp="1"/>
           </p:cNvSpPr>
@@ -787,18 +782,13 @@
               <a:rPr lang="en-US"/>
               <a:t>Click to edit Master title style</a:t>
             </a:r>
-          </a:p>
-        </p:txBody>
-      </p:sp>
-      <p:sp>
-        <p:nvSpPr>
-          <p:cNvPr id="3" name="Content Placeholder 2">
-            <a:extLst>
-              <a:ext uri="{FF2B5EF4-FFF2-40B4-BE49-F238E27FC236}">
-                <a16:creationId xmlns:a16="http://schemas.microsoft.com/office/drawing/2014/main" id="{1C9090E3-5EA5-2846-BF9D-21D796159CA7}"/>
-              </a:ext>
-            </a:extLst>
-          </p:cNvPr>
+            <a:endParaRPr lang="en-US" dirty="0"/>
+          </a:p>
+        </p:txBody>
+      </p:sp>
+      <p:sp>
+        <p:nvSpPr>
+          <p:cNvPr id="3" name="Content Placeholder 2"/>
           <p:cNvSpPr>
             <a:spLocks noGrp="1"/>
           </p:cNvSpPr>
@@ -844,18 +834,13 @@
               <a:rPr lang="en-US"/>
               <a:t>Fifth level</a:t>
             </a:r>
-          </a:p>
-        </p:txBody>
-      </p:sp>
-      <p:sp>
-        <p:nvSpPr>
-          <p:cNvPr id="4" name="Date Placeholder 3">
-            <a:extLst>
-              <a:ext uri="{FF2B5EF4-FFF2-40B4-BE49-F238E27FC236}">
-                <a16:creationId xmlns:a16="http://schemas.microsoft.com/office/drawing/2014/main" id="{87E17693-D5BE-A94F-B56F-EBAB1D1156F0}"/>
-              </a:ext>
-            </a:extLst>
-          </p:cNvPr>
+            <a:endParaRPr lang="en-US" dirty="0"/>
+          </a:p>
+        </p:txBody>
+      </p:sp>
+      <p:sp>
+        <p:nvSpPr>
+          <p:cNvPr id="4" name="Date Placeholder 3"/>
           <p:cNvSpPr>
             <a:spLocks noGrp="1"/>
           </p:cNvSpPr>
@@ -870,7 +855,7 @@
           <a:p>
             <a:fld id="{1EF181FB-4063-7D43-9667-698BCF882ED9}" type="datetimeFigureOut">
               <a:rPr lang="en-US" smtClean="0"/>
-              <a:t>4/25/2019</a:t>
+              <a:t>4/26/2019</a:t>
             </a:fld>
             <a:endParaRPr lang="en-US"/>
           </a:p>
@@ -878,13 +863,7 @@
       </p:sp>
       <p:sp>
         <p:nvSpPr>
-          <p:cNvPr id="5" name="Footer Placeholder 4">
-            <a:extLst>
-              <a:ext uri="{FF2B5EF4-FFF2-40B4-BE49-F238E27FC236}">
-                <a16:creationId xmlns:a16="http://schemas.microsoft.com/office/drawing/2014/main" id="{DFA3AEFD-B52A-2F47-A041-77BC26F632C6}"/>
-              </a:ext>
-            </a:extLst>
-          </p:cNvPr>
+          <p:cNvPr id="5" name="Footer Placeholder 4"/>
           <p:cNvSpPr>
             <a:spLocks noGrp="1"/>
           </p:cNvSpPr>
@@ -903,13 +882,7 @@
       </p:sp>
       <p:sp>
         <p:nvSpPr>
-          <p:cNvPr id="6" name="Slide Number Placeholder 5">
-            <a:extLst>
-              <a:ext uri="{FF2B5EF4-FFF2-40B4-BE49-F238E27FC236}">
-                <a16:creationId xmlns:a16="http://schemas.microsoft.com/office/drawing/2014/main" id="{1A6EAA7C-8F04-2946-BADA-473EE64BD037}"/>
-              </a:ext>
-            </a:extLst>
-          </p:cNvPr>
+          <p:cNvPr id="6" name="Slide Number Placeholder 5"/>
           <p:cNvSpPr>
             <a:spLocks noGrp="1"/>
           </p:cNvSpPr>
@@ -933,7 +906,7 @@
     </p:spTree>
     <p:extLst>
       <p:ext uri="{BB962C8B-B14F-4D97-AF65-F5344CB8AC3E}">
-        <p14:creationId xmlns:p14="http://schemas.microsoft.com/office/powerpoint/2010/main" val="287825995"/>
+        <p14:creationId xmlns:p14="http://schemas.microsoft.com/office/powerpoint/2010/main" val="1099812587"/>
       </p:ext>
     </p:extLst>
   </p:cSld>
@@ -962,13 +935,7 @@
       </p:grpSpPr>
       <p:sp>
         <p:nvSpPr>
-          <p:cNvPr id="2" name="Title 1">
-            <a:extLst>
-              <a:ext uri="{FF2B5EF4-FFF2-40B4-BE49-F238E27FC236}">
-                <a16:creationId xmlns:a16="http://schemas.microsoft.com/office/drawing/2014/main" id="{2257AABE-0F44-C640-A0B0-AAFB38FD2188}"/>
-              </a:ext>
-            </a:extLst>
-          </p:cNvPr>
+          <p:cNvPr id="2" name="Title 1"/>
           <p:cNvSpPr>
             <a:spLocks noGrp="1"/>
           </p:cNvSpPr>
@@ -978,15 +945,20 @@
         </p:nvSpPr>
         <p:spPr>
           <a:xfrm>
-            <a:off x="831850" y="1709738"/>
-            <a:ext cx="10515600" cy="2852737"/>
+            <a:off x="1261872" y="758952"/>
+            <a:ext cx="9418320" cy="4041648"/>
           </a:xfrm>
         </p:spPr>
         <p:txBody>
-          <a:bodyPr anchor="b"/>
+          <a:bodyPr anchor="b">
+            <a:normAutofit/>
+          </a:bodyPr>
           <a:lstStyle>
             <a:lvl1pPr>
-              <a:defRPr sz="6000"/>
+              <a:lnSpc>
+                <a:spcPct val="85000"/>
+              </a:lnSpc>
+              <a:defRPr sz="7200" b="0"/>
             </a:lvl1pPr>
           </a:lstStyle>
           <a:p>
@@ -994,18 +966,13 @@
               <a:rPr lang="en-US"/>
               <a:t>Click to edit Master title style</a:t>
             </a:r>
-          </a:p>
-        </p:txBody>
-      </p:sp>
-      <p:sp>
-        <p:nvSpPr>
-          <p:cNvPr id="3" name="Text Placeholder 2">
-            <a:extLst>
-              <a:ext uri="{FF2B5EF4-FFF2-40B4-BE49-F238E27FC236}">
-                <a16:creationId xmlns:a16="http://schemas.microsoft.com/office/drawing/2014/main" id="{F07783EB-3F82-D446-9FE3-501C30D495A9}"/>
-              </a:ext>
-            </a:extLst>
-          </p:cNvPr>
+            <a:endParaRPr lang="en-US" dirty="0"/>
+          </a:p>
+        </p:txBody>
+      </p:sp>
+      <p:sp>
+        <p:nvSpPr>
+          <p:cNvPr id="3" name="Text Placeholder 2"/>
           <p:cNvSpPr>
             <a:spLocks noGrp="1"/>
           </p:cNvSpPr>
@@ -1015,26 +982,29 @@
         </p:nvSpPr>
         <p:spPr>
           <a:xfrm>
-            <a:off x="831850" y="4589463"/>
-            <a:ext cx="10515600" cy="1500187"/>
+            <a:off x="1261872" y="4800600"/>
+            <a:ext cx="9418320" cy="1691640"/>
           </a:xfrm>
         </p:spPr>
         <p:txBody>
-          <a:bodyPr/>
+          <a:bodyPr anchor="t">
+            <a:normAutofit/>
+          </a:bodyPr>
           <a:lstStyle>
             <a:lvl1pPr marL="0" indent="0">
               <a:buNone/>
-              <a:defRPr sz="2400">
+              <a:defRPr sz="2200">
                 <a:solidFill>
                   <a:schemeClr val="tx1">
-                    <a:tint val="75000"/>
+                    <a:lumMod val="65000"/>
+                    <a:lumOff val="35000"/>
                   </a:schemeClr>
                 </a:solidFill>
               </a:defRPr>
             </a:lvl1pPr>
             <a:lvl2pPr marL="457200" indent="0">
               <a:buNone/>
-              <a:defRPr sz="2000">
+              <a:defRPr sz="1800">
                 <a:solidFill>
                   <a:schemeClr val="tx1">
                     <a:tint val="75000"/>
@@ -1044,7 +1014,7 @@
             </a:lvl2pPr>
             <a:lvl3pPr marL="914400" indent="0">
               <a:buNone/>
-              <a:defRPr sz="1800">
+              <a:defRPr sz="1600">
                 <a:solidFill>
                   <a:schemeClr val="tx1">
                     <a:tint val="75000"/>
@@ -1054,7 +1024,7 @@
             </a:lvl3pPr>
             <a:lvl4pPr marL="1371600" indent="0">
               <a:buNone/>
-              <a:defRPr sz="1600">
+              <a:defRPr sz="1400">
                 <a:solidFill>
                   <a:schemeClr val="tx1">
                     <a:tint val="75000"/>
@@ -1064,7 +1034,7 @@
             </a:lvl4pPr>
             <a:lvl5pPr marL="1828800" indent="0">
               <a:buNone/>
-              <a:defRPr sz="1600">
+              <a:defRPr sz="1400">
                 <a:solidFill>
                   <a:schemeClr val="tx1">
                     <a:tint val="75000"/>
@@ -1074,7 +1044,7 @@
             </a:lvl5pPr>
             <a:lvl6pPr marL="2286000" indent="0">
               <a:buNone/>
-              <a:defRPr sz="1600">
+              <a:defRPr sz="1400">
                 <a:solidFill>
                   <a:schemeClr val="tx1">
                     <a:tint val="75000"/>
@@ -1084,7 +1054,7 @@
             </a:lvl6pPr>
             <a:lvl7pPr marL="2743200" indent="0">
               <a:buNone/>
-              <a:defRPr sz="1600">
+              <a:defRPr sz="1400">
                 <a:solidFill>
                   <a:schemeClr val="tx1">
                     <a:tint val="75000"/>
@@ -1094,7 +1064,7 @@
             </a:lvl7pPr>
             <a:lvl8pPr marL="3200400" indent="0">
               <a:buNone/>
-              <a:defRPr sz="1600">
+              <a:defRPr sz="1400">
                 <a:solidFill>
                   <a:schemeClr val="tx1">
                     <a:tint val="75000"/>
@@ -1104,7 +1074,7 @@
             </a:lvl8pPr>
             <a:lvl9pPr marL="3657600" indent="0">
               <a:buNone/>
-              <a:defRPr sz="1600">
+              <a:defRPr sz="1400">
                 <a:solidFill>
                   <a:schemeClr val="tx1">
                     <a:tint val="75000"/>
@@ -1124,13 +1094,7 @@
       </p:sp>
       <p:sp>
         <p:nvSpPr>
-          <p:cNvPr id="4" name="Date Placeholder 3">
-            <a:extLst>
-              <a:ext uri="{FF2B5EF4-FFF2-40B4-BE49-F238E27FC236}">
-                <a16:creationId xmlns:a16="http://schemas.microsoft.com/office/drawing/2014/main" id="{2E17E75C-9628-5F45-A247-0170F89B19A8}"/>
-              </a:ext>
-            </a:extLst>
-          </p:cNvPr>
+          <p:cNvPr id="4" name="Date Placeholder 3"/>
           <p:cNvSpPr>
             <a:spLocks noGrp="1"/>
           </p:cNvSpPr>
@@ -1145,7 +1109,7 @@
           <a:p>
             <a:fld id="{1EF181FB-4063-7D43-9667-698BCF882ED9}" type="datetimeFigureOut">
               <a:rPr lang="en-US" smtClean="0"/>
-              <a:t>4/25/2019</a:t>
+              <a:t>4/26/2019</a:t>
             </a:fld>
             <a:endParaRPr lang="en-US"/>
           </a:p>
@@ -1153,13 +1117,7 @@
       </p:sp>
       <p:sp>
         <p:nvSpPr>
-          <p:cNvPr id="5" name="Footer Placeholder 4">
-            <a:extLst>
-              <a:ext uri="{FF2B5EF4-FFF2-40B4-BE49-F238E27FC236}">
-                <a16:creationId xmlns:a16="http://schemas.microsoft.com/office/drawing/2014/main" id="{CA298BBC-72F5-4A48-9BC9-9A4694F9B05E}"/>
-              </a:ext>
-            </a:extLst>
-          </p:cNvPr>
+          <p:cNvPr id="5" name="Footer Placeholder 4"/>
           <p:cNvSpPr>
             <a:spLocks noGrp="1"/>
           </p:cNvSpPr>
@@ -1178,13 +1136,7 @@
       </p:sp>
       <p:sp>
         <p:nvSpPr>
-          <p:cNvPr id="6" name="Slide Number Placeholder 5">
-            <a:extLst>
-              <a:ext uri="{FF2B5EF4-FFF2-40B4-BE49-F238E27FC236}">
-                <a16:creationId xmlns:a16="http://schemas.microsoft.com/office/drawing/2014/main" id="{3AB5D894-8854-D24F-8B7C-2844FADC82B6}"/>
-              </a:ext>
-            </a:extLst>
-          </p:cNvPr>
+          <p:cNvPr id="6" name="Slide Number Placeholder 5"/>
           <p:cNvSpPr>
             <a:spLocks noGrp="1"/>
           </p:cNvSpPr>
@@ -1205,10 +1157,48 @@
           </a:p>
         </p:txBody>
       </p:sp>
+      <p:sp>
+        <p:nvSpPr>
+          <p:cNvPr id="7" name="Rectangle 6"/>
+          <p:cNvSpPr/>
+          <p:nvPr/>
+        </p:nvSpPr>
+        <p:spPr>
+          <a:xfrm>
+            <a:off x="0" y="0"/>
+            <a:ext cx="457200" cy="6858000"/>
+          </a:xfrm>
+          <a:prstGeom prst="rect">
+            <a:avLst/>
+          </a:prstGeom>
+          <a:solidFill>
+            <a:schemeClr val="accent1"/>
+          </a:solidFill>
+          <a:ln>
+            <a:noFill/>
+          </a:ln>
+        </p:spPr>
+        <p:style>
+          <a:lnRef idx="2">
+            <a:schemeClr val="accent1">
+              <a:shade val="50000"/>
+            </a:schemeClr>
+          </a:lnRef>
+          <a:fillRef idx="1">
+            <a:schemeClr val="accent1"/>
+          </a:fillRef>
+          <a:effectRef idx="0">
+            <a:schemeClr val="accent1"/>
+          </a:effectRef>
+          <a:fontRef idx="minor">
+            <a:schemeClr val="lt1"/>
+          </a:fontRef>
+        </p:style>
+      </p:sp>
     </p:spTree>
     <p:extLst>
       <p:ext uri="{BB962C8B-B14F-4D97-AF65-F5344CB8AC3E}">
-        <p14:creationId xmlns:p14="http://schemas.microsoft.com/office/powerpoint/2010/main" val="2088782600"/>
+        <p14:creationId xmlns:p14="http://schemas.microsoft.com/office/powerpoint/2010/main" val="2474535227"/>
       </p:ext>
     </p:extLst>
   </p:cSld>
@@ -1237,13 +1227,7 @@
       </p:grpSpPr>
       <p:sp>
         <p:nvSpPr>
-          <p:cNvPr id="2" name="Title 1">
-            <a:extLst>
-              <a:ext uri="{FF2B5EF4-FFF2-40B4-BE49-F238E27FC236}">
-                <a16:creationId xmlns:a16="http://schemas.microsoft.com/office/drawing/2014/main" id="{0393A460-C6A1-EC47-839C-103881EE7B30}"/>
-              </a:ext>
-            </a:extLst>
-          </p:cNvPr>
+          <p:cNvPr id="2" name="Title 1"/>
           <p:cNvSpPr>
             <a:spLocks noGrp="1"/>
           </p:cNvSpPr>
@@ -1260,18 +1244,13 @@
               <a:rPr lang="en-US"/>
               <a:t>Click to edit Master title style</a:t>
             </a:r>
-          </a:p>
-        </p:txBody>
-      </p:sp>
-      <p:sp>
-        <p:nvSpPr>
-          <p:cNvPr id="3" name="Content Placeholder 2">
-            <a:extLst>
-              <a:ext uri="{FF2B5EF4-FFF2-40B4-BE49-F238E27FC236}">
-                <a16:creationId xmlns:a16="http://schemas.microsoft.com/office/drawing/2014/main" id="{6C454560-3B55-C548-851E-1C94DDE35BF9}"/>
-              </a:ext>
-            </a:extLst>
-          </p:cNvPr>
+            <a:endParaRPr lang="en-US" dirty="0"/>
+          </a:p>
+        </p:txBody>
+      </p:sp>
+      <p:sp>
+        <p:nvSpPr>
+          <p:cNvPr id="3" name="Content Placeholder 2"/>
           <p:cNvSpPr>
             <a:spLocks noGrp="1"/>
           </p:cNvSpPr>
@@ -1281,13 +1260,41 @@
         </p:nvSpPr>
         <p:spPr>
           <a:xfrm>
-            <a:off x="838200" y="1825625"/>
-            <a:ext cx="5181600" cy="4351338"/>
+            <a:off x="1261872" y="1828800"/>
+            <a:ext cx="4480560" cy="4351337"/>
           </a:xfrm>
         </p:spPr>
         <p:txBody>
           <a:bodyPr/>
-          <a:lstStyle/>
+          <a:lstStyle>
+            <a:lvl1pPr>
+              <a:defRPr sz="1800"/>
+            </a:lvl1pPr>
+            <a:lvl2pPr>
+              <a:defRPr sz="1600"/>
+            </a:lvl2pPr>
+            <a:lvl3pPr>
+              <a:defRPr sz="1400"/>
+            </a:lvl3pPr>
+            <a:lvl4pPr>
+              <a:defRPr sz="1400"/>
+            </a:lvl4pPr>
+            <a:lvl5pPr>
+              <a:defRPr sz="1400"/>
+            </a:lvl5pPr>
+            <a:lvl6pPr>
+              <a:defRPr sz="1400"/>
+            </a:lvl6pPr>
+            <a:lvl7pPr>
+              <a:defRPr sz="1400"/>
+            </a:lvl7pPr>
+            <a:lvl8pPr>
+              <a:defRPr sz="1400"/>
+            </a:lvl8pPr>
+            <a:lvl9pPr>
+              <a:defRPr sz="1400"/>
+            </a:lvl9pPr>
+          </a:lstStyle>
           <a:p>
             <a:pPr lvl="0"/>
             <a:r>
@@ -1322,18 +1329,13 @@
               <a:rPr lang="en-US"/>
               <a:t>Fifth level</a:t>
             </a:r>
-          </a:p>
-        </p:txBody>
-      </p:sp>
-      <p:sp>
-        <p:nvSpPr>
-          <p:cNvPr id="4" name="Content Placeholder 3">
-            <a:extLst>
-              <a:ext uri="{FF2B5EF4-FFF2-40B4-BE49-F238E27FC236}">
-                <a16:creationId xmlns:a16="http://schemas.microsoft.com/office/drawing/2014/main" id="{6476F79C-253E-7D47-8666-8BD07195EDB0}"/>
-              </a:ext>
-            </a:extLst>
-          </p:cNvPr>
+            <a:endParaRPr lang="en-US" dirty="0"/>
+          </a:p>
+        </p:txBody>
+      </p:sp>
+      <p:sp>
+        <p:nvSpPr>
+          <p:cNvPr id="4" name="Content Placeholder 3"/>
           <p:cNvSpPr>
             <a:spLocks noGrp="1"/>
           </p:cNvSpPr>
@@ -1343,13 +1345,41 @@
         </p:nvSpPr>
         <p:spPr>
           <a:xfrm>
-            <a:off x="6172200" y="1825625"/>
-            <a:ext cx="5181600" cy="4351338"/>
+            <a:off x="6126480" y="1828800"/>
+            <a:ext cx="4480560" cy="4351337"/>
           </a:xfrm>
         </p:spPr>
         <p:txBody>
           <a:bodyPr/>
-          <a:lstStyle/>
+          <a:lstStyle>
+            <a:lvl1pPr>
+              <a:defRPr sz="1800"/>
+            </a:lvl1pPr>
+            <a:lvl2pPr>
+              <a:defRPr sz="1600"/>
+            </a:lvl2pPr>
+            <a:lvl3pPr>
+              <a:defRPr sz="1400"/>
+            </a:lvl3pPr>
+            <a:lvl4pPr>
+              <a:defRPr sz="1400"/>
+            </a:lvl4pPr>
+            <a:lvl5pPr>
+              <a:defRPr sz="1400"/>
+            </a:lvl5pPr>
+            <a:lvl6pPr>
+              <a:defRPr sz="1400"/>
+            </a:lvl6pPr>
+            <a:lvl7pPr>
+              <a:defRPr sz="1400"/>
+            </a:lvl7pPr>
+            <a:lvl8pPr>
+              <a:defRPr sz="1400"/>
+            </a:lvl8pPr>
+            <a:lvl9pPr>
+              <a:defRPr sz="1400"/>
+            </a:lvl9pPr>
+          </a:lstStyle>
           <a:p>
             <a:pPr lvl="0"/>
             <a:r>
@@ -1384,18 +1414,13 @@
               <a:rPr lang="en-US"/>
               <a:t>Fifth level</a:t>
             </a:r>
-          </a:p>
-        </p:txBody>
-      </p:sp>
-      <p:sp>
-        <p:nvSpPr>
-          <p:cNvPr id="5" name="Date Placeholder 4">
-            <a:extLst>
-              <a:ext uri="{FF2B5EF4-FFF2-40B4-BE49-F238E27FC236}">
-                <a16:creationId xmlns:a16="http://schemas.microsoft.com/office/drawing/2014/main" id="{4E22E394-5D32-B142-9862-02EA5ABB7A64}"/>
-              </a:ext>
-            </a:extLst>
-          </p:cNvPr>
+            <a:endParaRPr lang="en-US" dirty="0"/>
+          </a:p>
+        </p:txBody>
+      </p:sp>
+      <p:sp>
+        <p:nvSpPr>
+          <p:cNvPr id="5" name="Date Placeholder 4"/>
           <p:cNvSpPr>
             <a:spLocks noGrp="1"/>
           </p:cNvSpPr>
@@ -1410,7 +1435,7 @@
           <a:p>
             <a:fld id="{1EF181FB-4063-7D43-9667-698BCF882ED9}" type="datetimeFigureOut">
               <a:rPr lang="en-US" smtClean="0"/>
-              <a:t>4/25/2019</a:t>
+              <a:t>4/26/2019</a:t>
             </a:fld>
             <a:endParaRPr lang="en-US"/>
           </a:p>
@@ -1418,13 +1443,7 @@
       </p:sp>
       <p:sp>
         <p:nvSpPr>
-          <p:cNvPr id="6" name="Footer Placeholder 5">
-            <a:extLst>
-              <a:ext uri="{FF2B5EF4-FFF2-40B4-BE49-F238E27FC236}">
-                <a16:creationId xmlns:a16="http://schemas.microsoft.com/office/drawing/2014/main" id="{CAB9BD4A-5F9A-374B-9657-80407988C2E8}"/>
-              </a:ext>
-            </a:extLst>
-          </p:cNvPr>
+          <p:cNvPr id="6" name="Footer Placeholder 5"/>
           <p:cNvSpPr>
             <a:spLocks noGrp="1"/>
           </p:cNvSpPr>
@@ -1443,13 +1462,7 @@
       </p:sp>
       <p:sp>
         <p:nvSpPr>
-          <p:cNvPr id="7" name="Slide Number Placeholder 6">
-            <a:extLst>
-              <a:ext uri="{FF2B5EF4-FFF2-40B4-BE49-F238E27FC236}">
-                <a16:creationId xmlns:a16="http://schemas.microsoft.com/office/drawing/2014/main" id="{E4182C09-864A-F242-A61F-79E497C1FDE5}"/>
-              </a:ext>
-            </a:extLst>
-          </p:cNvPr>
+          <p:cNvPr id="7" name="Slide Number Placeholder 6"/>
           <p:cNvSpPr>
             <a:spLocks noGrp="1"/>
           </p:cNvSpPr>
@@ -1473,7 +1486,7 @@
     </p:spTree>
     <p:extLst>
       <p:ext uri="{BB962C8B-B14F-4D97-AF65-F5344CB8AC3E}">
-        <p14:creationId xmlns:p14="http://schemas.microsoft.com/office/powerpoint/2010/main" val="2433540733"/>
+        <p14:creationId xmlns:p14="http://schemas.microsoft.com/office/powerpoint/2010/main" val="956055454"/>
       </p:ext>
     </p:extLst>
   </p:cSld>
@@ -1502,65 +1515,58 @@
       </p:grpSpPr>
       <p:sp>
         <p:nvSpPr>
-          <p:cNvPr id="2" name="Title 1">
-            <a:extLst>
-              <a:ext uri="{FF2B5EF4-FFF2-40B4-BE49-F238E27FC236}">
-                <a16:creationId xmlns:a16="http://schemas.microsoft.com/office/drawing/2014/main" id="{0D0E9A55-D598-674E-AEE8-03A71E5F92E5}"/>
-              </a:ext>
-            </a:extLst>
-          </p:cNvPr>
+          <p:cNvPr id="10" name="Title 9"/>
           <p:cNvSpPr>
             <a:spLocks noGrp="1"/>
           </p:cNvSpPr>
           <p:nvPr>
             <p:ph type="title"/>
+          </p:nvPr>
+        </p:nvSpPr>
+        <p:spPr/>
+        <p:txBody>
+          <a:bodyPr/>
+          <a:lstStyle/>
+          <a:p>
+            <a:r>
+              <a:rPr lang="en-US"/>
+              <a:t>Click to edit Master title style</a:t>
+            </a:r>
+            <a:endParaRPr lang="en-US" dirty="0"/>
+          </a:p>
+        </p:txBody>
+      </p:sp>
+      <p:sp>
+        <p:nvSpPr>
+          <p:cNvPr id="3" name="Text Placeholder 2"/>
+          <p:cNvSpPr>
+            <a:spLocks noGrp="1"/>
+          </p:cNvSpPr>
+          <p:nvPr>
+            <p:ph type="body" idx="1"/>
           </p:nvPr>
         </p:nvSpPr>
         <p:spPr>
           <a:xfrm>
-            <a:off x="839788" y="365125"/>
-            <a:ext cx="10515600" cy="1325563"/>
+            <a:off x="1261872" y="1713655"/>
+            <a:ext cx="4480560" cy="731520"/>
           </a:xfrm>
         </p:spPr>
         <p:txBody>
-          <a:bodyPr/>
-          <a:lstStyle/>
-          <a:p>
-            <a:r>
-              <a:rPr lang="en-US"/>
-              <a:t>Click to edit Master title style</a:t>
-            </a:r>
-          </a:p>
-        </p:txBody>
-      </p:sp>
-      <p:sp>
-        <p:nvSpPr>
-          <p:cNvPr id="3" name="Text Placeholder 2">
-            <a:extLst>
-              <a:ext uri="{FF2B5EF4-FFF2-40B4-BE49-F238E27FC236}">
-                <a16:creationId xmlns:a16="http://schemas.microsoft.com/office/drawing/2014/main" id="{74ABEF06-059B-1441-ADE0-E42A46785812}"/>
-              </a:ext>
-            </a:extLst>
-          </p:cNvPr>
-          <p:cNvSpPr>
-            <a:spLocks noGrp="1"/>
-          </p:cNvSpPr>
-          <p:nvPr>
-            <p:ph type="body" idx="1"/>
-          </p:nvPr>
-        </p:nvSpPr>
-        <p:spPr>
-          <a:xfrm>
-            <a:off x="839788" y="1681163"/>
-            <a:ext cx="5157787" cy="823912"/>
-          </a:xfrm>
-        </p:spPr>
-        <p:txBody>
-          <a:bodyPr anchor="b"/>
+          <a:bodyPr anchor="b">
+            <a:normAutofit/>
+          </a:bodyPr>
           <a:lstStyle>
             <a:lvl1pPr marL="0" indent="0">
-              <a:buNone/>
-              <a:defRPr sz="2400" b="1"/>
+              <a:spcBef>
+                <a:spcPts val="0"/>
+              </a:spcBef>
+              <a:buNone/>
+              <a:defRPr sz="2000" b="0">
+                <a:solidFill>
+                  <a:schemeClr val="tx2"/>
+                </a:solidFill>
+              </a:defRPr>
             </a:lvl1pPr>
             <a:lvl2pPr marL="457200" indent="0">
               <a:buNone/>
@@ -1606,13 +1612,7 @@
       </p:sp>
       <p:sp>
         <p:nvSpPr>
-          <p:cNvPr id="4" name="Content Placeholder 3">
-            <a:extLst>
-              <a:ext uri="{FF2B5EF4-FFF2-40B4-BE49-F238E27FC236}">
-                <a16:creationId xmlns:a16="http://schemas.microsoft.com/office/drawing/2014/main" id="{22C46343-1A11-0C47-9C97-F772EBC983EF}"/>
-              </a:ext>
-            </a:extLst>
-          </p:cNvPr>
+          <p:cNvPr id="4" name="Content Placeholder 3"/>
           <p:cNvSpPr>
             <a:spLocks noGrp="1"/>
           </p:cNvSpPr>
@@ -1622,13 +1622,41 @@
         </p:nvSpPr>
         <p:spPr>
           <a:xfrm>
-            <a:off x="839788" y="2505075"/>
-            <a:ext cx="5157787" cy="3684588"/>
+            <a:off x="1261872" y="2507550"/>
+            <a:ext cx="4480560" cy="3664650"/>
           </a:xfrm>
         </p:spPr>
         <p:txBody>
           <a:bodyPr/>
-          <a:lstStyle/>
+          <a:lstStyle>
+            <a:lvl1pPr>
+              <a:defRPr sz="1800"/>
+            </a:lvl1pPr>
+            <a:lvl2pPr>
+              <a:defRPr sz="1600"/>
+            </a:lvl2pPr>
+            <a:lvl3pPr>
+              <a:defRPr sz="1400"/>
+            </a:lvl3pPr>
+            <a:lvl4pPr>
+              <a:defRPr sz="1400"/>
+            </a:lvl4pPr>
+            <a:lvl5pPr>
+              <a:defRPr sz="1400"/>
+            </a:lvl5pPr>
+            <a:lvl6pPr>
+              <a:defRPr sz="1400"/>
+            </a:lvl6pPr>
+            <a:lvl7pPr>
+              <a:defRPr sz="1400"/>
+            </a:lvl7pPr>
+            <a:lvl8pPr>
+              <a:defRPr sz="1400"/>
+            </a:lvl8pPr>
+            <a:lvl9pPr>
+              <a:defRPr sz="1400"/>
+            </a:lvl9pPr>
+          </a:lstStyle>
           <a:p>
             <a:pPr lvl="0"/>
             <a:r>
@@ -1663,18 +1691,13 @@
               <a:rPr lang="en-US"/>
               <a:t>Fifth level</a:t>
             </a:r>
-          </a:p>
-        </p:txBody>
-      </p:sp>
-      <p:sp>
-        <p:nvSpPr>
-          <p:cNvPr id="5" name="Text Placeholder 4">
-            <a:extLst>
-              <a:ext uri="{FF2B5EF4-FFF2-40B4-BE49-F238E27FC236}">
-                <a16:creationId xmlns:a16="http://schemas.microsoft.com/office/drawing/2014/main" id="{4E428D92-3CB7-854B-87A0-7293EED15725}"/>
-              </a:ext>
-            </a:extLst>
-          </p:cNvPr>
+            <a:endParaRPr lang="en-US" dirty="0"/>
+          </a:p>
+        </p:txBody>
+      </p:sp>
+      <p:sp>
+        <p:nvSpPr>
+          <p:cNvPr id="5" name="Text Placeholder 4"/>
           <p:cNvSpPr>
             <a:spLocks noGrp="1"/>
           </p:cNvSpPr>
@@ -1684,16 +1707,31 @@
         </p:nvSpPr>
         <p:spPr>
           <a:xfrm>
-            <a:off x="6172200" y="1681163"/>
-            <a:ext cx="5183188" cy="823912"/>
+            <a:off x="6126480" y="1713655"/>
+            <a:ext cx="4480560" cy="731520"/>
           </a:xfrm>
         </p:spPr>
         <p:txBody>
-          <a:bodyPr anchor="b"/>
+          <a:bodyPr anchor="b">
+            <a:normAutofit/>
+          </a:bodyPr>
           <a:lstStyle>
             <a:lvl1pPr marL="0" indent="0">
-              <a:buNone/>
-              <a:defRPr sz="2400" b="1"/>
+              <a:lnSpc>
+                <a:spcPct val="95000"/>
+              </a:lnSpc>
+              <a:spcBef>
+                <a:spcPts val="0"/>
+              </a:spcBef>
+              <a:buNone/>
+              <a:defRPr lang="en-US" sz="2000" b="0" kern="1200" dirty="0">
+                <a:solidFill>
+                  <a:schemeClr val="tx2"/>
+                </a:solidFill>
+                <a:latin typeface="+mn-lt"/>
+                <a:ea typeface="+mn-ea"/>
+                <a:cs typeface="+mn-cs"/>
+              </a:defRPr>
             </a:lvl1pPr>
             <a:lvl2pPr marL="457200" indent="0">
               <a:buNone/>
@@ -1729,7 +1767,16 @@
             </a:lvl9pPr>
           </a:lstStyle>
           <a:p>
-            <a:pPr lvl="0"/>
+            <a:pPr marL="0" lvl="0" indent="0" algn="l" defTabSz="914400" rtl="0" eaLnBrk="1" latinLnBrk="0" hangingPunct="1">
+              <a:lnSpc>
+                <a:spcPct val="90000"/>
+              </a:lnSpc>
+              <a:spcBef>
+                <a:spcPts val="2000"/>
+              </a:spcBef>
+              <a:buFontTx/>
+              <a:buNone/>
+            </a:pPr>
             <a:r>
               <a:rPr lang="en-US"/>
               <a:t>Click to edit Master text styles</a:t>
@@ -1739,13 +1786,7 @@
       </p:sp>
       <p:sp>
         <p:nvSpPr>
-          <p:cNvPr id="6" name="Content Placeholder 5">
-            <a:extLst>
-              <a:ext uri="{FF2B5EF4-FFF2-40B4-BE49-F238E27FC236}">
-                <a16:creationId xmlns:a16="http://schemas.microsoft.com/office/drawing/2014/main" id="{792C2396-D282-9F49-ACB4-C0FD72423447}"/>
-              </a:ext>
-            </a:extLst>
-          </p:cNvPr>
+          <p:cNvPr id="6" name="Content Placeholder 5"/>
           <p:cNvSpPr>
             <a:spLocks noGrp="1"/>
           </p:cNvSpPr>
@@ -1755,13 +1796,41 @@
         </p:nvSpPr>
         <p:spPr>
           <a:xfrm>
-            <a:off x="6172200" y="2505075"/>
-            <a:ext cx="5183188" cy="3684588"/>
+            <a:off x="6126480" y="2507550"/>
+            <a:ext cx="4480560" cy="3664650"/>
           </a:xfrm>
         </p:spPr>
         <p:txBody>
           <a:bodyPr/>
-          <a:lstStyle/>
+          <a:lstStyle>
+            <a:lvl1pPr>
+              <a:defRPr sz="1800"/>
+            </a:lvl1pPr>
+            <a:lvl2pPr>
+              <a:defRPr sz="1600"/>
+            </a:lvl2pPr>
+            <a:lvl3pPr>
+              <a:defRPr sz="1400"/>
+            </a:lvl3pPr>
+            <a:lvl4pPr>
+              <a:defRPr sz="1400"/>
+            </a:lvl4pPr>
+            <a:lvl5pPr>
+              <a:defRPr sz="1400"/>
+            </a:lvl5pPr>
+            <a:lvl6pPr>
+              <a:defRPr sz="1400"/>
+            </a:lvl6pPr>
+            <a:lvl7pPr>
+              <a:defRPr sz="1400"/>
+            </a:lvl7pPr>
+            <a:lvl8pPr>
+              <a:defRPr sz="1400"/>
+            </a:lvl8pPr>
+            <a:lvl9pPr>
+              <a:defRPr sz="1400"/>
+            </a:lvl9pPr>
+          </a:lstStyle>
           <a:p>
             <a:pPr lvl="0"/>
             <a:r>
@@ -1796,18 +1865,13 @@
               <a:rPr lang="en-US"/>
               <a:t>Fifth level</a:t>
             </a:r>
-          </a:p>
-        </p:txBody>
-      </p:sp>
-      <p:sp>
-        <p:nvSpPr>
-          <p:cNvPr id="7" name="Date Placeholder 6">
-            <a:extLst>
-              <a:ext uri="{FF2B5EF4-FFF2-40B4-BE49-F238E27FC236}">
-                <a16:creationId xmlns:a16="http://schemas.microsoft.com/office/drawing/2014/main" id="{16D8C472-F9FF-6749-BBD9-B0CC86066997}"/>
-              </a:ext>
-            </a:extLst>
-          </p:cNvPr>
+            <a:endParaRPr lang="en-US" dirty="0"/>
+          </a:p>
+        </p:txBody>
+      </p:sp>
+      <p:sp>
+        <p:nvSpPr>
+          <p:cNvPr id="7" name="Date Placeholder 6"/>
           <p:cNvSpPr>
             <a:spLocks noGrp="1"/>
           </p:cNvSpPr>
@@ -1822,7 +1886,7 @@
           <a:p>
             <a:fld id="{1EF181FB-4063-7D43-9667-698BCF882ED9}" type="datetimeFigureOut">
               <a:rPr lang="en-US" smtClean="0"/>
-              <a:t>4/25/2019</a:t>
+              <a:t>4/26/2019</a:t>
             </a:fld>
             <a:endParaRPr lang="en-US"/>
           </a:p>
@@ -1830,13 +1894,7 @@
       </p:sp>
       <p:sp>
         <p:nvSpPr>
-          <p:cNvPr id="8" name="Footer Placeholder 7">
-            <a:extLst>
-              <a:ext uri="{FF2B5EF4-FFF2-40B4-BE49-F238E27FC236}">
-                <a16:creationId xmlns:a16="http://schemas.microsoft.com/office/drawing/2014/main" id="{72489D36-A73F-9648-8D95-AE5144A0A8C3}"/>
-              </a:ext>
-            </a:extLst>
-          </p:cNvPr>
+          <p:cNvPr id="8" name="Footer Placeholder 7"/>
           <p:cNvSpPr>
             <a:spLocks noGrp="1"/>
           </p:cNvSpPr>
@@ -1855,13 +1913,7 @@
       </p:sp>
       <p:sp>
         <p:nvSpPr>
-          <p:cNvPr id="9" name="Slide Number Placeholder 8">
-            <a:extLst>
-              <a:ext uri="{FF2B5EF4-FFF2-40B4-BE49-F238E27FC236}">
-                <a16:creationId xmlns:a16="http://schemas.microsoft.com/office/drawing/2014/main" id="{CFFC216A-23D9-934A-971C-F72CDA633739}"/>
-              </a:ext>
-            </a:extLst>
-          </p:cNvPr>
+          <p:cNvPr id="9" name="Slide Number Placeholder 8"/>
           <p:cNvSpPr>
             <a:spLocks noGrp="1"/>
           </p:cNvSpPr>
@@ -1885,7 +1937,7 @@
     </p:spTree>
     <p:extLst>
       <p:ext uri="{BB962C8B-B14F-4D97-AF65-F5344CB8AC3E}">
-        <p14:creationId xmlns:p14="http://schemas.microsoft.com/office/powerpoint/2010/main" val="1847768857"/>
+        <p14:creationId xmlns:p14="http://schemas.microsoft.com/office/powerpoint/2010/main" val="3318502472"/>
       </p:ext>
     </p:extLst>
   </p:cSld>
@@ -1914,13 +1966,7 @@
       </p:grpSpPr>
       <p:sp>
         <p:nvSpPr>
-          <p:cNvPr id="2" name="Title 1">
-            <a:extLst>
-              <a:ext uri="{FF2B5EF4-FFF2-40B4-BE49-F238E27FC236}">
-                <a16:creationId xmlns:a16="http://schemas.microsoft.com/office/drawing/2014/main" id="{663F1D1E-FA13-EC4F-B43C-040E3B83BD89}"/>
-              </a:ext>
-            </a:extLst>
-          </p:cNvPr>
+          <p:cNvPr id="6" name="Title 5"/>
           <p:cNvSpPr>
             <a:spLocks noGrp="1"/>
           </p:cNvSpPr>
@@ -1937,18 +1983,13 @@
               <a:rPr lang="en-US"/>
               <a:t>Click to edit Master title style</a:t>
             </a:r>
-          </a:p>
-        </p:txBody>
-      </p:sp>
-      <p:sp>
-        <p:nvSpPr>
-          <p:cNvPr id="3" name="Date Placeholder 2">
-            <a:extLst>
-              <a:ext uri="{FF2B5EF4-FFF2-40B4-BE49-F238E27FC236}">
-                <a16:creationId xmlns:a16="http://schemas.microsoft.com/office/drawing/2014/main" id="{3BC90909-39EE-B748-8CE2-61CAD9E743CB}"/>
-              </a:ext>
-            </a:extLst>
-          </p:cNvPr>
+            <a:endParaRPr lang="en-US" dirty="0"/>
+          </a:p>
+        </p:txBody>
+      </p:sp>
+      <p:sp>
+        <p:nvSpPr>
+          <p:cNvPr id="3" name="Date Placeholder 2"/>
           <p:cNvSpPr>
             <a:spLocks noGrp="1"/>
           </p:cNvSpPr>
@@ -1963,7 +2004,7 @@
           <a:p>
             <a:fld id="{1EF181FB-4063-7D43-9667-698BCF882ED9}" type="datetimeFigureOut">
               <a:rPr lang="en-US" smtClean="0"/>
-              <a:t>4/25/2019</a:t>
+              <a:t>4/26/2019</a:t>
             </a:fld>
             <a:endParaRPr lang="en-US"/>
           </a:p>
@@ -1971,13 +2012,7 @@
       </p:sp>
       <p:sp>
         <p:nvSpPr>
-          <p:cNvPr id="4" name="Footer Placeholder 3">
-            <a:extLst>
-              <a:ext uri="{FF2B5EF4-FFF2-40B4-BE49-F238E27FC236}">
-                <a16:creationId xmlns:a16="http://schemas.microsoft.com/office/drawing/2014/main" id="{47597934-E26C-F244-B3EE-6934AC104CB0}"/>
-              </a:ext>
-            </a:extLst>
-          </p:cNvPr>
+          <p:cNvPr id="4" name="Footer Placeholder 3"/>
           <p:cNvSpPr>
             <a:spLocks noGrp="1"/>
           </p:cNvSpPr>
@@ -1996,13 +2031,7 @@
       </p:sp>
       <p:sp>
         <p:nvSpPr>
-          <p:cNvPr id="5" name="Slide Number Placeholder 4">
-            <a:extLst>
-              <a:ext uri="{FF2B5EF4-FFF2-40B4-BE49-F238E27FC236}">
-                <a16:creationId xmlns:a16="http://schemas.microsoft.com/office/drawing/2014/main" id="{FC6541C0-EC69-0B4C-99B9-3669E568645E}"/>
-              </a:ext>
-            </a:extLst>
-          </p:cNvPr>
+          <p:cNvPr id="5" name="Slide Number Placeholder 4"/>
           <p:cNvSpPr>
             <a:spLocks noGrp="1"/>
           </p:cNvSpPr>
@@ -2026,7 +2055,7 @@
     </p:spTree>
     <p:extLst>
       <p:ext uri="{BB962C8B-B14F-4D97-AF65-F5344CB8AC3E}">
-        <p14:creationId xmlns:p14="http://schemas.microsoft.com/office/powerpoint/2010/main" val="3204410362"/>
+        <p14:creationId xmlns:p14="http://schemas.microsoft.com/office/powerpoint/2010/main" val="1107545942"/>
       </p:ext>
     </p:extLst>
   </p:cSld>
@@ -2055,13 +2084,7 @@
       </p:grpSpPr>
       <p:sp>
         <p:nvSpPr>
-          <p:cNvPr id="2" name="Date Placeholder 1">
-            <a:extLst>
-              <a:ext uri="{FF2B5EF4-FFF2-40B4-BE49-F238E27FC236}">
-                <a16:creationId xmlns:a16="http://schemas.microsoft.com/office/drawing/2014/main" id="{4595F61D-1CDC-FA41-8C91-494326734E07}"/>
-              </a:ext>
-            </a:extLst>
-          </p:cNvPr>
+          <p:cNvPr id="2" name="Date Placeholder 1"/>
           <p:cNvSpPr>
             <a:spLocks noGrp="1"/>
           </p:cNvSpPr>
@@ -2076,7 +2099,7 @@
           <a:p>
             <a:fld id="{1EF181FB-4063-7D43-9667-698BCF882ED9}" type="datetimeFigureOut">
               <a:rPr lang="en-US" smtClean="0"/>
-              <a:t>4/25/2019</a:t>
+              <a:t>4/26/2019</a:t>
             </a:fld>
             <a:endParaRPr lang="en-US"/>
           </a:p>
@@ -2084,13 +2107,7 @@
       </p:sp>
       <p:sp>
         <p:nvSpPr>
-          <p:cNvPr id="3" name="Footer Placeholder 2">
-            <a:extLst>
-              <a:ext uri="{FF2B5EF4-FFF2-40B4-BE49-F238E27FC236}">
-                <a16:creationId xmlns:a16="http://schemas.microsoft.com/office/drawing/2014/main" id="{CB956681-60B6-EC47-BA4F-8C03853BCFDC}"/>
-              </a:ext>
-            </a:extLst>
-          </p:cNvPr>
+          <p:cNvPr id="3" name="Footer Placeholder 2"/>
           <p:cNvSpPr>
             <a:spLocks noGrp="1"/>
           </p:cNvSpPr>
@@ -2109,13 +2126,7 @@
       </p:sp>
       <p:sp>
         <p:nvSpPr>
-          <p:cNvPr id="4" name="Slide Number Placeholder 3">
-            <a:extLst>
-              <a:ext uri="{FF2B5EF4-FFF2-40B4-BE49-F238E27FC236}">
-                <a16:creationId xmlns:a16="http://schemas.microsoft.com/office/drawing/2014/main" id="{2ABA02E4-DD6F-CF4C-A782-F3435ABC88FC}"/>
-              </a:ext>
-            </a:extLst>
-          </p:cNvPr>
+          <p:cNvPr id="4" name="Slide Number Placeholder 3"/>
           <p:cNvSpPr>
             <a:spLocks noGrp="1"/>
           </p:cNvSpPr>
@@ -2139,7 +2150,7 @@
     </p:spTree>
     <p:extLst>
       <p:ext uri="{BB962C8B-B14F-4D97-AF65-F5344CB8AC3E}">
-        <p14:creationId xmlns:p14="http://schemas.microsoft.com/office/powerpoint/2010/main" val="3171939082"/>
+        <p14:creationId xmlns:p14="http://schemas.microsoft.com/office/powerpoint/2010/main" val="1657193556"/>
       </p:ext>
     </p:extLst>
   </p:cSld>
@@ -2168,13 +2179,7 @@
       </p:grpSpPr>
       <p:sp>
         <p:nvSpPr>
-          <p:cNvPr id="2" name="Title 1">
-            <a:extLst>
-              <a:ext uri="{FF2B5EF4-FFF2-40B4-BE49-F238E27FC236}">
-                <a16:creationId xmlns:a16="http://schemas.microsoft.com/office/drawing/2014/main" id="{946882C4-1702-A144-A96F-18E9242F5DF9}"/>
-              </a:ext>
-            </a:extLst>
-          </p:cNvPr>
+          <p:cNvPr id="2" name="Title 1"/>
           <p:cNvSpPr>
             <a:spLocks noGrp="1"/>
           </p:cNvSpPr>
@@ -2184,15 +2189,17 @@
         </p:nvSpPr>
         <p:spPr>
           <a:xfrm>
-            <a:off x="839788" y="457200"/>
-            <a:ext cx="3932237" cy="1600200"/>
+            <a:off x="841248" y="457200"/>
+            <a:ext cx="3200400" cy="1600197"/>
           </a:xfrm>
         </p:spPr>
         <p:txBody>
-          <a:bodyPr anchor="b"/>
+          <a:bodyPr anchor="b">
+            <a:normAutofit/>
+          </a:bodyPr>
           <a:lstStyle>
             <a:lvl1pPr>
-              <a:defRPr sz="3200"/>
+              <a:defRPr sz="3200" b="0" baseline="0"/>
             </a:lvl1pPr>
           </a:lstStyle>
           <a:p>
@@ -2200,18 +2207,13 @@
               <a:rPr lang="en-US"/>
               <a:t>Click to edit Master title style</a:t>
             </a:r>
-          </a:p>
-        </p:txBody>
-      </p:sp>
-      <p:sp>
-        <p:nvSpPr>
-          <p:cNvPr id="3" name="Content Placeholder 2">
-            <a:extLst>
-              <a:ext uri="{FF2B5EF4-FFF2-40B4-BE49-F238E27FC236}">
-                <a16:creationId xmlns:a16="http://schemas.microsoft.com/office/drawing/2014/main" id="{4EF2ADD4-DAFD-C442-82D8-8629A9F40E74}"/>
-              </a:ext>
-            </a:extLst>
-          </p:cNvPr>
+            <a:endParaRPr lang="en-US" dirty="0"/>
+          </a:p>
+        </p:txBody>
+      </p:sp>
+      <p:sp>
+        <p:nvSpPr>
+          <p:cNvPr id="3" name="Content Placeholder 2"/>
           <p:cNvSpPr>
             <a:spLocks noGrp="1"/>
           </p:cNvSpPr>
@@ -2221,39 +2223,39 @@
         </p:nvSpPr>
         <p:spPr>
           <a:xfrm>
-            <a:off x="5183188" y="987425"/>
-            <a:ext cx="6172200" cy="4873625"/>
+            <a:off x="4504267" y="685800"/>
+            <a:ext cx="6079066" cy="5486400"/>
           </a:xfrm>
         </p:spPr>
         <p:txBody>
           <a:bodyPr/>
           <a:lstStyle>
             <a:lvl1pPr>
-              <a:defRPr sz="3200"/>
+              <a:defRPr sz="2000"/>
             </a:lvl1pPr>
             <a:lvl2pPr>
-              <a:defRPr sz="2800"/>
+              <a:defRPr sz="1800"/>
             </a:lvl2pPr>
             <a:lvl3pPr>
-              <a:defRPr sz="2400"/>
+              <a:defRPr sz="1600"/>
             </a:lvl3pPr>
             <a:lvl4pPr>
-              <a:defRPr sz="2000"/>
+              <a:defRPr sz="1400"/>
             </a:lvl4pPr>
             <a:lvl5pPr>
-              <a:defRPr sz="2000"/>
+              <a:defRPr sz="1400"/>
             </a:lvl5pPr>
             <a:lvl6pPr>
-              <a:defRPr sz="2000"/>
+              <a:defRPr sz="1400"/>
             </a:lvl6pPr>
             <a:lvl7pPr>
-              <a:defRPr sz="2000"/>
+              <a:defRPr sz="1400"/>
             </a:lvl7pPr>
             <a:lvl8pPr>
-              <a:defRPr sz="2000"/>
+              <a:defRPr sz="1400"/>
             </a:lvl8pPr>
             <a:lvl9pPr>
-              <a:defRPr sz="2000"/>
+              <a:defRPr sz="1400"/>
             </a:lvl9pPr>
           </a:lstStyle>
           <a:p>
@@ -2290,18 +2292,13 @@
               <a:rPr lang="en-US"/>
               <a:t>Fifth level</a:t>
             </a:r>
-          </a:p>
-        </p:txBody>
-      </p:sp>
-      <p:sp>
-        <p:nvSpPr>
-          <p:cNvPr id="4" name="Text Placeholder 3">
-            <a:extLst>
-              <a:ext uri="{FF2B5EF4-FFF2-40B4-BE49-F238E27FC236}">
-                <a16:creationId xmlns:a16="http://schemas.microsoft.com/office/drawing/2014/main" id="{DB10C6DA-08EF-4145-8E7A-6F8B0EB9216A}"/>
-              </a:ext>
-            </a:extLst>
-          </p:cNvPr>
+            <a:endParaRPr lang="en-US" dirty="0"/>
+          </a:p>
+        </p:txBody>
+      </p:sp>
+      <p:sp>
+        <p:nvSpPr>
+          <p:cNvPr id="4" name="Text Placeholder 3"/>
           <p:cNvSpPr>
             <a:spLocks noGrp="1"/>
           </p:cNvSpPr>
@@ -2311,48 +2308,56 @@
         </p:nvSpPr>
         <p:spPr>
           <a:xfrm>
-            <a:off x="839788" y="2057400"/>
-            <a:ext cx="3932237" cy="3811588"/>
+            <a:off x="841248" y="2099734"/>
+            <a:ext cx="3200400" cy="3810001"/>
           </a:xfrm>
         </p:spPr>
         <p:txBody>
-          <a:bodyPr/>
+          <a:bodyPr>
+            <a:normAutofit/>
+          </a:bodyPr>
           <a:lstStyle>
             <a:lvl1pPr marL="0" indent="0">
-              <a:buNone/>
-              <a:defRPr sz="1600"/>
+              <a:lnSpc>
+                <a:spcPct val="114000"/>
+              </a:lnSpc>
+              <a:spcBef>
+                <a:spcPts val="800"/>
+              </a:spcBef>
+              <a:buNone/>
+              <a:defRPr sz="1300"/>
             </a:lvl1pPr>
             <a:lvl2pPr marL="457200" indent="0">
               <a:buNone/>
-              <a:defRPr sz="1400"/>
+              <a:defRPr sz="1200"/>
             </a:lvl2pPr>
             <a:lvl3pPr marL="914400" indent="0">
               <a:buNone/>
-              <a:defRPr sz="1200"/>
+              <a:defRPr sz="1000"/>
             </a:lvl3pPr>
             <a:lvl4pPr marL="1371600" indent="0">
               <a:buNone/>
-              <a:defRPr sz="1000"/>
+              <a:defRPr sz="900"/>
             </a:lvl4pPr>
             <a:lvl5pPr marL="1828800" indent="0">
               <a:buNone/>
-              <a:defRPr sz="1000"/>
+              <a:defRPr sz="900"/>
             </a:lvl5pPr>
             <a:lvl6pPr marL="2286000" indent="0">
               <a:buNone/>
-              <a:defRPr sz="1000"/>
+              <a:defRPr sz="900"/>
             </a:lvl6pPr>
             <a:lvl7pPr marL="2743200" indent="0">
               <a:buNone/>
-              <a:defRPr sz="1000"/>
+              <a:defRPr sz="900"/>
             </a:lvl7pPr>
             <a:lvl8pPr marL="3200400" indent="0">
               <a:buNone/>
-              <a:defRPr sz="1000"/>
+              <a:defRPr sz="900"/>
             </a:lvl8pPr>
             <a:lvl9pPr marL="3657600" indent="0">
               <a:buNone/>
-              <a:defRPr sz="1000"/>
+              <a:defRPr sz="900"/>
             </a:lvl9pPr>
           </a:lstStyle>
           <a:p>
@@ -2366,13 +2371,7 @@
       </p:sp>
       <p:sp>
         <p:nvSpPr>
-          <p:cNvPr id="5" name="Date Placeholder 4">
-            <a:extLst>
-              <a:ext uri="{FF2B5EF4-FFF2-40B4-BE49-F238E27FC236}">
-                <a16:creationId xmlns:a16="http://schemas.microsoft.com/office/drawing/2014/main" id="{8E19FDA6-7B94-0547-81D7-3CF7A06EBF88}"/>
-              </a:ext>
-            </a:extLst>
-          </p:cNvPr>
+          <p:cNvPr id="5" name="Date Placeholder 4"/>
           <p:cNvSpPr>
             <a:spLocks noGrp="1"/>
           </p:cNvSpPr>
@@ -2387,7 +2386,7 @@
           <a:p>
             <a:fld id="{1EF181FB-4063-7D43-9667-698BCF882ED9}" type="datetimeFigureOut">
               <a:rPr lang="en-US" smtClean="0"/>
-              <a:t>4/25/2019</a:t>
+              <a:t>4/26/2019</a:t>
             </a:fld>
             <a:endParaRPr lang="en-US"/>
           </a:p>
@@ -2395,13 +2394,7 @@
       </p:sp>
       <p:sp>
         <p:nvSpPr>
-          <p:cNvPr id="6" name="Footer Placeholder 5">
-            <a:extLst>
-              <a:ext uri="{FF2B5EF4-FFF2-40B4-BE49-F238E27FC236}">
-                <a16:creationId xmlns:a16="http://schemas.microsoft.com/office/drawing/2014/main" id="{866BD366-E384-854B-83A8-8A53E58F530C}"/>
-              </a:ext>
-            </a:extLst>
-          </p:cNvPr>
+          <p:cNvPr id="6" name="Footer Placeholder 5"/>
           <p:cNvSpPr>
             <a:spLocks noGrp="1"/>
           </p:cNvSpPr>
@@ -2420,13 +2413,7 @@
       </p:sp>
       <p:sp>
         <p:nvSpPr>
-          <p:cNvPr id="7" name="Slide Number Placeholder 6">
-            <a:extLst>
-              <a:ext uri="{FF2B5EF4-FFF2-40B4-BE49-F238E27FC236}">
-                <a16:creationId xmlns:a16="http://schemas.microsoft.com/office/drawing/2014/main" id="{9E6740D9-3B0D-8A4A-A345-712E5FA37220}"/>
-              </a:ext>
-            </a:extLst>
-          </p:cNvPr>
+          <p:cNvPr id="7" name="Slide Number Placeholder 6"/>
           <p:cNvSpPr>
             <a:spLocks noGrp="1"/>
           </p:cNvSpPr>
@@ -2450,7 +2437,7 @@
     </p:spTree>
     <p:extLst>
       <p:ext uri="{BB962C8B-B14F-4D97-AF65-F5344CB8AC3E}">
-        <p14:creationId xmlns:p14="http://schemas.microsoft.com/office/powerpoint/2010/main" val="3226947485"/>
+        <p14:creationId xmlns:p14="http://schemas.microsoft.com/office/powerpoint/2010/main" val="3553604501"/>
       </p:ext>
     </p:extLst>
   </p:cSld>
@@ -2479,31 +2466,69 @@
       </p:grpSpPr>
       <p:sp>
         <p:nvSpPr>
-          <p:cNvPr id="2" name="Title 1">
-            <a:extLst>
-              <a:ext uri="{FF2B5EF4-FFF2-40B4-BE49-F238E27FC236}">
-                <a16:creationId xmlns:a16="http://schemas.microsoft.com/office/drawing/2014/main" id="{571FF9EE-05E0-7449-BE21-4F07546194F0}"/>
-              </a:ext>
-            </a:extLst>
-          </p:cNvPr>
-          <p:cNvSpPr>
-            <a:spLocks noGrp="1"/>
-          </p:cNvSpPr>
-          <p:nvPr>
-            <p:ph type="title"/>
-          </p:nvPr>
+          <p:cNvPr id="8" name="Rectangle 7"/>
+          <p:cNvSpPr/>
+          <p:nvPr/>
         </p:nvSpPr>
         <p:spPr>
           <a:xfrm>
-            <a:off x="839788" y="457200"/>
-            <a:ext cx="3932237" cy="1600200"/>
+            <a:off x="0" y="5105400"/>
+            <a:ext cx="11292840" cy="1752600"/>
+          </a:xfrm>
+          <a:prstGeom prst="rect">
+            <a:avLst/>
+          </a:prstGeom>
+          <a:solidFill>
+            <a:srgbClr val="000000"/>
+          </a:solidFill>
+          <a:ln>
+            <a:noFill/>
+          </a:ln>
+        </p:spPr>
+        <p:style>
+          <a:lnRef idx="2">
+            <a:schemeClr val="accent1">
+              <a:shade val="50000"/>
+            </a:schemeClr>
+          </a:lnRef>
+          <a:fillRef idx="1">
+            <a:schemeClr val="accent1"/>
+          </a:fillRef>
+          <a:effectRef idx="0">
+            <a:schemeClr val="accent1"/>
+          </a:effectRef>
+          <a:fontRef idx="minor">
+            <a:schemeClr val="lt1"/>
+          </a:fontRef>
+        </p:style>
+      </p:sp>
+      <p:sp>
+        <p:nvSpPr>
+          <p:cNvPr id="2" name="Title 1"/>
+          <p:cNvSpPr>
+            <a:spLocks noGrp="1"/>
+          </p:cNvSpPr>
+          <p:nvPr>
+            <p:ph type="title"/>
+          </p:nvPr>
+        </p:nvSpPr>
+        <p:spPr>
+          <a:xfrm>
+            <a:off x="914400" y="5257800"/>
+            <a:ext cx="9982200" cy="914400"/>
           </a:xfrm>
         </p:spPr>
         <p:txBody>
-          <a:bodyPr anchor="b"/>
+          <a:bodyPr anchor="b">
+            <a:normAutofit/>
+          </a:bodyPr>
           <a:lstStyle>
             <a:lvl1pPr>
-              <a:defRPr sz="3200"/>
+              <a:defRPr sz="2800" b="0">
+                <a:solidFill>
+                  <a:schemeClr val="bg1"/>
+                </a:solidFill>
+              </a:defRPr>
             </a:lvl1pPr>
           </a:lstStyle>
           <a:p>
@@ -2511,20 +2536,15 @@
               <a:rPr lang="en-US"/>
               <a:t>Click to edit Master title style</a:t>
             </a:r>
-          </a:p>
-        </p:txBody>
-      </p:sp>
-      <p:sp>
-        <p:nvSpPr>
-          <p:cNvPr id="3" name="Picture Placeholder 2">
-            <a:extLst>
-              <a:ext uri="{FF2B5EF4-FFF2-40B4-BE49-F238E27FC236}">
-                <a16:creationId xmlns:a16="http://schemas.microsoft.com/office/drawing/2014/main" id="{DB80B985-1212-3445-9C03-FD65BF154C87}"/>
-              </a:ext>
-            </a:extLst>
-          </p:cNvPr>
-          <p:cNvSpPr>
-            <a:spLocks noGrp="1"/>
+            <a:endParaRPr lang="en-US" dirty="0"/>
+          </a:p>
+        </p:txBody>
+      </p:sp>
+      <p:sp>
+        <p:nvSpPr>
+          <p:cNvPr id="3" name="Picture Placeholder 2"/>
+          <p:cNvSpPr>
+            <a:spLocks noGrp="1" noChangeAspect="1"/>
           </p:cNvSpPr>
           <p:nvPr>
             <p:ph type="pic" idx="1"/>
@@ -2532,16 +2552,23 @@
         </p:nvSpPr>
         <p:spPr>
           <a:xfrm>
-            <a:off x="5183188" y="987425"/>
-            <a:ext cx="6172200" cy="4873625"/>
+            <a:off x="0" y="0"/>
+            <a:ext cx="11292840" cy="5128923"/>
           </a:xfrm>
+          <a:solidFill>
+            <a:schemeClr val="accent1"/>
+          </a:solidFill>
         </p:spPr>
         <p:txBody>
-          <a:bodyPr/>
+          <a:bodyPr anchor="t"/>
           <a:lstStyle>
             <a:lvl1pPr marL="0" indent="0">
               <a:buNone/>
-              <a:defRPr sz="3200"/>
+              <a:defRPr sz="3200">
+                <a:solidFill>
+                  <a:schemeClr val="bg1"/>
+                </a:solidFill>
+              </a:defRPr>
             </a:lvl1pPr>
             <a:lvl2pPr marL="457200" indent="0">
               <a:buNone/>
@@ -2577,19 +2604,17 @@
             </a:lvl9pPr>
           </a:lstStyle>
           <a:p>
-            <a:endParaRPr lang="en-US"/>
-          </a:p>
-        </p:txBody>
-      </p:sp>
-      <p:sp>
-        <p:nvSpPr>
-          <p:cNvPr id="4" name="Text Placeholder 3">
-            <a:extLst>
-              <a:ext uri="{FF2B5EF4-FFF2-40B4-BE49-F238E27FC236}">
-                <a16:creationId xmlns:a16="http://schemas.microsoft.com/office/drawing/2014/main" id="{82AA58FA-B183-9246-9A4B-7C9A2FED8D39}"/>
-              </a:ext>
-            </a:extLst>
-          </p:cNvPr>
+            <a:r>
+              <a:rPr lang="en-US"/>
+              <a:t>Click icon to add picture</a:t>
+            </a:r>
+            <a:endParaRPr lang="en-US" dirty="0"/>
+          </a:p>
+        </p:txBody>
+      </p:sp>
+      <p:sp>
+        <p:nvSpPr>
+          <p:cNvPr id="4" name="Text Placeholder 3"/>
           <p:cNvSpPr>
             <a:spLocks noGrp="1"/>
           </p:cNvSpPr>
@@ -2599,48 +2624,62 @@
         </p:nvSpPr>
         <p:spPr>
           <a:xfrm>
-            <a:off x="839788" y="2057400"/>
-            <a:ext cx="3932237" cy="3811588"/>
+            <a:off x="914400" y="6108589"/>
+            <a:ext cx="9982200" cy="597011"/>
           </a:xfrm>
         </p:spPr>
         <p:txBody>
-          <a:bodyPr/>
+          <a:bodyPr>
+            <a:normAutofit/>
+          </a:bodyPr>
           <a:lstStyle>
             <a:lvl1pPr marL="0" indent="0">
-              <a:buNone/>
-              <a:defRPr sz="1600"/>
+              <a:lnSpc>
+                <a:spcPct val="100000"/>
+              </a:lnSpc>
+              <a:spcBef>
+                <a:spcPts val="800"/>
+              </a:spcBef>
+              <a:buNone/>
+              <a:defRPr sz="1300">
+                <a:solidFill>
+                  <a:schemeClr val="bg1">
+                    <a:lumMod val="85000"/>
+                  </a:schemeClr>
+                </a:solidFill>
+              </a:defRPr>
             </a:lvl1pPr>
             <a:lvl2pPr marL="457200" indent="0">
               <a:buNone/>
-              <a:defRPr sz="1400"/>
+              <a:defRPr sz="1200"/>
             </a:lvl2pPr>
             <a:lvl3pPr marL="914400" indent="0">
               <a:buNone/>
-              <a:defRPr sz="1200"/>
+              <a:defRPr sz="1000"/>
             </a:lvl3pPr>
             <a:lvl4pPr marL="1371600" indent="0">
               <a:buNone/>
-              <a:defRPr sz="1000"/>
+              <a:defRPr sz="900"/>
             </a:lvl4pPr>
             <a:lvl5pPr marL="1828800" indent="0">
               <a:buNone/>
-              <a:defRPr sz="1000"/>
+              <a:defRPr sz="900"/>
             </a:lvl5pPr>
             <a:lvl6pPr marL="2286000" indent="0">
               <a:buNone/>
-              <a:defRPr sz="1000"/>
+              <a:defRPr sz="900"/>
             </a:lvl6pPr>
             <a:lvl7pPr marL="2743200" indent="0">
               <a:buNone/>
-              <a:defRPr sz="1000"/>
+              <a:defRPr sz="900"/>
             </a:lvl7pPr>
             <a:lvl8pPr marL="3200400" indent="0">
               <a:buNone/>
-              <a:defRPr sz="1000"/>
+              <a:defRPr sz="900"/>
             </a:lvl8pPr>
             <a:lvl9pPr marL="3657600" indent="0">
               <a:buNone/>
-              <a:defRPr sz="1000"/>
+              <a:defRPr sz="900"/>
             </a:lvl9pPr>
           </a:lstStyle>
           <a:p>
@@ -2654,13 +2693,7 @@
       </p:sp>
       <p:sp>
         <p:nvSpPr>
-          <p:cNvPr id="5" name="Date Placeholder 4">
-            <a:extLst>
-              <a:ext uri="{FF2B5EF4-FFF2-40B4-BE49-F238E27FC236}">
-                <a16:creationId xmlns:a16="http://schemas.microsoft.com/office/drawing/2014/main" id="{83A8B810-2A9D-4743-8784-C0472749223A}"/>
-              </a:ext>
-            </a:extLst>
-          </p:cNvPr>
+          <p:cNvPr id="5" name="Date Placeholder 4"/>
           <p:cNvSpPr>
             <a:spLocks noGrp="1"/>
           </p:cNvSpPr>
@@ -2675,7 +2708,7 @@
           <a:p>
             <a:fld id="{1EF181FB-4063-7D43-9667-698BCF882ED9}" type="datetimeFigureOut">
               <a:rPr lang="en-US" smtClean="0"/>
-              <a:t>4/25/2019</a:t>
+              <a:t>4/26/2019</a:t>
             </a:fld>
             <a:endParaRPr lang="en-US"/>
           </a:p>
@@ -2683,13 +2716,7 @@
       </p:sp>
       <p:sp>
         <p:nvSpPr>
-          <p:cNvPr id="6" name="Footer Placeholder 5">
-            <a:extLst>
-              <a:ext uri="{FF2B5EF4-FFF2-40B4-BE49-F238E27FC236}">
-                <a16:creationId xmlns:a16="http://schemas.microsoft.com/office/drawing/2014/main" id="{E63C1076-FC79-4C40-BC76-43DB29FF946B}"/>
-              </a:ext>
-            </a:extLst>
-          </p:cNvPr>
+          <p:cNvPr id="6" name="Footer Placeholder 5"/>
           <p:cNvSpPr>
             <a:spLocks noGrp="1"/>
           </p:cNvSpPr>
@@ -2708,13 +2735,7 @@
       </p:sp>
       <p:sp>
         <p:nvSpPr>
-          <p:cNvPr id="7" name="Slide Number Placeholder 6">
-            <a:extLst>
-              <a:ext uri="{FF2B5EF4-FFF2-40B4-BE49-F238E27FC236}">
-                <a16:creationId xmlns:a16="http://schemas.microsoft.com/office/drawing/2014/main" id="{225D2A99-F124-8143-B30B-FAC81ED2A78D}"/>
-              </a:ext>
-            </a:extLst>
-          </p:cNvPr>
+          <p:cNvPr id="7" name="Slide Number Placeholder 6"/>
           <p:cNvSpPr>
             <a:spLocks noGrp="1"/>
           </p:cNvSpPr>
@@ -2738,7 +2759,7 @@
     </p:spTree>
     <p:extLst>
       <p:ext uri="{BB962C8B-B14F-4D97-AF65-F5344CB8AC3E}">
-        <p14:creationId xmlns:p14="http://schemas.microsoft.com/office/powerpoint/2010/main" val="1376903354"/>
+        <p14:creationId xmlns:p14="http://schemas.microsoft.com/office/powerpoint/2010/main" val="1166572717"/>
       </p:ext>
     </p:extLst>
   </p:cSld>
@@ -2752,9 +2773,19 @@
 <p:sldMaster xmlns:a="http://schemas.openxmlformats.org/drawingml/2006/main" xmlns:r="http://schemas.openxmlformats.org/officeDocument/2006/relationships" xmlns:p="http://schemas.openxmlformats.org/presentationml/2006/main">
   <p:cSld>
     <p:bg>
-      <p:bgRef idx="1001">
-        <a:schemeClr val="bg1"/>
-      </p:bgRef>
+      <p:bgPr>
+        <a:blipFill dpi="0" rotWithShape="1">
+          <a:blip r:embed="rId13">
+            <a:alphaModFix amt="20000"/>
+            <a:lum/>
+          </a:blip>
+          <a:srcRect/>
+          <a:stretch>
+            <a:fillRect l="8000" t="-25000" r="-4000" b="-25000"/>
+          </a:stretch>
+        </a:blipFill>
+        <a:effectLst/>
+      </p:bgPr>
     </p:bg>
     <p:spTree>
       <p:nvGrpSpPr>
@@ -2772,31 +2803,65 @@
       </p:grpSpPr>
       <p:sp>
         <p:nvSpPr>
-          <p:cNvPr id="2" name="Title Placeholder 1">
-            <a:extLst>
-              <a:ext uri="{FF2B5EF4-FFF2-40B4-BE49-F238E27FC236}">
-                <a16:creationId xmlns:a16="http://schemas.microsoft.com/office/drawing/2014/main" id="{650D788D-4F30-464D-B5A6-EC4CD4EF2861}"/>
-              </a:ext>
-            </a:extLst>
-          </p:cNvPr>
-          <p:cNvSpPr>
-            <a:spLocks noGrp="1"/>
-          </p:cNvSpPr>
-          <p:nvPr>
-            <p:ph type="title"/>
-          </p:nvPr>
+          <p:cNvPr id="7" name="Rectangle 6"/>
+          <p:cNvSpPr/>
+          <p:nvPr/>
         </p:nvSpPr>
         <p:spPr>
           <a:xfrm>
-            <a:off x="838200" y="365125"/>
-            <a:ext cx="10515600" cy="1325563"/>
+            <a:off x="11292840" y="0"/>
+            <a:ext cx="914400" cy="6858000"/>
+          </a:xfrm>
+          <a:prstGeom prst="rect">
+            <a:avLst/>
+          </a:prstGeom>
+          <a:solidFill>
+            <a:schemeClr val="tx2">
+              <a:lumMod val="75000"/>
+            </a:schemeClr>
+          </a:solidFill>
+          <a:ln>
+            <a:noFill/>
+          </a:ln>
+        </p:spPr>
+        <p:style>
+          <a:lnRef idx="2">
+            <a:schemeClr val="accent1">
+              <a:shade val="50000"/>
+            </a:schemeClr>
+          </a:lnRef>
+          <a:fillRef idx="1">
+            <a:schemeClr val="accent1"/>
+          </a:fillRef>
+          <a:effectRef idx="0">
+            <a:schemeClr val="accent1"/>
+          </a:effectRef>
+          <a:fontRef idx="minor">
+            <a:schemeClr val="lt1"/>
+          </a:fontRef>
+        </p:style>
+      </p:sp>
+      <p:sp>
+        <p:nvSpPr>
+          <p:cNvPr id="2" name="Title Placeholder 1"/>
+          <p:cNvSpPr>
+            <a:spLocks noGrp="1"/>
+          </p:cNvSpPr>
+          <p:nvPr>
+            <p:ph type="title"/>
+          </p:nvPr>
+        </p:nvSpPr>
+        <p:spPr>
+          <a:xfrm>
+            <a:off x="1261872" y="365760"/>
+            <a:ext cx="9692640" cy="1325562"/>
           </a:xfrm>
           <a:prstGeom prst="rect">
             <a:avLst/>
           </a:prstGeom>
         </p:spPr>
         <p:txBody>
-          <a:bodyPr vert="horz" lIns="91440" tIns="45720" rIns="91440" bIns="45720" rtlCol="0" anchor="ctr">
+          <a:bodyPr vert="horz" lIns="91440" tIns="45720" rIns="91440" bIns="45720" rtlCol="0" anchor="b">
             <a:normAutofit/>
           </a:bodyPr>
           <a:lstStyle/>
@@ -2805,18 +2870,13 @@
               <a:rPr lang="en-US"/>
               <a:t>Click to edit Master title style</a:t>
             </a:r>
-          </a:p>
-        </p:txBody>
-      </p:sp>
-      <p:sp>
-        <p:nvSpPr>
-          <p:cNvPr id="3" name="Text Placeholder 2">
-            <a:extLst>
-              <a:ext uri="{FF2B5EF4-FFF2-40B4-BE49-F238E27FC236}">
-                <a16:creationId xmlns:a16="http://schemas.microsoft.com/office/drawing/2014/main" id="{0F7EF75E-58C4-2B4A-825C-E562780AA745}"/>
-              </a:ext>
-            </a:extLst>
-          </p:cNvPr>
+            <a:endParaRPr lang="en-US" dirty="0"/>
+          </a:p>
+        </p:txBody>
+      </p:sp>
+      <p:sp>
+        <p:nvSpPr>
+          <p:cNvPr id="3" name="Text Placeholder 2"/>
           <p:cNvSpPr>
             <a:spLocks noGrp="1"/>
           </p:cNvSpPr>
@@ -2826,8 +2886,8 @@
         </p:nvSpPr>
         <p:spPr>
           <a:xfrm>
-            <a:off x="838200" y="1825625"/>
-            <a:ext cx="10515600" cy="4351338"/>
+            <a:off x="1261872" y="1828800"/>
+            <a:ext cx="8595360" cy="4351337"/>
           </a:xfrm>
           <a:prstGeom prst="rect">
             <a:avLst/>
@@ -2872,18 +2932,13 @@
               <a:rPr lang="en-US"/>
               <a:t>Fifth level</a:t>
             </a:r>
-          </a:p>
-        </p:txBody>
-      </p:sp>
-      <p:sp>
-        <p:nvSpPr>
-          <p:cNvPr id="4" name="Date Placeholder 3">
-            <a:extLst>
-              <a:ext uri="{FF2B5EF4-FFF2-40B4-BE49-F238E27FC236}">
-                <a16:creationId xmlns:a16="http://schemas.microsoft.com/office/drawing/2014/main" id="{F4780D2F-86EA-594E-8F2C-E294155B49D7}"/>
-              </a:ext>
-            </a:extLst>
-          </p:cNvPr>
+            <a:endParaRPr lang="en-US" dirty="0"/>
+          </a:p>
+        </p:txBody>
+      </p:sp>
+      <p:sp>
+        <p:nvSpPr>
+          <p:cNvPr id="4" name="Date Placeholder 3"/>
           <p:cNvSpPr>
             <a:spLocks noGrp="1"/>
           </p:cNvSpPr>
@@ -2892,9 +2947,9 @@
           </p:nvPr>
         </p:nvSpPr>
         <p:spPr>
-          <a:xfrm>
-            <a:off x="838200" y="6356350"/>
-            <a:ext cx="2743200" cy="365125"/>
+          <a:xfrm rot="16200000">
+            <a:off x="10797542" y="998537"/>
+            <a:ext cx="1904999" cy="365125"/>
           </a:xfrm>
           <a:prstGeom prst="rect">
             <a:avLst/>
@@ -2903,11 +2958,12 @@
         <p:txBody>
           <a:bodyPr vert="horz" lIns="91440" tIns="45720" rIns="91440" bIns="45720" rtlCol="0" anchor="ctr"/>
           <a:lstStyle>
-            <a:lvl1pPr algn="l">
-              <a:defRPr sz="1200">
+            <a:lvl1pPr algn="r">
+              <a:defRPr sz="1050" b="0">
                 <a:solidFill>
-                  <a:schemeClr val="tx1">
-                    <a:tint val="75000"/>
+                  <a:schemeClr val="tx2">
+                    <a:lumMod val="20000"/>
+                    <a:lumOff val="80000"/>
                   </a:schemeClr>
                 </a:solidFill>
               </a:defRPr>
@@ -2916,7 +2972,7 @@
           <a:p>
             <a:fld id="{1EF181FB-4063-7D43-9667-698BCF882ED9}" type="datetimeFigureOut">
               <a:rPr lang="en-US" smtClean="0"/>
-              <a:t>4/25/2019</a:t>
+              <a:t>4/26/2019</a:t>
             </a:fld>
             <a:endParaRPr lang="en-US"/>
           </a:p>
@@ -2924,13 +2980,7 @@
       </p:sp>
       <p:sp>
         <p:nvSpPr>
-          <p:cNvPr id="5" name="Footer Placeholder 4">
-            <a:extLst>
-              <a:ext uri="{FF2B5EF4-FFF2-40B4-BE49-F238E27FC236}">
-                <a16:creationId xmlns:a16="http://schemas.microsoft.com/office/drawing/2014/main" id="{8B02C337-E939-4C45-B9EF-6CB48AF81E1A}"/>
-              </a:ext>
-            </a:extLst>
-          </p:cNvPr>
+          <p:cNvPr id="5" name="Footer Placeholder 4"/>
           <p:cNvSpPr>
             <a:spLocks noGrp="1"/>
           </p:cNvSpPr>
@@ -2939,9 +2989,9 @@
           </p:nvPr>
         </p:nvSpPr>
         <p:spPr>
-          <a:xfrm>
-            <a:off x="4038600" y="6356350"/>
-            <a:ext cx="4114800" cy="365125"/>
+          <a:xfrm rot="16200000">
+            <a:off x="9959341" y="4046537"/>
+            <a:ext cx="3581400" cy="365125"/>
           </a:xfrm>
           <a:prstGeom prst="rect">
             <a:avLst/>
@@ -2950,11 +3000,12 @@
         <p:txBody>
           <a:bodyPr vert="horz" lIns="91440" tIns="45720" rIns="91440" bIns="45720" rtlCol="0" anchor="ctr"/>
           <a:lstStyle>
-            <a:lvl1pPr algn="ctr">
-              <a:defRPr sz="1200">
+            <a:lvl1pPr algn="l">
+              <a:defRPr sz="1050">
                 <a:solidFill>
-                  <a:schemeClr val="tx1">
-                    <a:tint val="75000"/>
+                  <a:schemeClr val="tx2">
+                    <a:lumMod val="20000"/>
+                    <a:lumOff val="80000"/>
                   </a:schemeClr>
                 </a:solidFill>
               </a:defRPr>
@@ -2967,13 +3018,7 @@
       </p:sp>
       <p:sp>
         <p:nvSpPr>
-          <p:cNvPr id="6" name="Slide Number Placeholder 5">
-            <a:extLst>
-              <a:ext uri="{FF2B5EF4-FFF2-40B4-BE49-F238E27FC236}">
-                <a16:creationId xmlns:a16="http://schemas.microsoft.com/office/drawing/2014/main" id="{8384A1FB-BADF-FA45-BB02-AA9B607BC54F}"/>
-              </a:ext>
-            </a:extLst>
-          </p:cNvPr>
+          <p:cNvPr id="6" name="Slide Number Placeholder 5"/>
           <p:cNvSpPr>
             <a:spLocks noGrp="1"/>
           </p:cNvSpPr>
@@ -2983,21 +3028,24 @@
         </p:nvSpPr>
         <p:spPr>
           <a:xfrm>
-            <a:off x="8610600" y="6356350"/>
-            <a:ext cx="2743200" cy="365125"/>
+            <a:off x="11292840" y="6172200"/>
+            <a:ext cx="914400" cy="593725"/>
           </a:xfrm>
           <a:prstGeom prst="rect">
             <a:avLst/>
           </a:prstGeom>
         </p:spPr>
         <p:txBody>
-          <a:bodyPr vert="horz" lIns="91440" tIns="45720" rIns="91440" bIns="45720" rtlCol="0" anchor="ctr"/>
+          <a:bodyPr vert="horz" lIns="45720" tIns="45720" rIns="45720" bIns="45720" rtlCol="0" anchor="ctr">
+            <a:normAutofit/>
+          </a:bodyPr>
           <a:lstStyle>
-            <a:lvl1pPr algn="r">
-              <a:defRPr sz="1200">
+            <a:lvl1pPr algn="ctr">
+              <a:defRPr sz="3600">
                 <a:solidFill>
-                  <a:schemeClr val="tx1">
-                    <a:tint val="75000"/>
+                  <a:schemeClr val="tx2">
+                    <a:lumMod val="60000"/>
+                    <a:lumOff val="40000"/>
                   </a:schemeClr>
                 </a:solidFill>
               </a:defRPr>
@@ -3015,23 +3063,23 @@
     </p:spTree>
     <p:extLst>
       <p:ext uri="{BB962C8B-B14F-4D97-AF65-F5344CB8AC3E}">
-        <p14:creationId xmlns:p14="http://schemas.microsoft.com/office/powerpoint/2010/main" val="3350394017"/>
+        <p14:creationId xmlns:p14="http://schemas.microsoft.com/office/powerpoint/2010/main" val="543203208"/>
       </p:ext>
     </p:extLst>
   </p:cSld>
   <p:clrMap bg1="lt1" tx1="dk1" bg2="lt2" tx2="dk2" accent1="accent1" accent2="accent2" accent3="accent3" accent4="accent4" accent5="accent5" accent6="accent6" hlink="hlink" folHlink="folHlink"/>
   <p:sldLayoutIdLst>
-    <p:sldLayoutId id="2147483649" r:id="rId1"/>
-    <p:sldLayoutId id="2147483650" r:id="rId2"/>
-    <p:sldLayoutId id="2147483651" r:id="rId3"/>
-    <p:sldLayoutId id="2147483652" r:id="rId4"/>
-    <p:sldLayoutId id="2147483653" r:id="rId5"/>
-    <p:sldLayoutId id="2147483654" r:id="rId6"/>
-    <p:sldLayoutId id="2147483655" r:id="rId7"/>
-    <p:sldLayoutId id="2147483656" r:id="rId8"/>
-    <p:sldLayoutId id="2147483657" r:id="rId9"/>
-    <p:sldLayoutId id="2147483658" r:id="rId10"/>
-    <p:sldLayoutId id="2147483659" r:id="rId11"/>
+    <p:sldLayoutId id="2147483661" r:id="rId1"/>
+    <p:sldLayoutId id="2147483662" r:id="rId2"/>
+    <p:sldLayoutId id="2147483663" r:id="rId3"/>
+    <p:sldLayoutId id="2147483664" r:id="rId4"/>
+    <p:sldLayoutId id="2147483665" r:id="rId5"/>
+    <p:sldLayoutId id="2147483666" r:id="rId6"/>
+    <p:sldLayoutId id="2147483667" r:id="rId7"/>
+    <p:sldLayoutId id="2147483668" r:id="rId8"/>
+    <p:sldLayoutId id="2147483669" r:id="rId9"/>
+    <p:sldLayoutId id="2147483670" r:id="rId10"/>
+    <p:sldLayoutId id="2147483671" r:id="rId11"/>
   </p:sldLayoutIdLst>
   <p:txStyles>
     <p:titleStyle>
@@ -3043,7 +3091,7 @@
           <a:spcPct val="0"/>
         </a:spcBef>
         <a:buNone/>
-        <a:defRPr sz="4400" kern="1200">
+        <a:defRPr sz="4400" kern="1200" spc="-50" baseline="0">
           <a:solidFill>
             <a:schemeClr val="tx1"/>
           </a:solidFill>
@@ -3054,16 +3102,23 @@
       </a:lvl1pPr>
     </p:titleStyle>
     <p:bodyStyle>
-      <a:lvl1pPr marL="228600" indent="-228600" algn="l" defTabSz="914400" rtl="0" eaLnBrk="1" latinLnBrk="0" hangingPunct="1">
+      <a:lvl1pPr marL="182880" indent="-182880" algn="l" defTabSz="914400" rtl="0" eaLnBrk="1" latinLnBrk="0" hangingPunct="1">
         <a:lnSpc>
-          <a:spcPct val="90000"/>
+          <a:spcPct val="95000"/>
         </a:lnSpc>
         <a:spcBef>
-          <a:spcPts val="1000"/>
+          <a:spcPts val="1400"/>
         </a:spcBef>
-        <a:buFont typeface="Arial" panose="020B0604020202020204" pitchFamily="34" charset="0"/>
+        <a:spcAft>
+          <a:spcPts val="200"/>
+        </a:spcAft>
+        <a:buClr>
+          <a:schemeClr val="accent1"/>
+        </a:buClr>
+        <a:buSzPct val="80000"/>
+        <a:buFont typeface="Arial" pitchFamily="34" charset="0"/>
         <a:buChar char="•"/>
-        <a:defRPr sz="2800" kern="1200">
+        <a:defRPr sz="1800" kern="1200" spc="10" baseline="0">
           <a:solidFill>
             <a:schemeClr val="tx1"/>
           </a:solidFill>
@@ -3072,144 +3127,216 @@
           <a:cs typeface="+mn-cs"/>
         </a:defRPr>
       </a:lvl1pPr>
-      <a:lvl2pPr marL="685800" indent="-228600" algn="l" defTabSz="914400" rtl="0" eaLnBrk="1" latinLnBrk="0" hangingPunct="1">
+      <a:lvl2pPr marL="457200" indent="-182880" algn="l" defTabSz="914400" rtl="0" eaLnBrk="1" latinLnBrk="0" hangingPunct="1">
         <a:lnSpc>
           <a:spcPct val="90000"/>
         </a:lnSpc>
         <a:spcBef>
-          <a:spcPts val="500"/>
+          <a:spcPts val="300"/>
         </a:spcBef>
-        <a:buFont typeface="Arial" panose="020B0604020202020204" pitchFamily="34" charset="0"/>
-        <a:buChar char="•"/>
-        <a:defRPr sz="2400" kern="1200">
+        <a:spcAft>
+          <a:spcPts val="300"/>
+        </a:spcAft>
+        <a:buClr>
+          <a:schemeClr val="accent1"/>
+        </a:buClr>
+        <a:buFont typeface="Wingdings 2" pitchFamily="18" charset="2"/>
+        <a:buChar char=""/>
+        <a:defRPr sz="1600" kern="1200">
           <a:solidFill>
-            <a:schemeClr val="tx1"/>
+            <a:schemeClr val="tx1">
+              <a:lumMod val="85000"/>
+              <a:lumOff val="15000"/>
+            </a:schemeClr>
           </a:solidFill>
           <a:latin typeface="+mn-lt"/>
           <a:ea typeface="+mn-ea"/>
           <a:cs typeface="+mn-cs"/>
         </a:defRPr>
       </a:lvl2pPr>
-      <a:lvl3pPr marL="1143000" indent="-228600" algn="l" defTabSz="914400" rtl="0" eaLnBrk="1" latinLnBrk="0" hangingPunct="1">
+      <a:lvl3pPr marL="731520" indent="-182880" algn="l" defTabSz="914400" rtl="0" eaLnBrk="1" latinLnBrk="0" hangingPunct="1">
         <a:lnSpc>
           <a:spcPct val="90000"/>
         </a:lnSpc>
         <a:spcBef>
-          <a:spcPts val="500"/>
+          <a:spcPts val="300"/>
         </a:spcBef>
-        <a:buFont typeface="Arial" panose="020B0604020202020204" pitchFamily="34" charset="0"/>
-        <a:buChar char="•"/>
-        <a:defRPr sz="2000" kern="1200">
+        <a:spcAft>
+          <a:spcPts val="300"/>
+        </a:spcAft>
+        <a:buClr>
+          <a:schemeClr val="accent1"/>
+        </a:buClr>
+        <a:buFont typeface="Wingdings 2" pitchFamily="18" charset="2"/>
+        <a:buChar char=""/>
+        <a:defRPr sz="1400" kern="1200">
           <a:solidFill>
-            <a:schemeClr val="tx1"/>
+            <a:schemeClr val="tx1">
+              <a:lumMod val="85000"/>
+              <a:lumOff val="15000"/>
+            </a:schemeClr>
           </a:solidFill>
           <a:latin typeface="+mn-lt"/>
           <a:ea typeface="+mn-ea"/>
           <a:cs typeface="+mn-cs"/>
         </a:defRPr>
       </a:lvl3pPr>
-      <a:lvl4pPr marL="1600200" indent="-228600" algn="l" defTabSz="914400" rtl="0" eaLnBrk="1" latinLnBrk="0" hangingPunct="1">
+      <a:lvl4pPr marL="1005840" indent="-182880" algn="l" defTabSz="914400" rtl="0" eaLnBrk="1" latinLnBrk="0" hangingPunct="1">
         <a:lnSpc>
           <a:spcPct val="90000"/>
         </a:lnSpc>
         <a:spcBef>
-          <a:spcPts val="500"/>
+          <a:spcPts val="300"/>
         </a:spcBef>
-        <a:buFont typeface="Arial" panose="020B0604020202020204" pitchFamily="34" charset="0"/>
-        <a:buChar char="•"/>
-        <a:defRPr sz="1800" kern="1200">
+        <a:spcAft>
+          <a:spcPts val="300"/>
+        </a:spcAft>
+        <a:buClr>
+          <a:schemeClr val="accent1"/>
+        </a:buClr>
+        <a:buFont typeface="Wingdings 2" pitchFamily="18" charset="2"/>
+        <a:buChar char=""/>
+        <a:defRPr sz="1400" kern="1200">
           <a:solidFill>
-            <a:schemeClr val="tx1"/>
+            <a:schemeClr val="tx1">
+              <a:lumMod val="85000"/>
+              <a:lumOff val="15000"/>
+            </a:schemeClr>
           </a:solidFill>
           <a:latin typeface="+mn-lt"/>
           <a:ea typeface="+mn-ea"/>
           <a:cs typeface="+mn-cs"/>
         </a:defRPr>
       </a:lvl4pPr>
-      <a:lvl5pPr marL="2057400" indent="-228600" algn="l" defTabSz="914400" rtl="0" eaLnBrk="1" latinLnBrk="0" hangingPunct="1">
+      <a:lvl5pPr marL="1280160" indent="-182880" algn="l" defTabSz="914400" rtl="0" eaLnBrk="1" latinLnBrk="0" hangingPunct="1">
         <a:lnSpc>
           <a:spcPct val="90000"/>
         </a:lnSpc>
         <a:spcBef>
-          <a:spcPts val="500"/>
+          <a:spcPts val="300"/>
         </a:spcBef>
-        <a:buFont typeface="Arial" panose="020B0604020202020204" pitchFamily="34" charset="0"/>
-        <a:buChar char="•"/>
-        <a:defRPr sz="1800" kern="1200">
+        <a:spcAft>
+          <a:spcPts val="300"/>
+        </a:spcAft>
+        <a:buClr>
+          <a:schemeClr val="accent1"/>
+        </a:buClr>
+        <a:buFont typeface="Wingdings 2" pitchFamily="18" charset="2"/>
+        <a:buChar char=""/>
+        <a:defRPr sz="1400" kern="1200">
           <a:solidFill>
-            <a:schemeClr val="tx1"/>
+            <a:schemeClr val="tx1">
+              <a:lumMod val="85000"/>
+              <a:lumOff val="15000"/>
+            </a:schemeClr>
           </a:solidFill>
           <a:latin typeface="+mn-lt"/>
           <a:ea typeface="+mn-ea"/>
           <a:cs typeface="+mn-cs"/>
         </a:defRPr>
       </a:lvl5pPr>
-      <a:lvl6pPr marL="2514600" indent="-228600" algn="l" defTabSz="914400" rtl="0" eaLnBrk="1" latinLnBrk="0" hangingPunct="1">
+      <a:lvl6pPr marL="1600000" indent="-228600" algn="l" defTabSz="914400" rtl="0" eaLnBrk="1" latinLnBrk="0" hangingPunct="1">
         <a:lnSpc>
           <a:spcPct val="90000"/>
         </a:lnSpc>
         <a:spcBef>
-          <a:spcPts val="500"/>
+          <a:spcPts val="300"/>
         </a:spcBef>
-        <a:buFont typeface="Arial" panose="020B0604020202020204" pitchFamily="34" charset="0"/>
-        <a:buChar char="•"/>
-        <a:defRPr sz="1800" kern="1200">
+        <a:spcAft>
+          <a:spcPts val="300"/>
+        </a:spcAft>
+        <a:buClr>
+          <a:schemeClr val="accent1"/>
+        </a:buClr>
+        <a:buFont typeface="Wingdings 2" pitchFamily="18" charset="2"/>
+        <a:buChar char=""/>
+        <a:defRPr sz="1400" kern="1200">
           <a:solidFill>
-            <a:schemeClr val="tx1"/>
+            <a:schemeClr val="tx1">
+              <a:lumMod val="85000"/>
+              <a:lumOff val="15000"/>
+            </a:schemeClr>
           </a:solidFill>
           <a:latin typeface="+mn-lt"/>
           <a:ea typeface="+mn-ea"/>
           <a:cs typeface="+mn-cs"/>
         </a:defRPr>
       </a:lvl6pPr>
-      <a:lvl7pPr marL="2971800" indent="-228600" algn="l" defTabSz="914400" rtl="0" eaLnBrk="1" latinLnBrk="0" hangingPunct="1">
+      <a:lvl7pPr marL="1900000" indent="-228600" algn="l" defTabSz="914400" rtl="0" eaLnBrk="1" latinLnBrk="0" hangingPunct="1">
         <a:lnSpc>
           <a:spcPct val="90000"/>
         </a:lnSpc>
         <a:spcBef>
-          <a:spcPts val="500"/>
+          <a:spcPts val="300"/>
         </a:spcBef>
-        <a:buFont typeface="Arial" panose="020B0604020202020204" pitchFamily="34" charset="0"/>
-        <a:buChar char="•"/>
-        <a:defRPr sz="1800" kern="1200">
+        <a:spcAft>
+          <a:spcPts val="300"/>
+        </a:spcAft>
+        <a:buClr>
+          <a:schemeClr val="accent1"/>
+        </a:buClr>
+        <a:buFont typeface="Wingdings 2" pitchFamily="18" charset="2"/>
+        <a:buChar char=""/>
+        <a:defRPr sz="1400" kern="1200">
           <a:solidFill>
-            <a:schemeClr val="tx1"/>
+            <a:schemeClr val="tx1">
+              <a:lumMod val="85000"/>
+              <a:lumOff val="15000"/>
+            </a:schemeClr>
           </a:solidFill>
           <a:latin typeface="+mn-lt"/>
           <a:ea typeface="+mn-ea"/>
           <a:cs typeface="+mn-cs"/>
         </a:defRPr>
       </a:lvl7pPr>
-      <a:lvl8pPr marL="3429000" indent="-228600" algn="l" defTabSz="914400" rtl="0" eaLnBrk="1" latinLnBrk="0" hangingPunct="1">
+      <a:lvl8pPr marL="2200000" indent="-228600" algn="l" defTabSz="914400" rtl="0" eaLnBrk="1" latinLnBrk="0" hangingPunct="1">
         <a:lnSpc>
           <a:spcPct val="90000"/>
         </a:lnSpc>
         <a:spcBef>
-          <a:spcPts val="500"/>
+          <a:spcPts val="300"/>
         </a:spcBef>
-        <a:buFont typeface="Arial" panose="020B0604020202020204" pitchFamily="34" charset="0"/>
-        <a:buChar char="•"/>
-        <a:defRPr sz="1800" kern="1200">
+        <a:spcAft>
+          <a:spcPts val="300"/>
+        </a:spcAft>
+        <a:buClr>
+          <a:schemeClr val="accent1"/>
+        </a:buClr>
+        <a:buFont typeface="Wingdings 2" pitchFamily="18" charset="2"/>
+        <a:buChar char=""/>
+        <a:defRPr sz="1400" kern="1200">
           <a:solidFill>
-            <a:schemeClr val="tx1"/>
+            <a:schemeClr val="tx1">
+              <a:lumMod val="85000"/>
+              <a:lumOff val="15000"/>
+            </a:schemeClr>
           </a:solidFill>
           <a:latin typeface="+mn-lt"/>
           <a:ea typeface="+mn-ea"/>
           <a:cs typeface="+mn-cs"/>
         </a:defRPr>
       </a:lvl8pPr>
-      <a:lvl9pPr marL="3886200" indent="-228600" algn="l" defTabSz="914400" rtl="0" eaLnBrk="1" latinLnBrk="0" hangingPunct="1">
+      <a:lvl9pPr marL="2500000" indent="-228600" algn="l" defTabSz="914400" rtl="0" eaLnBrk="1" latinLnBrk="0" hangingPunct="1">
         <a:lnSpc>
           <a:spcPct val="90000"/>
         </a:lnSpc>
         <a:spcBef>
-          <a:spcPts val="500"/>
+          <a:spcPts val="300"/>
         </a:spcBef>
-        <a:buFont typeface="Arial" panose="020B0604020202020204" pitchFamily="34" charset="0"/>
-        <a:buChar char="•"/>
-        <a:defRPr sz="1800" kern="1200">
+        <a:spcAft>
+          <a:spcPts val="300"/>
+        </a:spcAft>
+        <a:buClr>
+          <a:schemeClr val="accent1"/>
+        </a:buClr>
+        <a:buFont typeface="Wingdings 2" pitchFamily="18" charset="2"/>
+        <a:buChar char=""/>
+        <a:defRPr sz="1400" kern="1200">
           <a:solidFill>
-            <a:schemeClr val="tx1"/>
+            <a:schemeClr val="tx1">
+              <a:lumMod val="85000"/>
+              <a:lumOff val="15000"/>
+            </a:schemeClr>
           </a:solidFill>
           <a:latin typeface="+mn-lt"/>
           <a:ea typeface="+mn-ea"/>
@@ -3355,8 +3482,12 @@
           <a:lstStyle/>
           <a:p>
             <a:r>
-              <a:rPr lang="en-US" dirty="0"/>
-              <a:t>Access to HealthCare in the DMV Areas</a:t>
+              <a:rPr lang="en-US" dirty="0">
+                <a:solidFill>
+                  <a:schemeClr val="bg1"/>
+                </a:solidFill>
+              </a:rPr>
+              <a:t>Healthcare Deserts in the DMV</a:t>
             </a:r>
           </a:p>
         </p:txBody>
@@ -3380,39 +3511,88 @@
         <p:spPr/>
         <p:txBody>
           <a:bodyPr>
-            <a:normAutofit lnSpcReduction="10000"/>
+            <a:normAutofit fontScale="92500" lnSpcReduction="20000"/>
           </a:bodyPr>
           <a:lstStyle/>
           <a:p>
             <a:r>
-              <a:rPr lang="en-US" dirty="0" err="1"/>
+              <a:rPr lang="en-US" dirty="0" err="1">
+                <a:solidFill>
+                  <a:schemeClr val="bg1">
+                    <a:lumMod val="75000"/>
+                    <a:lumOff val="25000"/>
+                  </a:schemeClr>
+                </a:solidFill>
+              </a:rPr>
               <a:t>Ms</a:t>
             </a:r>
             <a:r>
-              <a:rPr lang="en-US" dirty="0"/>
+              <a:rPr lang="en-US" dirty="0">
+                <a:solidFill>
+                  <a:schemeClr val="bg1">
+                    <a:lumMod val="75000"/>
+                    <a:lumOff val="25000"/>
+                  </a:schemeClr>
+                </a:solidFill>
+              </a:rPr>
               <a:t> Emily Reynolds</a:t>
             </a:r>
           </a:p>
           <a:p>
             <a:r>
-              <a:rPr lang="en-US" dirty="0"/>
+              <a:rPr lang="en-US" dirty="0">
+                <a:solidFill>
+                  <a:schemeClr val="bg1">
+                    <a:lumMod val="75000"/>
+                    <a:lumOff val="25000"/>
+                  </a:schemeClr>
+                </a:solidFill>
+              </a:rPr>
               <a:t>Mr. Richie </a:t>
             </a:r>
             <a:r>
-              <a:rPr lang="en-US" dirty="0" err="1"/>
+              <a:rPr lang="en-US" dirty="0" err="1">
+                <a:solidFill>
+                  <a:schemeClr val="bg1">
+                    <a:lumMod val="75000"/>
+                    <a:lumOff val="25000"/>
+                  </a:schemeClr>
+                </a:solidFill>
+              </a:rPr>
               <a:t>Pherson</a:t>
             </a:r>
-            <a:endParaRPr lang="en-US" dirty="0"/>
-          </a:p>
-          <a:p>
-            <a:r>
-              <a:rPr lang="en-US" dirty="0"/>
+            <a:endParaRPr lang="en-US" dirty="0">
+              <a:solidFill>
+                <a:schemeClr val="bg1">
+                  <a:lumMod val="75000"/>
+                  <a:lumOff val="25000"/>
+                </a:schemeClr>
+              </a:solidFill>
+            </a:endParaRPr>
+          </a:p>
+          <a:p>
+            <a:r>
+              <a:rPr lang="en-US" dirty="0">
+                <a:solidFill>
+                  <a:schemeClr val="bg1">
+                    <a:lumMod val="75000"/>
+                    <a:lumOff val="25000"/>
+                  </a:schemeClr>
+                </a:solidFill>
+              </a:rPr>
               <a:t>Mr. Mike Marshall</a:t>
             </a:r>
           </a:p>
           <a:p>
             <a:r>
-              <a:rPr lang="en-US" dirty="0"/>
+              <a:rPr lang="en-US" dirty="0">
+                <a:solidFill>
+                  <a:schemeClr val="bg1">
+                    <a:lumMod val="75000"/>
+                    <a:lumOff val="25000"/>
+                  </a:schemeClr>
+                </a:solidFill>
+              </a:rPr>
               <a:t>Mr. Vibhanshu Shekhar</a:t>
             </a:r>
           </a:p>
@@ -3505,7 +3685,7 @@
           <a:p>
             <a:r>
               <a:rPr lang="en-US" dirty="0"/>
-              <a:t>What is the likelihood that more doctors would be located in higher populated areas?</a:t>
+              <a:t>What is the likelihood that more doctors are located in more populated areas?</a:t>
             </a:r>
           </a:p>
           <a:p>
@@ -3524,6 +3704,12 @@
             <a:r>
               <a:rPr lang="en-US" dirty="0"/>
               <a:t>Does per capita income influence the percentage of individuals possess healthcare insurance?</a:t>
+            </a:r>
+          </a:p>
+          <a:p>
+            <a:r>
+              <a:rPr lang="en-US" dirty="0"/>
+              <a:t>We found that</a:t>
             </a:r>
           </a:p>
         </p:txBody>
@@ -3607,7 +3793,59 @@
           <a:bodyPr/>
           <a:lstStyle/>
           <a:p>
-            <a:endParaRPr lang="en-US"/>
+            <a:r>
+              <a:rPr lang="en-US" dirty="0"/>
+              <a:t>Healthcare Provider Data: Doctors and Hospitals</a:t>
+            </a:r>
+          </a:p>
+          <a:p>
+            <a:pPr lvl="1"/>
+            <a:r>
+              <a:rPr lang="en-US" dirty="0"/>
+              <a:t>Google Places API</a:t>
+            </a:r>
+          </a:p>
+          <a:p>
+            <a:r>
+              <a:rPr lang="en-US" dirty="0"/>
+              <a:t>Healthcare Coverage</a:t>
+            </a:r>
+          </a:p>
+          <a:p>
+            <a:pPr lvl="1"/>
+            <a:r>
+              <a:rPr lang="en-US" dirty="0"/>
+              <a:t>American Fact Finder from the US Census Bureau</a:t>
+            </a:r>
+          </a:p>
+          <a:p>
+            <a:r>
+              <a:rPr lang="en-US" dirty="0"/>
+              <a:t>Economic </a:t>
+            </a:r>
+            <a:r>
+              <a:rPr lang="en-US" dirty="0" err="1"/>
+              <a:t>Indivators</a:t>
+            </a:r>
+            <a:endParaRPr lang="en-US" dirty="0"/>
+          </a:p>
+          <a:p>
+            <a:pPr lvl="1"/>
+            <a:r>
+              <a:rPr lang="en-US" dirty="0"/>
+              <a:t>American Fact Finder from the US Census Bureau</a:t>
+            </a:r>
+          </a:p>
+          <a:p>
+            <a:pPr lvl="1"/>
+            <a:endParaRPr lang="en-US" dirty="0"/>
+          </a:p>
+          <a:p>
+            <a:pPr lvl="1"/>
+            <a:r>
+              <a:rPr lang="en-US" dirty="0"/>
+              <a:t>Elaborate on the questions you asked, describing what kinds of data you needed to answer them, and where you found it</a:t>
+            </a:r>
           </a:p>
         </p:txBody>
       </p:sp>
@@ -3690,7 +3928,10 @@
           <a:bodyPr/>
           <a:lstStyle/>
           <a:p>
-            <a:endParaRPr lang="en-US"/>
+            <a:r>
+              <a:rPr lang="en-US" dirty="0"/>
+              <a:t>Economic Data: </a:t>
+            </a:r>
           </a:p>
         </p:txBody>
       </p:sp>
@@ -3773,7 +4014,36 @@
           <a:bodyPr/>
           <a:lstStyle/>
           <a:p>
-            <a:endParaRPr lang="en-US"/>
+            <a:r>
+              <a:rPr lang="en-US" dirty="0"/>
+              <a:t>Describe the exploration and cleanup process</a:t>
+            </a:r>
+          </a:p>
+          <a:p>
+            <a:r>
+              <a:rPr lang="en-US" dirty="0"/>
+              <a:t>Discuss insights you had while exploring the data that you didn't anticipate</a:t>
+            </a:r>
+          </a:p>
+          <a:p>
+            <a:r>
+              <a:rPr lang="en-US" dirty="0"/>
+              <a:t>Discuss any problems that arose after exploring the data, and how you resolved them</a:t>
+            </a:r>
+          </a:p>
+          <a:p>
+            <a:r>
+              <a:rPr lang="en-US" dirty="0"/>
+              <a:t>Present and discuss interesting figures developed during exploration, ideally with the help of </a:t>
+            </a:r>
+            <a:r>
+              <a:rPr lang="en-US" dirty="0" err="1"/>
+              <a:t>Jupyter</a:t>
+            </a:r>
+            <a:r>
+              <a:rPr lang="en-US" dirty="0"/>
+              <a:t> Notebook</a:t>
+            </a:r>
           </a:p>
         </p:txBody>
       </p:sp>
@@ -4040,110 +4310,58 @@
 </file>
 
 <file path=ppt/theme/theme1.xml><?xml version="1.0" encoding="utf-8"?>
-<a:theme xmlns:a="http://schemas.openxmlformats.org/drawingml/2006/main" name="Office Theme">
+<a:theme xmlns:a="http://schemas.openxmlformats.org/drawingml/2006/main" name="View">
   <a:themeElements>
-    <a:clrScheme name="Office">
+    <a:clrScheme name="View">
       <a:dk1>
-        <a:sysClr val="windowText" lastClr="000000"/>
+        <a:srgbClr val="000000"/>
       </a:dk1>
       <a:lt1>
-        <a:sysClr val="window" lastClr="FFFFFF"/>
+        <a:srgbClr val="FFFFFF"/>
       </a:lt1>
       <a:dk2>
-        <a:srgbClr val="44546A"/>
+        <a:srgbClr val="46464A"/>
       </a:dk2>
       <a:lt2>
-        <a:srgbClr val="E7E6E6"/>
+        <a:srgbClr val="D6D3CC"/>
       </a:lt2>
       <a:accent1>
-        <a:srgbClr val="4472C4"/>
+        <a:srgbClr val="6F6F74"/>
       </a:accent1>
       <a:accent2>
-        <a:srgbClr val="ED7D31"/>
+        <a:srgbClr val="92A9B9"/>
       </a:accent2>
       <a:accent3>
-        <a:srgbClr val="A5A5A5"/>
+        <a:srgbClr val="A7B789"/>
       </a:accent3>
       <a:accent4>
-        <a:srgbClr val="FFC000"/>
+        <a:srgbClr val="B9A489"/>
       </a:accent4>
       <a:accent5>
-        <a:srgbClr val="5B9BD5"/>
+        <a:srgbClr val="8D6374"/>
       </a:accent5>
       <a:accent6>
-        <a:srgbClr val="70AD47"/>
+        <a:srgbClr val="9B7362"/>
       </a:accent6>
       <a:hlink>
-        <a:srgbClr val="0563C1"/>
+        <a:srgbClr val="67AABF"/>
       </a:hlink>
       <a:folHlink>
-        <a:srgbClr val="954F72"/>
+        <a:srgbClr val="ABAFA5"/>
       </a:folHlink>
     </a:clrScheme>
-    <a:fontScheme name="Office">
+    <a:fontScheme name="View">
       <a:majorFont>
-        <a:latin typeface="Calibri Light" panose="020F0302020204030204"/>
+        <a:latin typeface="Century Schoolbook" panose="02040604050505020304"/>
         <a:ea typeface=""/>
         <a:cs typeface=""/>
-        <a:font script="Jpan" typeface="游ゴシック Light"/>
+        <a:font script="Jpan" typeface="ＭＳ ゴシック"/>
         <a:font script="Hang" typeface="맑은 고딕"/>
-        <a:font script="Hans" typeface="等线 Light"/>
+        <a:font script="Hans" typeface="宋体"/>
         <a:font script="Hant" typeface="新細明體"/>
-        <a:font script="Arab" typeface="Times New Roman"/>
-        <a:font script="Hebr" typeface="Times New Roman"/>
-        <a:font script="Thai" typeface="Angsana New"/>
-        <a:font script="Ethi" typeface="Nyala"/>
-        <a:font script="Beng" typeface="Vrinda"/>
-        <a:font script="Gujr" typeface="Shruti"/>
-        <a:font script="Khmr" typeface="MoolBoran"/>
-        <a:font script="Knda" typeface="Tunga"/>
-        <a:font script="Guru" typeface="Raavi"/>
-        <a:font script="Cans" typeface="Euphemia"/>
-        <a:font script="Cher" typeface="Plantagenet Cherokee"/>
-        <a:font script="Yiii" typeface="Microsoft Yi Baiti"/>
-        <a:font script="Tibt" typeface="Microsoft Himalaya"/>
-        <a:font script="Thaa" typeface="MV Boli"/>
-        <a:font script="Deva" typeface="Mangal"/>
-        <a:font script="Telu" typeface="Gautami"/>
-        <a:font script="Taml" typeface="Latha"/>
-        <a:font script="Syrc" typeface="Estrangelo Edessa"/>
-        <a:font script="Orya" typeface="Kalinga"/>
-        <a:font script="Mlym" typeface="Kartika"/>
-        <a:font script="Laoo" typeface="DokChampa"/>
-        <a:font script="Sinh" typeface="Iskoola Pota"/>
-        <a:font script="Mong" typeface="Mongolian Baiti"/>
-        <a:font script="Viet" typeface="Times New Roman"/>
-        <a:font script="Uigh" typeface="Microsoft Uighur"/>
-        <a:font script="Geor" typeface="Sylfaen"/>
-        <a:font script="Armn" typeface="Arial"/>
-        <a:font script="Bugi" typeface="Leelawadee UI"/>
-        <a:font script="Bopo" typeface="Microsoft JhengHei"/>
-        <a:font script="Java" typeface="Javanese Text"/>
-        <a:font script="Lisu" typeface="Segoe UI"/>
-        <a:font script="Mymr" typeface="Myanmar Text"/>
-        <a:font script="Nkoo" typeface="Ebrima"/>
-        <a:font script="Olck" typeface="Nirmala UI"/>
-        <a:font script="Osma" typeface="Ebrima"/>
-        <a:font script="Phag" typeface="Phagspa"/>
-        <a:font script="Syrn" typeface="Estrangelo Edessa"/>
-        <a:font script="Syrj" typeface="Estrangelo Edessa"/>
-        <a:font script="Syre" typeface="Estrangelo Edessa"/>
-        <a:font script="Sora" typeface="Nirmala UI"/>
-        <a:font script="Tale" typeface="Microsoft Tai Le"/>
-        <a:font script="Talu" typeface="Microsoft New Tai Lue"/>
-        <a:font script="Tfng" typeface="Ebrima"/>
-      </a:majorFont>
-      <a:minorFont>
-        <a:latin typeface="Calibri" panose="020F0502020204030204"/>
-        <a:ea typeface=""/>
-        <a:cs typeface=""/>
-        <a:font script="Jpan" typeface="游ゴシック"/>
-        <a:font script="Hang" typeface="맑은 고딕"/>
-        <a:font script="Hans" typeface="等线"/>
-        <a:font script="Hant" typeface="新細明體"/>
-        <a:font script="Arab" typeface="Arial"/>
-        <a:font script="Hebr" typeface="Arial"/>
-        <a:font script="Thai" typeface="Cordia New"/>
+        <a:font script="Arab" typeface="Tahoma"/>
+        <a:font script="Hebr" typeface="Gisha"/>
+        <a:font script="Thai" typeface="DilleniaUPC"/>
         <a:font script="Ethi" typeface="Nyala"/>
         <a:font script="Beng" typeface="Vrinda"/>
         <a:font script="Gujr" typeface="Shruti"/>
@@ -4164,107 +4382,86 @@
         <a:font script="Laoo" typeface="DokChampa"/>
         <a:font script="Sinh" typeface="Iskoola Pota"/>
         <a:font script="Mong" typeface="Mongolian Baiti"/>
-        <a:font script="Viet" typeface="Arial"/>
+        <a:font script="Viet" typeface="Tahoma"/>
         <a:font script="Uigh" typeface="Microsoft Uighur"/>
         <a:font script="Geor" typeface="Sylfaen"/>
-        <a:font script="Armn" typeface="Arial"/>
-        <a:font script="Bugi" typeface="Leelawadee UI"/>
-        <a:font script="Bopo" typeface="Microsoft JhengHei"/>
-        <a:font script="Java" typeface="Javanese Text"/>
-        <a:font script="Lisu" typeface="Segoe UI"/>
-        <a:font script="Mymr" typeface="Myanmar Text"/>
-        <a:font script="Nkoo" typeface="Ebrima"/>
-        <a:font script="Olck" typeface="Nirmala UI"/>
-        <a:font script="Osma" typeface="Ebrima"/>
-        <a:font script="Phag" typeface="Phagspa"/>
-        <a:font script="Syrn" typeface="Estrangelo Edessa"/>
-        <a:font script="Syrj" typeface="Estrangelo Edessa"/>
-        <a:font script="Syre" typeface="Estrangelo Edessa"/>
-        <a:font script="Sora" typeface="Nirmala UI"/>
-        <a:font script="Tale" typeface="Microsoft Tai Le"/>
-        <a:font script="Talu" typeface="Microsoft New Tai Lue"/>
-        <a:font script="Tfng" typeface="Ebrima"/>
+      </a:majorFont>
+      <a:minorFont>
+        <a:latin typeface="Century Schoolbook" panose="02040604050505020304"/>
+        <a:ea typeface=""/>
+        <a:cs typeface=""/>
+        <a:font script="Jpan" typeface="ＭＳ ゴシック"/>
+        <a:font script="Hang" typeface="맑은 고딕"/>
+        <a:font script="Hans" typeface="宋体"/>
+        <a:font script="Hant" typeface="新細明體"/>
+        <a:font script="Arab" typeface="Tahoma"/>
+        <a:font script="Hebr" typeface="Gisha"/>
+        <a:font script="Thai" typeface="DilleniaUPC"/>
+        <a:font script="Ethi" typeface="Nyala"/>
+        <a:font script="Beng" typeface="Vrinda"/>
+        <a:font script="Gujr" typeface="Shruti"/>
+        <a:font script="Khmr" typeface="DaunPenh"/>
+        <a:font script="Knda" typeface="Tunga"/>
+        <a:font script="Guru" typeface="Raavi"/>
+        <a:font script="Cans" typeface="Euphemia"/>
+        <a:font script="Cher" typeface="Plantagenet Cherokee"/>
+        <a:font script="Yiii" typeface="Microsoft Yi Baiti"/>
+        <a:font script="Tibt" typeface="Microsoft Himalaya"/>
+        <a:font script="Thaa" typeface="MV Boli"/>
+        <a:font script="Deva" typeface="Mangal"/>
+        <a:font script="Telu" typeface="Gautami"/>
+        <a:font script="Taml" typeface="Latha"/>
+        <a:font script="Syrc" typeface="Estrangelo Edessa"/>
+        <a:font script="Orya" typeface="Kalinga"/>
+        <a:font script="Mlym" typeface="Kartika"/>
+        <a:font script="Laoo" typeface="DokChampa"/>
+        <a:font script="Sinh" typeface="Iskoola Pota"/>
+        <a:font script="Mong" typeface="Mongolian Baiti"/>
+        <a:font script="Viet" typeface="Verdana"/>
+        <a:font script="Uigh" typeface="Microsoft Uighur"/>
+        <a:font script="Geor" typeface="Sylfaen"/>
       </a:minorFont>
     </a:fontScheme>
-    <a:fmtScheme name="Office">
+    <a:fmtScheme name="View">
       <a:fillStyleLst>
         <a:solidFill>
           <a:schemeClr val="phClr"/>
         </a:solidFill>
-        <a:gradFill rotWithShape="1">
-          <a:gsLst>
-            <a:gs pos="0">
-              <a:schemeClr val="phClr">
-                <a:lumMod val="110000"/>
-                <a:satMod val="105000"/>
-                <a:tint val="67000"/>
-              </a:schemeClr>
-            </a:gs>
-            <a:gs pos="50000">
-              <a:schemeClr val="phClr">
-                <a:lumMod val="105000"/>
-                <a:satMod val="103000"/>
-                <a:tint val="73000"/>
-              </a:schemeClr>
-            </a:gs>
-            <a:gs pos="100000">
-              <a:schemeClr val="phClr">
-                <a:lumMod val="105000"/>
-                <a:satMod val="109000"/>
-                <a:tint val="81000"/>
-              </a:schemeClr>
-            </a:gs>
-          </a:gsLst>
-          <a:lin ang="5400000" scaled="0"/>
-        </a:gradFill>
-        <a:gradFill rotWithShape="1">
-          <a:gsLst>
-            <a:gs pos="0">
-              <a:schemeClr val="phClr">
-                <a:satMod val="103000"/>
-                <a:lumMod val="102000"/>
-                <a:tint val="94000"/>
-              </a:schemeClr>
-            </a:gs>
-            <a:gs pos="50000">
-              <a:schemeClr val="phClr">
-                <a:satMod val="110000"/>
-                <a:lumMod val="100000"/>
-                <a:shade val="100000"/>
-              </a:schemeClr>
-            </a:gs>
-            <a:gs pos="100000">
-              <a:schemeClr val="phClr">
-                <a:lumMod val="99000"/>
-                <a:satMod val="120000"/>
-                <a:shade val="78000"/>
-              </a:schemeClr>
-            </a:gs>
-          </a:gsLst>
-          <a:lin ang="5400000" scaled="0"/>
-        </a:gradFill>
+        <a:solidFill>
+          <a:schemeClr val="phClr">
+            <a:tint val="60000"/>
+            <a:satMod val="120000"/>
+          </a:schemeClr>
+        </a:solidFill>
+        <a:solidFill>
+          <a:schemeClr val="phClr">
+            <a:shade val="75000"/>
+            <a:satMod val="160000"/>
+          </a:schemeClr>
+        </a:solidFill>
       </a:fillStyleLst>
       <a:lnStyleLst>
-        <a:ln w="6350" cap="flat" cmpd="sng" algn="ctr">
+        <a:ln w="9525" cap="flat" cmpd="sng" algn="ctr">
           <a:solidFill>
             <a:schemeClr val="phClr"/>
           </a:solidFill>
           <a:prstDash val="solid"/>
-          <a:miter lim="800000"/>
         </a:ln>
-        <a:ln w="12700" cap="flat" cmpd="sng" algn="ctr">
+        <a:ln w="13970" cap="flat" cmpd="sng" algn="ctr">
           <a:solidFill>
             <a:schemeClr val="phClr"/>
           </a:solidFill>
           <a:prstDash val="solid"/>
-          <a:miter lim="800000"/>
         </a:ln>
-        <a:ln w="19050" cap="flat" cmpd="sng" algn="ctr">
+        <a:ln w="17145" cap="flat" cmpd="sng" algn="ctr">
           <a:solidFill>
-            <a:schemeClr val="phClr"/>
+            <a:schemeClr val="phClr">
+              <a:shade val="95000"/>
+              <a:alpha val="95000"/>
+              <a:satMod val="150000"/>
+            </a:schemeClr>
           </a:solidFill>
           <a:prstDash val="solid"/>
-          <a:miter lim="800000"/>
         </a:ln>
       </a:lnStyleLst>
       <a:effectStyleLst>
@@ -4272,16 +4469,52 @@
           <a:effectLst/>
         </a:effectStyle>
         <a:effectStyle>
-          <a:effectLst/>
+          <a:effectLst>
+            <a:outerShdw blurRad="50800" dist="15240" dir="5400000" algn="tl" rotWithShape="0">
+              <a:srgbClr val="000000">
+                <a:alpha val="75000"/>
+              </a:srgbClr>
+            </a:outerShdw>
+          </a:effectLst>
+          <a:scene3d>
+            <a:camera prst="orthographicFront">
+              <a:rot lat="0" lon="0" rev="0"/>
+            </a:camera>
+            <a:lightRig rig="brightRoom" dir="tl"/>
+          </a:scene3d>
+          <a:sp3d contourW="9525" prstMaterial="flat">
+            <a:bevelT w="0" h="0" prst="coolSlant"/>
+            <a:contourClr>
+              <a:schemeClr val="phClr">
+                <a:shade val="35000"/>
+                <a:satMod val="130000"/>
+              </a:schemeClr>
+            </a:contourClr>
+          </a:sp3d>
         </a:effectStyle>
         <a:effectStyle>
           <a:effectLst>
-            <a:outerShdw blurRad="57150" dist="19050" dir="5400000" algn="ctr" rotWithShape="0">
+            <a:outerShdw blurRad="76200" dist="25400" dir="5400000" algn="tl" rotWithShape="0">
               <a:srgbClr val="000000">
-                <a:alpha val="63000"/>
+                <a:alpha val="55000"/>
               </a:srgbClr>
             </a:outerShdw>
           </a:effectLst>
+          <a:scene3d>
+            <a:camera prst="orthographicFront">
+              <a:rot lat="0" lon="0" rev="0"/>
+            </a:camera>
+            <a:lightRig rig="brightRoom" dir="tl"/>
+          </a:scene3d>
+          <a:sp3d contourW="19050" prstMaterial="flat">
+            <a:bevelT w="0" h="0" prst="coolSlant"/>
+            <a:contourClr>
+              <a:schemeClr val="phClr">
+                <a:shade val="25000"/>
+                <a:satMod val="140000"/>
+              </a:schemeClr>
+            </a:contourClr>
+          </a:sp3d>
         </a:effectStyle>
       </a:effectStyleLst>
       <a:bgFillStyleLst>
@@ -4298,28 +4531,23 @@
           <a:gsLst>
             <a:gs pos="0">
               <a:schemeClr val="phClr">
-                <a:tint val="93000"/>
-                <a:satMod val="150000"/>
+                <a:tint val="94000"/>
                 <a:shade val="98000"/>
+                <a:satMod val="130000"/>
                 <a:lumMod val="102000"/>
-              </a:schemeClr>
-            </a:gs>
-            <a:gs pos="50000">
-              <a:schemeClr val="phClr">
-                <a:tint val="98000"/>
-                <a:satMod val="130000"/>
-                <a:shade val="90000"/>
-                <a:lumMod val="103000"/>
               </a:schemeClr>
             </a:gs>
             <a:gs pos="100000">
               <a:schemeClr val="phClr">
-                <a:shade val="63000"/>
-                <a:satMod val="120000"/>
+                <a:tint val="98000"/>
+                <a:shade val="78000"/>
+                <a:satMod val="140000"/>
               </a:schemeClr>
             </a:gs>
           </a:gsLst>
-          <a:lin ang="5400000" scaled="0"/>
+          <a:path path="circle">
+            <a:fillToRect l="100000" t="100000" r="100000" b="100000"/>
+          </a:path>
         </a:gradFill>
       </a:bgFillStyleLst>
     </a:fmtScheme>
@@ -4328,7 +4556,7 @@
   <a:extraClrSchemeLst/>
   <a:extLst>
     <a:ext uri="{05A4C25C-085E-4340-85A3-A5531E510DB2}">
-      <thm15:themeFamily xmlns:thm15="http://schemas.microsoft.com/office/thememl/2012/main" name="Office Theme" id="{62F939B6-93AF-4DB8-9C6B-D6C7DFDC589F}" vid="{4A3C46E8-61CC-4603-A589-7422A47A8E4A}"/>
+      <thm15:themeFamily xmlns:thm15="http://schemas.microsoft.com/office/thememl/2012/main" name="View" id="{BA0EB5A6-F2D4-4F82-977B-64ADEE4A2A69}" vid="{3969A8A2-35DB-4E3B-8885-16FD20568674}"/>
     </a:ext>
   </a:extLst>
 </a:theme>

--- a/DMV_Health_Care_Presentation.pptx
+++ b/DMV_Health_Care_Presentation.pptx
@@ -3788,63 +3788,93 @@
             <p:ph idx="1"/>
           </p:nvPr>
         </p:nvSpPr>
-        <p:spPr/>
-        <p:txBody>
-          <a:bodyPr/>
+        <p:spPr>
+          <a:xfrm>
+            <a:off x="1261872" y="1828800"/>
+            <a:ext cx="8595360" cy="4663440"/>
+          </a:xfrm>
+        </p:spPr>
+        <p:txBody>
+          <a:bodyPr>
+            <a:normAutofit lnSpcReduction="10000"/>
+          </a:bodyPr>
           <a:lstStyle/>
           <a:p>
             <a:r>
               <a:rPr lang="en-US" dirty="0"/>
-              <a:t>Healthcare Provider Data: Doctors and Hospitals</a:t>
+              <a:t>Question #1: What is the likelihood that more doctors would be located in higher populated areas?</a:t>
             </a:r>
           </a:p>
           <a:p>
             <a:pPr lvl="1"/>
             <a:r>
               <a:rPr lang="en-US" dirty="0"/>
-              <a:t>Google Places API</a:t>
-            </a:r>
-          </a:p>
-          <a:p>
+              <a:t>Number of doctors by zip code: Google Places API</a:t>
+            </a:r>
+          </a:p>
+          <a:p>
+            <a:pPr lvl="1"/>
             <a:r>
               <a:rPr lang="en-US" dirty="0"/>
-              <a:t>Healthcare Coverage</a:t>
+              <a:t>Population by zip code: US Census Bureau, American Fact Finder</a:t>
+            </a:r>
+          </a:p>
+          <a:p>
+            <a:r>
+              <a:rPr lang="en-US" u="sng" dirty="0"/>
+              <a:t>Question #2:</a:t>
+            </a:r>
+            <a:r>
+              <a:rPr lang="en-US" dirty="0"/>
+              <a:t> Would hospital facilities be located more within higher income or lower income areas?</a:t>
             </a:r>
           </a:p>
           <a:p>
             <a:pPr lvl="1"/>
             <a:r>
               <a:rPr lang="en-US" dirty="0"/>
-              <a:t>American Fact Finder from the US Census Bureau</a:t>
-            </a:r>
-          </a:p>
-          <a:p>
+              <a:t>Number of hospitals by zip code: Google Places API</a:t>
+            </a:r>
+          </a:p>
+          <a:p>
+            <a:pPr lvl="1"/>
             <a:r>
               <a:rPr lang="en-US" dirty="0"/>
-              <a:t>Economic </a:t>
-            </a:r>
-            <a:r>
-              <a:rPr lang="en-US" dirty="0" err="1"/>
-              <a:t>Indivators</a:t>
-            </a:r>
-            <a:endParaRPr lang="en-US" dirty="0"/>
+              <a:t>Income by zip code: US Census Bureau, American Fact Finder</a:t>
+            </a:r>
+          </a:p>
+          <a:p>
+            <a:r>
+              <a:rPr lang="en-US" u="sng" dirty="0"/>
+              <a:t>Question #3:</a:t>
+            </a:r>
+            <a:r>
+              <a:rPr lang="en-US" dirty="0"/>
+              <a:t> Is the unemployment rate higher in lower income areas?</a:t>
+            </a:r>
           </a:p>
           <a:p>
             <a:pPr lvl="1"/>
             <a:r>
               <a:rPr lang="en-US" dirty="0"/>
-              <a:t>American Fact Finder from the US Census Bureau</a:t>
+              <a:t>Unemployment and Per Capita Income by zip code: US Census Bureau, American Fact Finder</a:t>
+            </a:r>
+          </a:p>
+          <a:p>
+            <a:r>
+              <a:rPr lang="en-US" u="sng" dirty="0"/>
+              <a:t>Question 4:</a:t>
+            </a:r>
+            <a:r>
+              <a:rPr lang="en-US" dirty="0"/>
+              <a:t> Does per capita income influence the percentage of individuals possess healthcare insurance?</a:t>
             </a:r>
           </a:p>
           <a:p>
             <a:pPr lvl="1"/>
-            <a:endParaRPr lang="en-US" dirty="0"/>
-          </a:p>
-          <a:p>
-            <a:pPr lvl="1"/>
             <a:r>
               <a:rPr lang="en-US" dirty="0"/>
-              <a:t>Elaborate on the questions you asked, describing what kinds of data you needed to answer them, and where you found it</a:t>
+              <a:t>Per Capita Income and Percent of pop. Insured: US Census Bureau, American Fact Finder</a:t>
             </a:r>
           </a:p>
         </p:txBody>
@@ -3923,14 +3953,137 @@
             <p:ph idx="1"/>
           </p:nvPr>
         </p:nvSpPr>
-        <p:spPr/>
-        <p:txBody>
-          <a:bodyPr/>
+        <p:spPr>
+          <a:xfrm>
+            <a:off x="1261872" y="1828800"/>
+            <a:ext cx="9009888" cy="4351337"/>
+          </a:xfrm>
+        </p:spPr>
+        <p:txBody>
+          <a:bodyPr>
+            <a:normAutofit/>
+          </a:bodyPr>
           <a:lstStyle/>
           <a:p>
             <a:r>
               <a:rPr lang="en-US" dirty="0"/>
-              <a:t>Economic Data: </a:t>
+              <a:t>Exploration and Cleanup</a:t>
+            </a:r>
+          </a:p>
+          <a:p>
+            <a:pPr lvl="1"/>
+            <a:r>
+              <a:rPr lang="en-US" dirty="0"/>
+              <a:t>Selected desired data and downloaded into multiple CSVs from factfinder.census.gov</a:t>
+            </a:r>
+          </a:p>
+          <a:p>
+            <a:pPr lvl="1"/>
+            <a:r>
+              <a:rPr lang="en-US" dirty="0"/>
+              <a:t>Cleaned it in Pandas with </a:t>
+            </a:r>
+            <a:r>
+              <a:rPr lang="en-US" dirty="0" err="1"/>
+              <a:t>DataFrames</a:t>
+            </a:r>
+            <a:r>
+              <a:rPr lang="en-US" dirty="0"/>
+              <a:t> – eliminated, renamed, and merged </a:t>
+            </a:r>
+            <a:r>
+              <a:rPr lang="en-US" dirty="0" err="1"/>
+              <a:t>DataFrame</a:t>
+            </a:r>
+            <a:r>
+              <a:rPr lang="en-US" dirty="0"/>
+              <a:t> from multiple CSVs. </a:t>
+            </a:r>
+          </a:p>
+          <a:p>
+            <a:pPr lvl="1"/>
+            <a:r>
+              <a:rPr lang="en-US" dirty="0"/>
+              <a:t>Google Places API??</a:t>
+            </a:r>
+          </a:p>
+          <a:p>
+            <a:pPr lvl="1"/>
+            <a:r>
+              <a:rPr lang="en-US" dirty="0"/>
+              <a:t>Turned the Google Places data into a </a:t>
+            </a:r>
+            <a:r>
+              <a:rPr lang="en-US" dirty="0" err="1"/>
+              <a:t>DataFrame</a:t>
+            </a:r>
+            <a:r>
+              <a:rPr lang="en-US" dirty="0"/>
+              <a:t>, which was merged with the economic indicators</a:t>
+            </a:r>
+          </a:p>
+          <a:p>
+            <a:r>
+              <a:rPr lang="en-US" dirty="0"/>
+              <a:t>Unexpected Insights</a:t>
+            </a:r>
+          </a:p>
+          <a:p>
+            <a:pPr lvl="1"/>
+            <a:r>
+              <a:rPr lang="en-US" dirty="0">
+                <a:solidFill>
+                  <a:srgbClr val="FF0000"/>
+                </a:solidFill>
+              </a:rPr>
+              <a:t>??</a:t>
+            </a:r>
+          </a:p>
+          <a:p>
+            <a:r>
+              <a:rPr lang="en-US" dirty="0"/>
+              <a:t>Problems</a:t>
+            </a:r>
+          </a:p>
+          <a:p>
+            <a:pPr lvl="1"/>
+            <a:r>
+              <a:rPr lang="en-US" dirty="0">
+                <a:solidFill>
+                  <a:srgbClr val="FF0000"/>
+                </a:solidFill>
+              </a:rPr>
+              <a:t>Problem we discovered on </a:t>
+            </a:r>
+            <a:r>
+              <a:rPr lang="en-US" dirty="0" err="1">
+                <a:solidFill>
+                  <a:srgbClr val="FF0000"/>
+                </a:solidFill>
+              </a:rPr>
+              <a:t>thursday</a:t>
+            </a:r>
+            <a:endParaRPr lang="en-US" dirty="0">
+              <a:solidFill>
+                <a:srgbClr val="FF0000"/>
+              </a:solidFill>
+            </a:endParaRPr>
+          </a:p>
+          <a:p>
+            <a:r>
+              <a:rPr lang="en-US" dirty="0"/>
+              <a:t>New Tools</a:t>
+            </a:r>
+          </a:p>
+          <a:p>
+            <a:pPr lvl="1"/>
+            <a:r>
+              <a:rPr lang="en-US" dirty="0">
+                <a:solidFill>
+                  <a:srgbClr val="FF0000"/>
+                </a:solidFill>
+              </a:rPr>
+              <a:t>Describe API mapping process</a:t>
             </a:r>
           </a:p>
         </p:txBody>
@@ -4016,25 +4169,13 @@
           <a:p>
             <a:r>
               <a:rPr lang="en-US" dirty="0"/>
-              <a:t>Describe the exploration and cleanup process</a:t>
+              <a:t>Discuss the steps you took to analyze the data and answer each question you asked in your proposal</a:t>
             </a:r>
           </a:p>
           <a:p>
             <a:r>
               <a:rPr lang="en-US" dirty="0"/>
-              <a:t>Discuss insights you had while exploring the data that you didn't anticipate</a:t>
-            </a:r>
-          </a:p>
-          <a:p>
-            <a:r>
-              <a:rPr lang="en-US" dirty="0"/>
-              <a:t>Discuss any problems that arose after exploring the data, and how you resolved them</a:t>
-            </a:r>
-          </a:p>
-          <a:p>
-            <a:r>
-              <a:rPr lang="en-US" dirty="0"/>
-              <a:t>Present and discuss interesting figures developed during exploration, ideally with the help of </a:t>
+              <a:t>Present and discuss interesting figures developed during analysis, ideally with the help of </a:t>
             </a:r>
             <a:r>
               <a:rPr lang="en-US" dirty="0" err="1"/>
@@ -4100,7 +4241,7 @@
           <a:p>
             <a:r>
               <a:rPr lang="en-US" dirty="0"/>
-              <a:t>Discussion</a:t>
+              <a:t>Discussion – Question 1</a:t>
             </a:r>
           </a:p>
         </p:txBody>
@@ -4126,10 +4267,52 @@
           <a:bodyPr/>
           <a:lstStyle/>
           <a:p>
-            <a:endParaRPr lang="en-US"/>
-          </a:p>
-        </p:txBody>
-      </p:sp>
+            <a:r>
+              <a:rPr lang="en-US" dirty="0"/>
+              <a:t>We did not find a relationship between the income of a zip code and the number of doctors practicing there. </a:t>
+            </a:r>
+          </a:p>
+        </p:txBody>
+      </p:sp>
+      <p:pic>
+        <p:nvPicPr>
+          <p:cNvPr id="4" name="Picture 3" descr="C:\Users\rrphe\AppData\Local\Microsoft\Windows\INetCache\Content.MSO\CCEB6F30.tmp">
+            <a:extLst>
+              <a:ext uri="{FF2B5EF4-FFF2-40B4-BE49-F238E27FC236}">
+                <a16:creationId xmlns:a16="http://schemas.microsoft.com/office/drawing/2014/main" id="{EB99BEFC-D4BF-4AC2-AD16-2BEE8736FCF7}"/>
+              </a:ext>
+            </a:extLst>
+          </p:cNvPr>
+          <p:cNvPicPr/>
+          <p:nvPr/>
+        </p:nvPicPr>
+        <p:blipFill>
+          <a:blip r:embed="rId2">
+            <a:extLst>
+              <a:ext uri="{28A0092B-C50C-407E-A947-70E740481C1C}">
+                <a14:useLocalDpi xmlns:a14="http://schemas.microsoft.com/office/drawing/2010/main" val="0"/>
+              </a:ext>
+            </a:extLst>
+          </a:blip>
+          <a:srcRect/>
+          <a:stretch>
+            <a:fillRect/>
+          </a:stretch>
+        </p:blipFill>
+        <p:spPr bwMode="auto">
+          <a:xfrm>
+            <a:off x="2587083" y="2592070"/>
+            <a:ext cx="6311590" cy="3900170"/>
+          </a:xfrm>
+          <a:prstGeom prst="rect">
+            <a:avLst/>
+          </a:prstGeom>
+          <a:noFill/>
+          <a:ln>
+            <a:noFill/>
+          </a:ln>
+        </p:spPr>
+      </p:pic>
     </p:spTree>
     <p:extLst>
       <p:ext uri="{BB962C8B-B14F-4D97-AF65-F5344CB8AC3E}">

--- a/DMV_Health_Care_Presentation.pptx
+++ b/DMV_Health_Care_Presentation.pptx
@@ -11,8 +11,10 @@
     <p:sldId id="259" r:id="rId5"/>
     <p:sldId id="260" r:id="rId6"/>
     <p:sldId id="261" r:id="rId7"/>
-    <p:sldId id="262" r:id="rId8"/>
-    <p:sldId id="263" r:id="rId9"/>
+    <p:sldId id="264" r:id="rId8"/>
+    <p:sldId id="265" r:id="rId9"/>
+    <p:sldId id="262" r:id="rId10"/>
+    <p:sldId id="263" r:id="rId11"/>
   </p:sldIdLst>
   <p:sldSz cx="12192000" cy="6858000"/>
   <p:notesSz cx="6858000" cy="9144000"/>
@@ -3611,6 +3613,89 @@
 </p:sld>
 </file>
 
+<file path=ppt/slides/slide10.xml><?xml version="1.0" encoding="utf-8"?>
+<p:sld xmlns:a="http://schemas.openxmlformats.org/drawingml/2006/main" xmlns:r="http://schemas.openxmlformats.org/officeDocument/2006/relationships" xmlns:p="http://schemas.openxmlformats.org/presentationml/2006/main">
+  <p:cSld>
+    <p:spTree>
+      <p:nvGrpSpPr>
+        <p:cNvPr id="1" name=""/>
+        <p:cNvGrpSpPr/>
+        <p:nvPr/>
+      </p:nvGrpSpPr>
+      <p:grpSpPr>
+        <a:xfrm>
+          <a:off x="0" y="0"/>
+          <a:ext cx="0" cy="0"/>
+          <a:chOff x="0" y="0"/>
+          <a:chExt cx="0" cy="0"/>
+        </a:xfrm>
+      </p:grpSpPr>
+      <p:sp>
+        <p:nvSpPr>
+          <p:cNvPr id="2" name="Title 1">
+            <a:extLst>
+              <a:ext uri="{FF2B5EF4-FFF2-40B4-BE49-F238E27FC236}">
+                <a16:creationId xmlns:a16="http://schemas.microsoft.com/office/drawing/2014/main" id="{73E998BA-4D88-422D-B8EE-5118A4EE704E}"/>
+              </a:ext>
+            </a:extLst>
+          </p:cNvPr>
+          <p:cNvSpPr>
+            <a:spLocks noGrp="1"/>
+          </p:cNvSpPr>
+          <p:nvPr>
+            <p:ph type="title"/>
+          </p:nvPr>
+        </p:nvSpPr>
+        <p:spPr/>
+        <p:txBody>
+          <a:bodyPr/>
+          <a:lstStyle/>
+          <a:p>
+            <a:r>
+              <a:rPr lang="en-US" dirty="0"/>
+              <a:t>Questions</a:t>
+            </a:r>
+          </a:p>
+        </p:txBody>
+      </p:sp>
+      <p:sp>
+        <p:nvSpPr>
+          <p:cNvPr id="3" name="Content Placeholder 2">
+            <a:extLst>
+              <a:ext uri="{FF2B5EF4-FFF2-40B4-BE49-F238E27FC236}">
+                <a16:creationId xmlns:a16="http://schemas.microsoft.com/office/drawing/2014/main" id="{243E82C2-59DB-4682-93F1-DC96A7849DD2}"/>
+              </a:ext>
+            </a:extLst>
+          </p:cNvPr>
+          <p:cNvSpPr>
+            <a:spLocks noGrp="1"/>
+          </p:cNvSpPr>
+          <p:nvPr>
+            <p:ph idx="1"/>
+          </p:nvPr>
+        </p:nvSpPr>
+        <p:spPr/>
+        <p:txBody>
+          <a:bodyPr/>
+          <a:lstStyle/>
+          <a:p>
+            <a:endParaRPr lang="en-US"/>
+          </a:p>
+        </p:txBody>
+      </p:sp>
+    </p:spTree>
+    <p:extLst>
+      <p:ext uri="{BB962C8B-B14F-4D97-AF65-F5344CB8AC3E}">
+        <p14:creationId xmlns:p14="http://schemas.microsoft.com/office/powerpoint/2010/main" val="2306837589"/>
+      </p:ext>
+    </p:extLst>
+  </p:cSld>
+  <p:clrMapOvr>
+    <a:masterClrMapping/>
+  </p:clrMapOvr>
+</p:sld>
+</file>
+
 <file path=ppt/slides/slide2.xml><?xml version="1.0" encoding="utf-8"?>
 <p:sld xmlns:a="http://schemas.openxmlformats.org/drawingml/2006/main" xmlns:r="http://schemas.openxmlformats.org/officeDocument/2006/relationships" xmlns:p="http://schemas.openxmlformats.org/presentationml/2006/main">
   <p:cSld>
@@ -4302,7 +4387,7 @@
         <p:spPr bwMode="auto">
           <a:xfrm>
             <a:off x="2587083" y="2592070"/>
-            <a:ext cx="6311590" cy="3900170"/>
+            <a:ext cx="6008277" cy="3900170"/>
           </a:xfrm>
           <a:prstGeom prst="rect">
             <a:avLst/>
@@ -4348,7 +4433,7 @@
           <p:cNvPr id="2" name="Title 1">
             <a:extLst>
               <a:ext uri="{FF2B5EF4-FFF2-40B4-BE49-F238E27FC236}">
-                <a16:creationId xmlns:a16="http://schemas.microsoft.com/office/drawing/2014/main" id="{EDD39E4F-6AE4-4794-B3B4-0075C47E36DC}"/>
+                <a16:creationId xmlns:a16="http://schemas.microsoft.com/office/drawing/2014/main" id="{DC63353E-0853-4CDC-9EB3-33EE791C7182}"/>
               </a:ext>
             </a:extLst>
           </p:cNvPr>
@@ -4359,14 +4444,25 @@
             <p:ph type="title"/>
           </p:nvPr>
         </p:nvSpPr>
-        <p:spPr/>
-        <p:txBody>
-          <a:bodyPr/>
-          <a:lstStyle/>
-          <a:p>
+        <p:spPr>
+          <a:xfrm>
+            <a:off x="1261872" y="365760"/>
+            <a:ext cx="9692640" cy="1325562"/>
+          </a:xfrm>
+        </p:spPr>
+        <p:txBody>
+          <a:bodyPr>
+            <a:normAutofit fontScale="90000"/>
+          </a:bodyPr>
+          <a:lstStyle/>
+          <a:p>
+            <a:r>
+              <a:rPr lang="en-US" u="sng" dirty="0"/>
+              <a:t>Question #2:</a:t>
+            </a:r>
             <a:r>
               <a:rPr lang="en-US" dirty="0"/>
-              <a:t>Post Mortem</a:t>
+              <a:t> Are there more hospitals in lower- or higher-income zip codes?</a:t>
             </a:r>
           </a:p>
         </p:txBody>
@@ -4376,7 +4472,7 @@
           <p:cNvPr id="3" name="Content Placeholder 2">
             <a:extLst>
               <a:ext uri="{FF2B5EF4-FFF2-40B4-BE49-F238E27FC236}">
-                <a16:creationId xmlns:a16="http://schemas.microsoft.com/office/drawing/2014/main" id="{47D64A1A-01EA-4B8B-9E25-F72036AADC65}"/>
+                <a16:creationId xmlns:a16="http://schemas.microsoft.com/office/drawing/2014/main" id="{57FD486A-7CF0-4165-94AA-554789F0864B}"/>
               </a:ext>
             </a:extLst>
           </p:cNvPr>
@@ -4392,14 +4488,62 @@
           <a:bodyPr/>
           <a:lstStyle/>
           <a:p>
-            <a:endParaRPr lang="en-US"/>
-          </a:p>
-        </p:txBody>
-      </p:sp>
+            <a:r>
+              <a:rPr lang="en-US" dirty="0"/>
+              <a:t>More hospitals at either the higher or lower end and not as much within areas with medium income per capita</a:t>
+            </a:r>
+          </a:p>
+          <a:p>
+            <a:r>
+              <a:rPr lang="en-US" dirty="0"/>
+              <a:t>Possibly due to lower property costs</a:t>
+            </a:r>
+          </a:p>
+        </p:txBody>
+      </p:sp>
+      <p:pic>
+        <p:nvPicPr>
+          <p:cNvPr id="4" name="Picture 3" descr="C:\Users\rrphe\AppData\Local\Microsoft\Windows\INetCache\Content.MSO\85FB0CBE.tmp">
+            <a:extLst>
+              <a:ext uri="{FF2B5EF4-FFF2-40B4-BE49-F238E27FC236}">
+                <a16:creationId xmlns:a16="http://schemas.microsoft.com/office/drawing/2014/main" id="{F86972CC-C408-4A4E-8D67-9133771218BB}"/>
+              </a:ext>
+            </a:extLst>
+          </p:cNvPr>
+          <p:cNvPicPr/>
+          <p:nvPr/>
+        </p:nvPicPr>
+        <p:blipFill>
+          <a:blip r:embed="rId2">
+            <a:extLst>
+              <a:ext uri="{28A0092B-C50C-407E-A947-70E740481C1C}">
+                <a14:useLocalDpi xmlns:a14="http://schemas.microsoft.com/office/drawing/2010/main" val="0"/>
+              </a:ext>
+            </a:extLst>
+          </a:blip>
+          <a:srcRect/>
+          <a:stretch>
+            <a:fillRect/>
+          </a:stretch>
+        </p:blipFill>
+        <p:spPr bwMode="auto">
+          <a:xfrm>
+            <a:off x="2820532" y="2989153"/>
+            <a:ext cx="5453671" cy="3656974"/>
+          </a:xfrm>
+          <a:prstGeom prst="rect">
+            <a:avLst/>
+          </a:prstGeom>
+          <a:noFill/>
+          <a:ln>
+            <a:noFill/>
+          </a:ln>
+        </p:spPr>
+      </p:pic>
     </p:spTree>
     <p:extLst>
       <p:ext uri="{BB962C8B-B14F-4D97-AF65-F5344CB8AC3E}">
-        <p14:creationId xmlns:p14="http://schemas.microsoft.com/office/powerpoint/2010/main" val="3128893982"/>
+        <p14:creationId xmlns:p14="http://schemas.microsoft.com/office/powerpoint/2010/main" val="3905060995"/>
       </p:ext>
     </p:extLst>
   </p:cSld>
@@ -4431,7 +4575,7 @@
           <p:cNvPr id="2" name="Title 1">
             <a:extLst>
               <a:ext uri="{FF2B5EF4-FFF2-40B4-BE49-F238E27FC236}">
-                <a16:creationId xmlns:a16="http://schemas.microsoft.com/office/drawing/2014/main" id="{73E998BA-4D88-422D-B8EE-5118A4EE704E}"/>
+                <a16:creationId xmlns:a16="http://schemas.microsoft.com/office/drawing/2014/main" id="{7A746ADF-E799-49B3-9573-E5AEACA23CC0}"/>
               </a:ext>
             </a:extLst>
           </p:cNvPr>
@@ -4447,10 +4591,7 @@
           <a:bodyPr/>
           <a:lstStyle/>
           <a:p>
-            <a:r>
-              <a:rPr lang="en-US" dirty="0"/>
-              <a:t>Questions</a:t>
-            </a:r>
+            <a:endParaRPr lang="en-US"/>
           </a:p>
         </p:txBody>
       </p:sp>
@@ -4459,7 +4600,7 @@
           <p:cNvPr id="3" name="Content Placeholder 2">
             <a:extLst>
               <a:ext uri="{FF2B5EF4-FFF2-40B4-BE49-F238E27FC236}">
-                <a16:creationId xmlns:a16="http://schemas.microsoft.com/office/drawing/2014/main" id="{243E82C2-59DB-4682-93F1-DC96A7849DD2}"/>
+                <a16:creationId xmlns:a16="http://schemas.microsoft.com/office/drawing/2014/main" id="{7BAC65AD-D708-4CD1-BC54-32ED6540B8AE}"/>
               </a:ext>
             </a:extLst>
           </p:cNvPr>
@@ -4482,7 +4623,90 @@
     </p:spTree>
     <p:extLst>
       <p:ext uri="{BB962C8B-B14F-4D97-AF65-F5344CB8AC3E}">
-        <p14:creationId xmlns:p14="http://schemas.microsoft.com/office/powerpoint/2010/main" val="2306837589"/>
+        <p14:creationId xmlns:p14="http://schemas.microsoft.com/office/powerpoint/2010/main" val="2528020905"/>
+      </p:ext>
+    </p:extLst>
+  </p:cSld>
+  <p:clrMapOvr>
+    <a:masterClrMapping/>
+  </p:clrMapOvr>
+</p:sld>
+</file>
+
+<file path=ppt/slides/slide9.xml><?xml version="1.0" encoding="utf-8"?>
+<p:sld xmlns:a="http://schemas.openxmlformats.org/drawingml/2006/main" xmlns:r="http://schemas.openxmlformats.org/officeDocument/2006/relationships" xmlns:p="http://schemas.openxmlformats.org/presentationml/2006/main">
+  <p:cSld>
+    <p:spTree>
+      <p:nvGrpSpPr>
+        <p:cNvPr id="1" name=""/>
+        <p:cNvGrpSpPr/>
+        <p:nvPr/>
+      </p:nvGrpSpPr>
+      <p:grpSpPr>
+        <a:xfrm>
+          <a:off x="0" y="0"/>
+          <a:ext cx="0" cy="0"/>
+          <a:chOff x="0" y="0"/>
+          <a:chExt cx="0" cy="0"/>
+        </a:xfrm>
+      </p:grpSpPr>
+      <p:sp>
+        <p:nvSpPr>
+          <p:cNvPr id="2" name="Title 1">
+            <a:extLst>
+              <a:ext uri="{FF2B5EF4-FFF2-40B4-BE49-F238E27FC236}">
+                <a16:creationId xmlns:a16="http://schemas.microsoft.com/office/drawing/2014/main" id="{EDD39E4F-6AE4-4794-B3B4-0075C47E36DC}"/>
+              </a:ext>
+            </a:extLst>
+          </p:cNvPr>
+          <p:cNvSpPr>
+            <a:spLocks noGrp="1"/>
+          </p:cNvSpPr>
+          <p:nvPr>
+            <p:ph type="title"/>
+          </p:nvPr>
+        </p:nvSpPr>
+        <p:spPr/>
+        <p:txBody>
+          <a:bodyPr/>
+          <a:lstStyle/>
+          <a:p>
+            <a:r>
+              <a:rPr lang="en-US" dirty="0"/>
+              <a:t>Post Mortem</a:t>
+            </a:r>
+          </a:p>
+        </p:txBody>
+      </p:sp>
+      <p:sp>
+        <p:nvSpPr>
+          <p:cNvPr id="3" name="Content Placeholder 2">
+            <a:extLst>
+              <a:ext uri="{FF2B5EF4-FFF2-40B4-BE49-F238E27FC236}">
+                <a16:creationId xmlns:a16="http://schemas.microsoft.com/office/drawing/2014/main" id="{47D64A1A-01EA-4B8B-9E25-F72036AADC65}"/>
+              </a:ext>
+            </a:extLst>
+          </p:cNvPr>
+          <p:cNvSpPr>
+            <a:spLocks noGrp="1"/>
+          </p:cNvSpPr>
+          <p:nvPr>
+            <p:ph idx="1"/>
+          </p:nvPr>
+        </p:nvSpPr>
+        <p:spPr/>
+        <p:txBody>
+          <a:bodyPr/>
+          <a:lstStyle/>
+          <a:p>
+            <a:endParaRPr lang="en-US"/>
+          </a:p>
+        </p:txBody>
+      </p:sp>
+    </p:spTree>
+    <p:extLst>
+      <p:ext uri="{BB962C8B-B14F-4D97-AF65-F5344CB8AC3E}">
+        <p14:creationId xmlns:p14="http://schemas.microsoft.com/office/powerpoint/2010/main" val="3128893982"/>
       </p:ext>
     </p:extLst>
   </p:cSld>
